--- a/3035349015.pptx
+++ b/3035349015.pptx
@@ -110,7 +110,7 @@
   </p:defaultTextStyle>
   <p:extLst>
     <p:ext uri="{EFAFB233-063F-42B5-8137-9DF3F51BA10A}">
-      <p15:sldGuideLst xmlns:p15="http://schemas.microsoft.com/office/powerpoint/2012/main">
+      <p15:sldGuideLst xmlns:p15="http://schemas.microsoft.com/office/powerpoint/2012/main" xmlns="">
         <p15:guide id="1" orient="horz" pos="10368">
           <p15:clr>
             <a:srgbClr val="A4A3A4"/>
@@ -130,11 +130,7 @@
 <file path=ppt/commentAuthors.xml><?xml version="1.0" encoding="utf-8"?>
 <p:cmAuthorLst xmlns:a="http://schemas.openxmlformats.org/drawingml/2006/main" xmlns:r="http://schemas.openxmlformats.org/officeDocument/2006/relationships" xmlns:p="http://schemas.openxmlformats.org/presentationml/2006/main">
   <p:cmAuthor id="1" name="henrypan" initials="h" lastIdx="1" clrIdx="0">
-    <p:extLst>
-      <p:ext uri="{19B8F6BF-5375-455C-9EA6-DF929625EA0E}">
-        <p15:presenceInfo xmlns:p15="http://schemas.microsoft.com/office/powerpoint/2012/main" userId="henrypan" providerId="None"/>
-      </p:ext>
-    </p:extLst>
+    <p:extLst/>
   </p:cmAuthor>
 </p:cmAuthorLst>
 </file>
@@ -774,6 +770,16 @@
                 <a:spcPts val="1800"/>
               </a:spcAft>
             </a:pPr>
+            <a:r>
+              <a:rPr lang="en-US" sz="3600" dirty="0">
+                <a:solidFill>
+                  <a:srgbClr val="7F7F7F"/>
+                </a:solidFill>
+                <a:latin typeface="Calibri" pitchFamily="34" charset="0"/>
+                <a:cs typeface="Calibri" panose="020F0502020204030204" pitchFamily="34" charset="0"/>
+              </a:rPr>
+              <a:t/>
+            </a:r>
             <a:br>
               <a:rPr lang="en-US" sz="3600" dirty="0">
                 <a:solidFill>
@@ -1473,6 +1479,18 @@
                   <a:spcPts val="0"/>
                 </a:spcAft>
               </a:pPr>
+              <a:r>
+                <a:rPr lang="en-US" sz="3600" dirty="0">
+                  <a:solidFill>
+                    <a:schemeClr val="bg1">
+                      <a:lumMod val="50000"/>
+                    </a:schemeClr>
+                  </a:solidFill>
+                  <a:latin typeface="Calibri" pitchFamily="34" charset="0"/>
+                  <a:cs typeface="Calibri" panose="020F0502020204030204" pitchFamily="34" charset="0"/>
+                </a:rPr>
+                <a:t/>
+              </a:r>
               <a:br>
                 <a:rPr lang="en-US" sz="3600" dirty="0">
                   <a:solidFill>
@@ -1680,7 +1698,7 @@
           <a:p>
             <a:fld id="{985D6BDF-9D0E-4E2B-85B8-D8F4790360C9}" type="datetimeFigureOut">
               <a:rPr lang="en-US" smtClean="0"/>
-              <a:t>6/26/2019</a:t>
+              <a:t>6/27/2019</a:t>
             </a:fld>
             <a:endParaRPr lang="en-US" dirty="0"/>
           </a:p>
@@ -1891,7 +1909,7 @@
           <a:p>
             <a:fld id="{985D6BDF-9D0E-4E2B-85B8-D8F4790360C9}" type="datetimeFigureOut">
               <a:rPr lang="en-US" smtClean="0"/>
-              <a:t>6/26/2019</a:t>
+              <a:t>6/27/2019</a:t>
             </a:fld>
             <a:endParaRPr lang="en-US" dirty="0"/>
           </a:p>
@@ -2267,7 +2285,7 @@
         </p:nvSpPr>
         <p:spPr bwMode="auto">
           <a:xfrm>
-            <a:off x="11567160" y="5486400"/>
+            <a:off x="11567160" y="5481122"/>
             <a:ext cx="20208240" cy="18288000"/>
           </a:xfrm>
           <a:prstGeom prst="rect">
@@ -2438,8 +2456,8 @@
         </p:nvSpPr>
         <p:spPr bwMode="auto">
           <a:xfrm>
-            <a:off x="627096" y="167065"/>
-            <a:ext cx="21945600" cy="2415929"/>
+            <a:off x="627096" y="136288"/>
+            <a:ext cx="21945600" cy="2477484"/>
           </a:xfrm>
           <a:prstGeom prst="rect">
             <a:avLst/>
@@ -2595,7 +2613,7 @@
           <a:p>
             <a:pPr eaLnBrk="1" hangingPunct="1"/>
             <a:r>
-              <a:rPr lang="en-US" sz="4000" b="1" dirty="0">
+              <a:rPr lang="en-US" sz="4400" b="1" dirty="0">
                 <a:solidFill>
                   <a:schemeClr val="accent3">
                     <a:lumMod val="20000"/>
@@ -2604,7 +2622,16 @@
                 </a:solidFill>
                 <a:latin typeface="+mn-lt"/>
               </a:rPr>
-              <a:t>  Offline and real-time speaker diarization system based on binary key modelling</a:t>
+              <a:t>  </a:t>
+            </a:r>
+            <a:r>
+              <a:rPr lang="en-US" sz="4000" b="1" dirty="0">
+                <a:solidFill>
+                  <a:schemeClr val="bg1"/>
+                </a:solidFill>
+                <a:latin typeface="+mn-lt"/>
+              </a:rPr>
+              <a:t>Offline and real-time speaker diarization system based on binary key modelling</a:t>
             </a:r>
           </a:p>
         </p:txBody>
@@ -2764,10 +2791,7 @@
             <a:r>
               <a:rPr lang="en-US" sz="4000" dirty="0" err="1">
                 <a:solidFill>
-                  <a:schemeClr val="accent3">
-                    <a:lumMod val="20000"/>
-                    <a:lumOff val="80000"/>
-                  </a:schemeClr>
+                  <a:schemeClr val="bg1"/>
                 </a:solidFill>
                 <a:latin typeface="+mn-lt"/>
               </a:rPr>
@@ -2776,21 +2800,33 @@
             <a:r>
               <a:rPr lang="en-US" sz="4000" dirty="0">
                 <a:solidFill>
-                  <a:schemeClr val="accent3">
-                    <a:lumMod val="20000"/>
-                    <a:lumOff val="80000"/>
-                  </a:schemeClr>
+                  <a:schemeClr val="bg1"/>
                 </a:solidFill>
                 <a:latin typeface="+mn-lt"/>
               </a:rPr>
-              <a:t> Pan    Supervisor: Dr. Beta C.L. Yip</a:t>
+              <a:t> Pan    </a:t>
+            </a:r>
+            <a:r>
+              <a:rPr lang="en-US" sz="4000" dirty="0" smtClean="0">
+                <a:solidFill>
+                  <a:schemeClr val="bg1"/>
+                </a:solidFill>
+                <a:latin typeface="+mn-lt"/>
+              </a:rPr>
+              <a:t> Supervisor</a:t>
+            </a:r>
+            <a:r>
+              <a:rPr lang="en-US" sz="4000" dirty="0">
+                <a:solidFill>
+                  <a:schemeClr val="bg1"/>
+                </a:solidFill>
+                <a:latin typeface="+mn-lt"/>
+              </a:rPr>
+              <a:t>: Dr. Beta C.L. Yip</a:t>
             </a:r>
             <a:endParaRPr lang="en-US" sz="4000" baseline="30000" dirty="0">
               <a:solidFill>
-                <a:schemeClr val="accent3">
-                  <a:lumMod val="20000"/>
-                  <a:lumOff val="80000"/>
-                </a:schemeClr>
+                <a:schemeClr val="bg1"/>
               </a:solidFill>
               <a:latin typeface="+mn-lt"/>
             </a:endParaRPr>
@@ -2800,10 +2836,7 @@
             <a:r>
               <a:rPr lang="en-US" sz="4000" dirty="0">
                 <a:solidFill>
-                  <a:schemeClr val="accent3">
-                    <a:lumMod val="20000"/>
-                    <a:lumOff val="80000"/>
-                  </a:schemeClr>
+                  <a:schemeClr val="bg1"/>
                 </a:solidFill>
                 <a:latin typeface="+mn-lt"/>
               </a:rPr>
@@ -2849,7 +2882,7 @@
         </p:nvSpPr>
         <p:spPr>
           <a:xfrm>
-            <a:off x="1280160" y="4799273"/>
+            <a:off x="1280160" y="4572000"/>
             <a:ext cx="9692640" cy="685800"/>
           </a:xfrm>
           <a:prstGeom prst="rect">
@@ -2902,7 +2935,7 @@
         </p:nvSpPr>
         <p:spPr>
           <a:xfrm>
-            <a:off x="11567160" y="4796869"/>
+            <a:off x="11567160" y="4572000"/>
             <a:ext cx="20208240" cy="688204"/>
           </a:xfrm>
           <a:prstGeom prst="rect">
@@ -2955,10 +2988,10 @@
         </p:nvGrpSpPr>
         <p:grpSpPr>
           <a:xfrm>
-            <a:off x="11604681" y="24505901"/>
-            <a:ext cx="9692640" cy="5745499"/>
+            <a:off x="11506200" y="24079200"/>
+            <a:ext cx="9692640" cy="5591610"/>
             <a:chOff x="21840588" y="14730712"/>
-            <a:chExt cx="9692640" cy="6505545"/>
+            <a:chExt cx="9692640" cy="6331299"/>
           </a:xfrm>
         </p:grpSpPr>
         <p:sp>
@@ -2972,7 +3005,7 @@
           <p:spPr bwMode="auto">
             <a:xfrm>
               <a:off x="21840588" y="15416511"/>
-              <a:ext cx="9692640" cy="5819746"/>
+              <a:ext cx="9692640" cy="5645500"/>
             </a:xfrm>
             <a:prstGeom prst="rect">
               <a:avLst/>
@@ -3094,13 +3127,13 @@
             <a:p>
               <a:pPr eaLnBrk="1" hangingPunct="1"/>
               <a:r>
-                <a:rPr lang="en-US" sz="3200" b="1" dirty="0">
+                <a:rPr lang="en-US" sz="3400" b="1" dirty="0">
                   <a:latin typeface="Calibri" pitchFamily="34" charset="0"/>
                 </a:rPr>
                 <a:t>Real-time </a:t>
               </a:r>
               <a:r>
-                <a:rPr lang="en-US" sz="3200" dirty="0">
+                <a:rPr lang="en-US" sz="3400" dirty="0">
                   <a:latin typeface="Calibri" pitchFamily="34" charset="0"/>
                 </a:rPr>
                 <a:t>Version of the system:</a:t>
@@ -3111,13 +3144,13 @@
                 <a:buAutoNum type="arabicPeriod"/>
               </a:pPr>
               <a:r>
-                <a:rPr lang="en-US" sz="3200" b="1" dirty="0">
+                <a:rPr lang="en-US" sz="3400" b="1" dirty="0">
                   <a:latin typeface="Calibri" pitchFamily="34" charset="0"/>
                 </a:rPr>
                 <a:t>VAD, Feature extraction, Feature binarization</a:t>
               </a:r>
               <a:r>
-                <a:rPr lang="en-US" sz="3200" dirty="0">
+                <a:rPr lang="en-US" sz="3400" dirty="0">
                   <a:latin typeface="Calibri" pitchFamily="34" charset="0"/>
                 </a:rPr>
                 <a:t>:  Performed in online manner</a:t>
@@ -3128,49 +3161,62 @@
                 <a:buAutoNum type="arabicPeriod"/>
               </a:pPr>
               <a:r>
-                <a:rPr lang="en-US" sz="3200" b="1" dirty="0">
+                <a:rPr lang="en-US" sz="3400" b="1" dirty="0">
                   <a:latin typeface="Calibri" pitchFamily="34" charset="0"/>
                 </a:rPr>
                 <a:t>KBM Training</a:t>
               </a:r>
               <a:r>
-                <a:rPr lang="en-US" sz="3200" dirty="0">
+                <a:rPr lang="en-US" sz="3400" dirty="0">
                   <a:latin typeface="Calibri" pitchFamily="34" charset="0"/>
                 </a:rPr>
-                <a:t>: Performed in offline manner, do not need to perform every time when data in.</a:t>
+                <a:t>: Performed in offline </a:t>
               </a:r>
+              <a:r>
+                <a:rPr lang="en-US" sz="3400" dirty="0" smtClean="0">
+                  <a:latin typeface="Calibri" pitchFamily="34" charset="0"/>
+                </a:rPr>
+                <a:t>manner. Use another thread to do the training and update the KBM; Need 10-15s data as buffer to get KBM.</a:t>
+              </a:r>
+              <a:endParaRPr lang="en-US" sz="3400" dirty="0">
+                <a:latin typeface="Calibri" pitchFamily="34" charset="0"/>
+              </a:endParaRPr>
             </a:p>
             <a:p>
               <a:pPr marL="514350" indent="-514350" eaLnBrk="1" hangingPunct="1">
                 <a:buAutoNum type="arabicPeriod"/>
               </a:pPr>
               <a:r>
-                <a:rPr lang="en-US" sz="3200" b="1" dirty="0">
+                <a:rPr lang="en-US" sz="3400" b="1" dirty="0">
                   <a:latin typeface="Calibri" pitchFamily="34" charset="0"/>
                 </a:rPr>
                 <a:t>Clustering</a:t>
               </a:r>
               <a:r>
-                <a:rPr lang="en-US" sz="3200" dirty="0">
+                <a:rPr lang="en-US" sz="3400" dirty="0">
                   <a:latin typeface="Calibri" pitchFamily="34" charset="0"/>
                 </a:rPr>
-                <a:t>: fast and naive online clustering first for new data, the result of offline clustering will be used to update the previous result when it complete</a:t>
+                <a:t>: fast and naive online clustering first for new data, </a:t>
               </a:r>
-            </a:p>
-            <a:p>
-              <a:pPr marL="514350" indent="-514350" eaLnBrk="1" hangingPunct="1">
-                <a:buAutoNum type="arabicPeriod"/>
-              </a:pPr>
               <a:r>
-                <a:rPr lang="en-US" sz="3200" b="1" dirty="0">
+                <a:rPr lang="en-US" sz="3400" dirty="0" smtClean="0">
                   <a:latin typeface="Calibri" pitchFamily="34" charset="0"/>
                 </a:rPr>
-                <a:t>Resegmentation: </a:t>
+                <a:t>offline </a:t>
               </a:r>
-            </a:p>
-            <a:p>
-              <a:pPr eaLnBrk="1" hangingPunct="1"/>
-              <a:endParaRPr lang="en-US" sz="2800" dirty="0">
+              <a:r>
+                <a:rPr lang="en-US" sz="3400" dirty="0">
+                  <a:latin typeface="Calibri" pitchFamily="34" charset="0"/>
+                </a:rPr>
+                <a:t>clustering will be used to update the previous result when it </a:t>
+              </a:r>
+              <a:r>
+                <a:rPr lang="en-US" sz="3400" dirty="0" smtClean="0">
+                  <a:latin typeface="Calibri" pitchFamily="34" charset="0"/>
+                </a:rPr>
+                <a:t>complete</a:t>
+              </a:r>
+              <a:endParaRPr lang="en-US" sz="3400" dirty="0">
                 <a:latin typeface="Calibri" pitchFamily="34" charset="0"/>
               </a:endParaRPr>
             </a:p>
@@ -3240,7 +3286,7 @@
         </p:nvSpPr>
         <p:spPr bwMode="auto">
           <a:xfrm>
-            <a:off x="1295400" y="5486400"/>
+            <a:off x="1295400" y="5257800"/>
             <a:ext cx="9692640" cy="20682539"/>
           </a:xfrm>
           <a:prstGeom prst="rect">
@@ -3645,7 +3691,19 @@
               <a:rPr lang="en-US" altLang="zh-CN" sz="3400" dirty="0">
                 <a:latin typeface="+mj-lt"/>
               </a:rPr>
-              <a:t>Require Intensive computation &amp; long processing time</a:t>
+              <a:t>Require Intensive </a:t>
+            </a:r>
+            <a:r>
+              <a:rPr lang="en-US" altLang="zh-CN" sz="3400" dirty="0" smtClean="0">
+                <a:latin typeface="+mj-lt"/>
+              </a:rPr>
+              <a:t>computation &amp; </a:t>
+            </a:r>
+            <a:r>
+              <a:rPr lang="en-US" altLang="zh-CN" sz="3400" dirty="0">
+                <a:latin typeface="+mj-lt"/>
+              </a:rPr>
+              <a:t>long processing time</a:t>
             </a:r>
           </a:p>
           <a:p>
@@ -3686,212 +3744,6 @@
           </a:p>
         </p:txBody>
       </p:sp>
-      <p:grpSp>
-        <p:nvGrpSpPr>
-          <p:cNvPr id="119" name="Group 118"/>
-          <p:cNvGrpSpPr/>
-          <p:nvPr/>
-        </p:nvGrpSpPr>
-        <p:grpSpPr>
-          <a:xfrm>
-            <a:off x="21976670" y="24464454"/>
-            <a:ext cx="9692640" cy="1393640"/>
-            <a:chOff x="11507868" y="14730712"/>
-            <a:chExt cx="9692640" cy="1393640"/>
-          </a:xfrm>
-        </p:grpSpPr>
-        <p:sp>
-          <p:nvSpPr>
-            <p:cNvPr id="15" name="Text Box 194"/>
-            <p:cNvSpPr txBox="1">
-              <a:spLocks noChangeArrowheads="1"/>
-            </p:cNvSpPr>
-            <p:nvPr/>
-          </p:nvSpPr>
-          <p:spPr bwMode="auto">
-            <a:xfrm>
-              <a:off x="11507868" y="15416512"/>
-              <a:ext cx="9692640" cy="707840"/>
-            </a:xfrm>
-            <a:prstGeom prst="rect">
-              <a:avLst/>
-            </a:prstGeom>
-            <a:solidFill>
-              <a:schemeClr val="bg1"/>
-            </a:solidFill>
-            <a:ln w="12700">
-              <a:solidFill>
-                <a:schemeClr val="accent1">
-                  <a:lumMod val="75000"/>
-                </a:schemeClr>
-              </a:solidFill>
-            </a:ln>
-            <a:effectLst/>
-          </p:spPr>
-          <p:txBody>
-            <a:bodyPr lIns="137137" tIns="137137" rIns="137137" bIns="137137">
-              <a:spAutoFit/>
-            </a:bodyPr>
-            <a:lstStyle>
-              <a:lvl1pPr eaLnBrk="0" hangingPunct="0">
-                <a:defRPr sz="2200">
-                  <a:solidFill>
-                    <a:schemeClr val="tx1"/>
-                  </a:solidFill>
-                  <a:latin typeface="Arial" charset="0"/>
-                </a:defRPr>
-              </a:lvl1pPr>
-              <a:lvl2pPr marL="742950" indent="-285750" eaLnBrk="0" hangingPunct="0">
-                <a:defRPr sz="2200">
-                  <a:solidFill>
-                    <a:schemeClr val="tx1"/>
-                  </a:solidFill>
-                  <a:latin typeface="Arial" charset="0"/>
-                </a:defRPr>
-              </a:lvl2pPr>
-              <a:lvl3pPr marL="1143000" indent="-228600" eaLnBrk="0" hangingPunct="0">
-                <a:defRPr sz="2200">
-                  <a:solidFill>
-                    <a:schemeClr val="tx1"/>
-                  </a:solidFill>
-                  <a:latin typeface="Arial" charset="0"/>
-                </a:defRPr>
-              </a:lvl3pPr>
-              <a:lvl4pPr marL="1600200" indent="-228600" eaLnBrk="0" hangingPunct="0">
-                <a:defRPr sz="2200">
-                  <a:solidFill>
-                    <a:schemeClr val="tx1"/>
-                  </a:solidFill>
-                  <a:latin typeface="Arial" charset="0"/>
-                </a:defRPr>
-              </a:lvl4pPr>
-              <a:lvl5pPr marL="2057400" indent="-228600" eaLnBrk="0" hangingPunct="0">
-                <a:defRPr sz="2200">
-                  <a:solidFill>
-                    <a:schemeClr val="tx1"/>
-                  </a:solidFill>
-                  <a:latin typeface="Arial" charset="0"/>
-                </a:defRPr>
-              </a:lvl5pPr>
-              <a:lvl6pPr marL="2514600" indent="-228600" eaLnBrk="0" fontAlgn="base" hangingPunct="0">
-                <a:spcBef>
-                  <a:spcPct val="0"/>
-                </a:spcBef>
-                <a:spcAft>
-                  <a:spcPct val="0"/>
-                </a:spcAft>
-                <a:defRPr sz="2200">
-                  <a:solidFill>
-                    <a:schemeClr val="tx1"/>
-                  </a:solidFill>
-                  <a:latin typeface="Arial" charset="0"/>
-                </a:defRPr>
-              </a:lvl6pPr>
-              <a:lvl7pPr marL="2971800" indent="-228600" eaLnBrk="0" fontAlgn="base" hangingPunct="0">
-                <a:spcBef>
-                  <a:spcPct val="0"/>
-                </a:spcBef>
-                <a:spcAft>
-                  <a:spcPct val="0"/>
-                </a:spcAft>
-                <a:defRPr sz="2200">
-                  <a:solidFill>
-                    <a:schemeClr val="tx1"/>
-                  </a:solidFill>
-                  <a:latin typeface="Arial" charset="0"/>
-                </a:defRPr>
-              </a:lvl7pPr>
-              <a:lvl8pPr marL="3429000" indent="-228600" eaLnBrk="0" fontAlgn="base" hangingPunct="0">
-                <a:spcBef>
-                  <a:spcPct val="0"/>
-                </a:spcBef>
-                <a:spcAft>
-                  <a:spcPct val="0"/>
-                </a:spcAft>
-                <a:defRPr sz="2200">
-                  <a:solidFill>
-                    <a:schemeClr val="tx1"/>
-                  </a:solidFill>
-                  <a:latin typeface="Arial" charset="0"/>
-                </a:defRPr>
-              </a:lvl8pPr>
-              <a:lvl9pPr marL="3886200" indent="-228600" eaLnBrk="0" fontAlgn="base" hangingPunct="0">
-                <a:spcBef>
-                  <a:spcPct val="0"/>
-                </a:spcBef>
-                <a:spcAft>
-                  <a:spcPct val="0"/>
-                </a:spcAft>
-                <a:defRPr sz="2200">
-                  <a:solidFill>
-                    <a:schemeClr val="tx1"/>
-                  </a:solidFill>
-                  <a:latin typeface="Arial" charset="0"/>
-                </a:defRPr>
-              </a:lvl9pPr>
-            </a:lstStyle>
-            <a:p>
-              <a:pPr eaLnBrk="1" hangingPunct="1"/>
-              <a:endParaRPr lang="en-US" sz="2800" dirty="0">
-                <a:latin typeface="Calibri" pitchFamily="34" charset="0"/>
-              </a:endParaRPr>
-            </a:p>
-          </p:txBody>
-        </p:sp>
-        <p:sp>
-          <p:nvSpPr>
-            <p:cNvPr id="45" name="Rectangle 44"/>
-            <p:cNvSpPr/>
-            <p:nvPr/>
-          </p:nvSpPr>
-          <p:spPr>
-            <a:xfrm>
-              <a:off x="11507868" y="14730712"/>
-              <a:ext cx="9692640" cy="685800"/>
-            </a:xfrm>
-            <a:prstGeom prst="rect">
-              <a:avLst/>
-            </a:prstGeom>
-            <a:solidFill>
-              <a:schemeClr val="accent1">
-                <a:lumMod val="75000"/>
-              </a:schemeClr>
-            </a:solidFill>
-            <a:ln w="12700"/>
-          </p:spPr>
-          <p:style>
-            <a:lnRef idx="2">
-              <a:schemeClr val="accent1">
-                <a:shade val="50000"/>
-              </a:schemeClr>
-            </a:lnRef>
-            <a:fillRef idx="1">
-              <a:schemeClr val="accent1"/>
-            </a:fillRef>
-            <a:effectRef idx="0">
-              <a:schemeClr val="accent1"/>
-            </a:effectRef>
-            <a:fontRef idx="minor">
-              <a:schemeClr val="lt1"/>
-            </a:fontRef>
-          </p:style>
-          <p:txBody>
-            <a:bodyPr lIns="68568" tIns="34284" rIns="68568" bIns="34284" rtlCol="0" anchor="ctr"/>
-            <a:lstStyle/>
-            <a:p>
-              <a:pPr algn="ctr"/>
-              <a:r>
-                <a:rPr lang="en-US" sz="4400" b="1" dirty="0">
-                  <a:solidFill>
-                    <a:schemeClr val="bg1"/>
-                  </a:solidFill>
-                </a:rPr>
-                <a:t>Future Work</a:t>
-              </a:r>
-            </a:p>
-          </p:txBody>
-        </p:sp>
-      </p:grpSp>
       <p:pic>
         <p:nvPicPr>
           <p:cNvPr id="6" name="图片 5"/>
@@ -4268,7 +4120,7 @@
         </p:nvCxnSpPr>
         <p:spPr>
           <a:xfrm flipV="1">
-            <a:off x="29138425" y="7162800"/>
+            <a:off x="29138425" y="6858000"/>
             <a:ext cx="1267" cy="271458"/>
           </a:xfrm>
           <a:prstGeom prst="straightConnector1">
@@ -4301,10 +4153,10 @@
         </p:nvGrpSpPr>
         <p:grpSpPr>
           <a:xfrm>
-            <a:off x="18205730" y="5985172"/>
-            <a:ext cx="13328363" cy="3844628"/>
-            <a:chOff x="18305519" y="6209120"/>
-            <a:chExt cx="13328363" cy="3844628"/>
+            <a:off x="18281930" y="5638800"/>
+            <a:ext cx="13252163" cy="3997028"/>
+            <a:chOff x="18381719" y="6209120"/>
+            <a:chExt cx="13252163" cy="3997028"/>
           </a:xfrm>
         </p:grpSpPr>
         <p:grpSp>
@@ -4315,10 +4167,10 @@
           </p:nvGrpSpPr>
           <p:grpSpPr>
             <a:xfrm>
-              <a:off x="18305519" y="6223593"/>
-              <a:ext cx="13328363" cy="3730725"/>
-              <a:chOff x="18370027" y="6299198"/>
-              <a:chExt cx="13328363" cy="3730725"/>
+              <a:off x="18381719" y="6295962"/>
+              <a:ext cx="13252163" cy="3658356"/>
+              <a:chOff x="18446227" y="6371567"/>
+              <a:chExt cx="13252163" cy="3658356"/>
             </a:xfrm>
           </p:grpSpPr>
           <p:grpSp>
@@ -4329,10 +4181,10 @@
             </p:nvGrpSpPr>
             <p:grpSpPr>
               <a:xfrm>
-                <a:off x="18370027" y="6299198"/>
-                <a:ext cx="6155416" cy="3323370"/>
-                <a:chOff x="18485488" y="5669340"/>
-                <a:chExt cx="6155416" cy="3323370"/>
+                <a:off x="18446227" y="6471753"/>
+                <a:ext cx="6079216" cy="3150815"/>
+                <a:chOff x="18561688" y="5841895"/>
+                <a:chExt cx="6079216" cy="3150815"/>
               </a:xfrm>
             </p:grpSpPr>
             <p:sp>
@@ -4401,10 +4253,10 @@
               </p:nvGrpSpPr>
               <p:grpSpPr>
                 <a:xfrm>
-                  <a:off x="18485488" y="5669340"/>
-                  <a:ext cx="6155416" cy="3323370"/>
-                  <a:chOff x="18485488" y="5669340"/>
-                  <a:chExt cx="6155416" cy="3323370"/>
+                  <a:off x="18561688" y="5841895"/>
+                  <a:ext cx="6079216" cy="3150815"/>
+                  <a:chOff x="18561688" y="5841895"/>
+                  <a:chExt cx="6079216" cy="3150815"/>
                 </a:xfrm>
               </p:grpSpPr>
               <p:pic>
@@ -4842,8 +4694,8 @@
                 </p:nvSpPr>
                 <p:spPr>
                   <a:xfrm>
-                    <a:off x="18592800" y="5669340"/>
-                    <a:ext cx="1530070" cy="1569660"/>
+                    <a:off x="18561688" y="5841895"/>
+                    <a:ext cx="1530070" cy="830997"/>
                   </a:xfrm>
                   <a:prstGeom prst="rect">
                     <a:avLst/>
@@ -4856,13 +4708,20 @@
                   </a:bodyPr>
                   <a:lstStyle/>
                   <a:p>
+                    <a:pPr algn="ctr"/>
+                    <a:r>
+                      <a:rPr lang="en-US" altLang="zh-CN" sz="2400" dirty="0" smtClean="0"/>
+                      <a:t>Features </a:t>
+                    </a:r>
                     <a:r>
                       <a:rPr lang="en-US" altLang="zh-CN" sz="2400" dirty="0"/>
-                      <a:t>Acoustic features (MFCCs)</a:t>
+                      <a:t>(MFCCs</a:t>
                     </a:r>
-                  </a:p>
-                  <a:p>
-                    <a:endParaRPr lang="en-US" sz="2400" dirty="0"/>
+                    <a:r>
+                      <a:rPr lang="en-US" altLang="zh-CN" sz="2400" dirty="0" smtClean="0"/>
+                      <a:t>)</a:t>
+                    </a:r>
+                    <a:endParaRPr lang="en-US" altLang="zh-CN" sz="2400" dirty="0"/>
                   </a:p>
                 </p:txBody>
               </p:sp>
@@ -4912,8 +4771,8 @@
                 </p:nvSpPr>
                 <p:spPr>
                   <a:xfrm>
-                    <a:off x="18485488" y="8153400"/>
-                    <a:ext cx="1530070" cy="830997"/>
+                    <a:off x="18669001" y="8153400"/>
+                    <a:ext cx="1422757" cy="830997"/>
                   </a:xfrm>
                   <a:prstGeom prst="rect">
                     <a:avLst/>
@@ -4949,10 +4808,10 @@
                 </p:nvGrpSpPr>
                 <p:grpSpPr>
                   <a:xfrm>
-                    <a:off x="19964400" y="8077200"/>
-                    <a:ext cx="4676504" cy="915510"/>
-                    <a:chOff x="19964400" y="8190390"/>
-                    <a:chExt cx="4676504" cy="915510"/>
+                    <a:off x="20122870" y="8077200"/>
+                    <a:ext cx="4518034" cy="915510"/>
+                    <a:chOff x="20122870" y="8190390"/>
+                    <a:chExt cx="4518034" cy="915510"/>
                   </a:xfrm>
                 </p:grpSpPr>
                 <p:grpSp>
@@ -5409,8 +5268,8 @@
                   </p:nvSpPr>
                   <p:spPr>
                     <a:xfrm>
-                      <a:off x="19964400" y="8190390"/>
-                      <a:ext cx="4676504" cy="915510"/>
+                      <a:off x="20122870" y="8190390"/>
+                      <a:ext cx="4518034" cy="915510"/>
                     </a:xfrm>
                     <a:prstGeom prst="roundRect">
                       <a:avLst/>
@@ -5454,10 +5313,10 @@
             </p:nvGrpSpPr>
             <p:grpSpPr>
               <a:xfrm>
-                <a:off x="24525443" y="7767153"/>
-                <a:ext cx="6990787" cy="2262770"/>
-                <a:chOff x="24525443" y="7767153"/>
-                <a:chExt cx="6990787" cy="2262770"/>
+                <a:off x="24525443" y="7880460"/>
+                <a:ext cx="6990787" cy="2149463"/>
+                <a:chOff x="24525443" y="7880460"/>
+                <a:chExt cx="6990787" cy="2149463"/>
               </a:xfrm>
             </p:grpSpPr>
             <p:grpSp>
@@ -5538,118 +5397,309 @@
                   </a:p>
                 </p:txBody>
               </p:sp>
-              <p:sp>
-                <p:nvSpPr>
-                  <p:cNvPr id="180" name="Rectangle 179"/>
-                  <p:cNvSpPr/>
-                  <p:nvPr/>
-                </p:nvSpPr>
-                <p:spPr>
-                  <a:xfrm>
-                    <a:off x="27291497" y="8446945"/>
-                    <a:ext cx="1908803" cy="1478207"/>
-                  </a:xfrm>
-                  <a:prstGeom prst="rect">
-                    <a:avLst/>
-                  </a:prstGeom>
-                  <a:noFill/>
-                </p:spPr>
-                <p:style>
-                  <a:lnRef idx="2">
-                    <a:schemeClr val="accent1">
-                      <a:shade val="50000"/>
-                    </a:schemeClr>
-                  </a:lnRef>
-                  <a:fillRef idx="1">
-                    <a:schemeClr val="accent1"/>
-                  </a:fillRef>
-                  <a:effectRef idx="0">
-                    <a:schemeClr val="accent1"/>
-                  </a:effectRef>
-                  <a:fontRef idx="minor">
-                    <a:schemeClr val="lt1"/>
-                  </a:fontRef>
-                </p:style>
-                <p:txBody>
-                  <a:bodyPr rtlCol="0" anchor="ctr"/>
-                  <a:lstStyle/>
-                  <a:p>
-                    <a:pPr algn="ctr"/>
-                    <a:r>
-                      <a:rPr lang="en-US" sz="2400" dirty="0">
-                        <a:solidFill>
-                          <a:schemeClr val="tx1"/>
-                        </a:solidFill>
-                      </a:rPr>
-                      <a:t>Calculate   cosine </a:t>
-                    </a:r>
-                    <a:r>
-                      <a:rPr lang="en-US" sz="2400" dirty="0" err="1">
-                        <a:solidFill>
-                          <a:schemeClr val="tx1"/>
-                        </a:solidFill>
-                      </a:rPr>
-                      <a:t>Dist</a:t>
-                    </a:r>
-                    <a:r>
-                      <a:rPr lang="en-US" sz="2400" dirty="0">
-                        <a:solidFill>
-                          <a:schemeClr val="tx1"/>
-                        </a:solidFill>
-                      </a:rPr>
-                      <a:t> with other Gaussians</a:t>
-                    </a:r>
-                  </a:p>
-                </p:txBody>
-              </p:sp>
-              <p:sp>
-                <p:nvSpPr>
-                  <p:cNvPr id="183" name="Rectangle 182"/>
-                  <p:cNvSpPr/>
-                  <p:nvPr/>
-                </p:nvSpPr>
-                <p:spPr>
-                  <a:xfrm>
-                    <a:off x="29577497" y="8415551"/>
-                    <a:ext cx="1938733" cy="1509601"/>
-                  </a:xfrm>
-                  <a:prstGeom prst="rect">
-                    <a:avLst/>
-                  </a:prstGeom>
-                  <a:noFill/>
-                </p:spPr>
-                <p:style>
-                  <a:lnRef idx="2">
-                    <a:schemeClr val="accent1">
-                      <a:shade val="50000"/>
-                    </a:schemeClr>
-                  </a:lnRef>
-                  <a:fillRef idx="1">
-                    <a:schemeClr val="accent1"/>
-                  </a:fillRef>
-                  <a:effectRef idx="0">
-                    <a:schemeClr val="accent1"/>
-                  </a:effectRef>
-                  <a:fontRef idx="minor">
-                    <a:schemeClr val="lt1"/>
-                  </a:fontRef>
-                </p:style>
-                <p:txBody>
-                  <a:bodyPr rtlCol="0" anchor="ctr"/>
-                  <a:lstStyle/>
-                  <a:p>
-                    <a:pPr algn="ctr"/>
-                    <a:r>
-                      <a:rPr lang="en-US" sz="2400" dirty="0">
-                        <a:solidFill>
-                          <a:schemeClr val="tx1"/>
-                        </a:solidFill>
-                      </a:rPr>
-                      <a:t>Select Gaussian with biggest cosine distance</a:t>
-                    </a:r>
-                  </a:p>
-                </p:txBody>
-              </p:sp>
+              <mc:AlternateContent xmlns:mc="http://schemas.openxmlformats.org/markup-compatibility/2006">
+                <mc:Choice xmlns:a14="http://schemas.microsoft.com/office/drawing/2010/main" Requires="a14">
+                  <p:sp>
+                    <p:nvSpPr>
+                      <p:cNvPr id="180" name="Rectangle 179"/>
+                      <p:cNvSpPr/>
+                      <p:nvPr/>
+                    </p:nvSpPr>
+                    <p:spPr>
+                      <a:xfrm>
+                        <a:off x="27291497" y="8446945"/>
+                        <a:ext cx="1908803" cy="1478207"/>
+                      </a:xfrm>
+                      <a:prstGeom prst="rect">
+                        <a:avLst/>
+                      </a:prstGeom>
+                      <a:noFill/>
+                    </p:spPr>
+                    <p:style>
+                      <a:lnRef idx="2">
+                        <a:schemeClr val="accent1">
+                          <a:shade val="50000"/>
+                        </a:schemeClr>
+                      </a:lnRef>
+                      <a:fillRef idx="1">
+                        <a:schemeClr val="accent1"/>
+                      </a:fillRef>
+                      <a:effectRef idx="0">
+                        <a:schemeClr val="accent1"/>
+                      </a:effectRef>
+                      <a:fontRef idx="minor">
+                        <a:schemeClr val="lt1"/>
+                      </a:fontRef>
+                    </p:style>
+                    <p:txBody>
+                      <a:bodyPr rtlCol="0" anchor="ctr"/>
+                      <a:lstStyle/>
+                      <a:p>
+                        <a:pPr algn="ctr"/>
+                        <a:r>
+                          <a:rPr lang="en-US" sz="2400" dirty="0" smtClean="0">
+                            <a:solidFill>
+                              <a:schemeClr val="tx1"/>
+                            </a:solidFill>
+                          </a:rPr>
+                          <a:t>Calculate   </a:t>
+                        </a:r>
+                        <a14:m>
+                          <m:oMath xmlns:m="http://schemas.openxmlformats.org/officeDocument/2006/math">
+                            <m:sSub>
+                              <m:sSubPr>
+                                <m:ctrlPr>
+                                  <a:rPr lang="en-US" sz="2400" i="1" smtClean="0">
+                                    <a:solidFill>
+                                      <a:schemeClr val="tx1"/>
+                                    </a:solidFill>
+                                    <a:latin typeface="Cambria Math"/>
+                                  </a:rPr>
+                                </m:ctrlPr>
+                              </m:sSubPr>
+                              <m:e>
+                                <m:r>
+                                  <a:rPr lang="en-US" sz="2400" i="1" dirty="0">
+                                    <a:solidFill>
+                                      <a:schemeClr val="tx1"/>
+                                    </a:solidFill>
+                                    <a:latin typeface="Cambria Math"/>
+                                  </a:rPr>
+                                  <m:t>𝐷𝑖𝑠𝑡</m:t>
+                                </m:r>
+                              </m:e>
+                              <m:sub>
+                                <m:r>
+                                  <a:rPr lang="en-US" sz="2400" b="0" i="1" smtClean="0">
+                                    <a:solidFill>
+                                      <a:schemeClr val="tx1"/>
+                                    </a:solidFill>
+                                    <a:latin typeface="Cambria Math"/>
+                                  </a:rPr>
+                                  <m:t>𝑐𝑜𝑠𝑖𝑛𝑒</m:t>
+                                </m:r>
+                              </m:sub>
+                            </m:sSub>
+                            <m:r>
+                              <a:rPr lang="en-US" sz="2400" i="1" dirty="0">
+                                <a:solidFill>
+                                  <a:schemeClr val="tx1"/>
+                                </a:solidFill>
+                                <a:latin typeface="Cambria Math"/>
+                              </a:rPr>
+                              <m:t> </m:t>
+                            </m:r>
+                          </m:oMath>
+                        </a14:m>
+                        <a:endParaRPr lang="en-US" sz="2400" dirty="0" smtClean="0">
+                          <a:solidFill>
+                            <a:schemeClr val="tx1"/>
+                          </a:solidFill>
+                        </a:endParaRPr>
+                      </a:p>
+                      <a:p>
+                        <a:pPr algn="ctr"/>
+                        <a:r>
+                          <a:rPr lang="en-US" sz="2400" dirty="0" smtClean="0">
+                            <a:solidFill>
+                              <a:schemeClr val="tx1"/>
+                            </a:solidFill>
+                          </a:rPr>
+                          <a:t>with </a:t>
+                        </a:r>
+                        <a:r>
+                          <a:rPr lang="en-US" sz="2400" dirty="0">
+                            <a:solidFill>
+                              <a:schemeClr val="tx1"/>
+                            </a:solidFill>
+                          </a:rPr>
+                          <a:t>other Gaussians</a:t>
+                        </a:r>
+                      </a:p>
+                    </p:txBody>
+                  </p:sp>
+                </mc:Choice>
+                <mc:Fallback>
+                  <p:sp>
+                    <p:nvSpPr>
+                      <p:cNvPr id="180" name="Rectangle 179"/>
+                      <p:cNvSpPr>
+                        <a:spLocks noRot="1" noChangeAspect="1" noMove="1" noResize="1" noEditPoints="1" noAdjustHandles="1" noChangeArrowheads="1" noChangeShapeType="1" noTextEdit="1"/>
+                      </p:cNvSpPr>
+                      <p:nvPr/>
+                    </p:nvSpPr>
+                    <p:spPr>
+                      <a:xfrm>
+                        <a:off x="27291497" y="8446945"/>
+                        <a:ext cx="1908803" cy="1478207"/>
+                      </a:xfrm>
+                      <a:prstGeom prst="rect">
+                        <a:avLst/>
+                      </a:prstGeom>
+                      <a:blipFill rotWithShape="1">
+                        <a:blip r:embed="rId5"/>
+                        <a:stretch>
+                          <a:fillRect t="-4878" b="-11382"/>
+                        </a:stretch>
+                      </a:blipFill>
+                    </p:spPr>
+                    <p:txBody>
+                      <a:bodyPr/>
+                      <a:lstStyle/>
+                      <a:p>
+                        <a:r>
+                          <a:rPr lang="en-US">
+                            <a:noFill/>
+                          </a:rPr>
+                          <a:t> </a:t>
+                        </a:r>
+                      </a:p>
+                    </p:txBody>
+                  </p:sp>
+                </mc:Fallback>
+              </mc:AlternateContent>
+              <mc:AlternateContent xmlns:mc="http://schemas.openxmlformats.org/markup-compatibility/2006">
+                <mc:Choice xmlns:a14="http://schemas.microsoft.com/office/drawing/2010/main" Requires="a14">
+                  <p:sp>
+                    <p:nvSpPr>
+                      <p:cNvPr id="183" name="Rectangle 182"/>
+                      <p:cNvSpPr/>
+                      <p:nvPr/>
+                    </p:nvSpPr>
+                    <p:spPr>
+                      <a:xfrm>
+                        <a:off x="29577497" y="8415551"/>
+                        <a:ext cx="1938733" cy="1509601"/>
+                      </a:xfrm>
+                      <a:prstGeom prst="rect">
+                        <a:avLst/>
+                      </a:prstGeom>
+                      <a:noFill/>
+                    </p:spPr>
+                    <p:style>
+                      <a:lnRef idx="2">
+                        <a:schemeClr val="accent1">
+                          <a:shade val="50000"/>
+                        </a:schemeClr>
+                      </a:lnRef>
+                      <a:fillRef idx="1">
+                        <a:schemeClr val="accent1"/>
+                      </a:fillRef>
+                      <a:effectRef idx="0">
+                        <a:schemeClr val="accent1"/>
+                      </a:effectRef>
+                      <a:fontRef idx="minor">
+                        <a:schemeClr val="lt1"/>
+                      </a:fontRef>
+                    </p:style>
+                    <p:txBody>
+                      <a:bodyPr rtlCol="0" anchor="ctr"/>
+                      <a:lstStyle/>
+                      <a:p>
+                        <a:pPr algn="ctr"/>
+                        <a:r>
+                          <a:rPr lang="en-US" sz="2400" dirty="0">
+                            <a:solidFill>
+                              <a:schemeClr val="tx1"/>
+                            </a:solidFill>
+                          </a:rPr>
+                          <a:t>Select Gaussian with biggest </a:t>
+                        </a:r>
+                        <a14:m>
+                          <m:oMath xmlns:m="http://schemas.openxmlformats.org/officeDocument/2006/math">
+                            <m:sSub>
+                              <m:sSubPr>
+                                <m:ctrlPr>
+                                  <a:rPr lang="en-US" sz="2400" i="1">
+                                    <a:solidFill>
+                                      <a:schemeClr val="tx1"/>
+                                    </a:solidFill>
+                                    <a:latin typeface="Cambria Math"/>
+                                  </a:rPr>
+                                </m:ctrlPr>
+                              </m:sSubPr>
+                              <m:e>
+                                <m:r>
+                                  <a:rPr lang="en-US" sz="2400" i="1" dirty="0">
+                                    <a:solidFill>
+                                      <a:schemeClr val="tx1"/>
+                                    </a:solidFill>
+                                    <a:latin typeface="Cambria Math"/>
+                                  </a:rPr>
+                                  <m:t>𝐷𝑖𝑠𝑡</m:t>
+                                </m:r>
+                              </m:e>
+                              <m:sub>
+                                <m:r>
+                                  <a:rPr lang="en-US" sz="2400" i="1">
+                                    <a:solidFill>
+                                      <a:schemeClr val="tx1"/>
+                                    </a:solidFill>
+                                    <a:latin typeface="Cambria Math"/>
+                                  </a:rPr>
+                                  <m:t>𝑐𝑜𝑠𝑖𝑛𝑒</m:t>
+                                </m:r>
+                              </m:sub>
+                            </m:sSub>
+                            <m:r>
+                              <a:rPr lang="en-US" sz="2400" i="1" dirty="0">
+                                <a:solidFill>
+                                  <a:schemeClr val="tx1"/>
+                                </a:solidFill>
+                                <a:latin typeface="Cambria Math"/>
+                              </a:rPr>
+                              <m:t> </m:t>
+                            </m:r>
+                          </m:oMath>
+                        </a14:m>
+                        <a:endParaRPr lang="en-US" sz="2400" dirty="0">
+                          <a:solidFill>
+                            <a:schemeClr val="tx1"/>
+                          </a:solidFill>
+                        </a:endParaRPr>
+                      </a:p>
+                    </p:txBody>
+                  </p:sp>
+                </mc:Choice>
+                <mc:Fallback>
+                  <p:sp>
+                    <p:nvSpPr>
+                      <p:cNvPr id="183" name="Rectangle 182"/>
+                      <p:cNvSpPr>
+                        <a:spLocks noRot="1" noChangeAspect="1" noMove="1" noResize="1" noEditPoints="1" noAdjustHandles="1" noChangeArrowheads="1" noChangeShapeType="1" noTextEdit="1"/>
+                      </p:cNvSpPr>
+                      <p:nvPr/>
+                    </p:nvSpPr>
+                    <p:spPr>
+                      <a:xfrm>
+                        <a:off x="29577497" y="8415551"/>
+                        <a:ext cx="1938733" cy="1509601"/>
+                      </a:xfrm>
+                      <a:prstGeom prst="rect">
+                        <a:avLst/>
+                      </a:prstGeom>
+                      <a:blipFill rotWithShape="1">
+                        <a:blip r:embed="rId6"/>
+                        <a:stretch>
+                          <a:fillRect l="-3416" t="-3984" r="-7143" b="-1594"/>
+                        </a:stretch>
+                      </a:blipFill>
+                    </p:spPr>
+                    <p:txBody>
+                      <a:bodyPr/>
+                      <a:lstStyle/>
+                      <a:p>
+                        <a:r>
+                          <a:rPr lang="en-US">
+                            <a:noFill/>
+                          </a:rPr>
+                          <a:t> </a:t>
+                        </a:r>
+                      </a:p>
+                    </p:txBody>
+                  </p:sp>
+                </mc:Fallback>
+              </mc:AlternateContent>
               <p:cxnSp>
                 <p:nvCxnSpPr>
                   <p:cNvPr id="53" name="Elbow Connector 52"/>
@@ -5805,7 +5855,7 @@
               </p:nvSpPr>
               <p:spPr>
                 <a:xfrm>
-                  <a:off x="27260562" y="7767153"/>
+                  <a:off x="27291497" y="7880460"/>
                   <a:ext cx="4084320" cy="461665"/>
                 </a:xfrm>
                 <a:prstGeom prst="rect">
@@ -5930,8 +5980,8 @@
             </p:nvSpPr>
             <p:spPr>
               <a:xfrm>
-                <a:off x="26694089" y="6752884"/>
-                <a:ext cx="978408" cy="562316"/>
+                <a:off x="26623793" y="6547954"/>
+                <a:ext cx="1201104" cy="972176"/>
               </a:xfrm>
               <a:prstGeom prst="rightArrow">
                 <a:avLst/>
@@ -5980,7 +6030,7 @@
           <p:spPr>
             <a:xfrm>
               <a:off x="18443907" y="6209120"/>
-              <a:ext cx="13133969" cy="3844628"/>
+              <a:ext cx="13133969" cy="3997028"/>
             </a:xfrm>
             <a:prstGeom prst="rect">
               <a:avLst/>
@@ -6023,9 +6073,9 @@
           <p:nvPr/>
         </p:nvCxnSpPr>
         <p:spPr>
-          <a:xfrm>
-            <a:off x="20533317" y="10861377"/>
-            <a:ext cx="944487" cy="20247"/>
+          <a:xfrm flipV="1">
+            <a:off x="20529065" y="10522055"/>
+            <a:ext cx="948739" cy="13399"/>
           </a:xfrm>
           <a:prstGeom prst="straightConnector1">
             <a:avLst/>
@@ -6057,10 +6107,10 @@
         </p:nvGrpSpPr>
         <p:grpSpPr>
           <a:xfrm>
-            <a:off x="18302024" y="10384323"/>
-            <a:ext cx="13336438" cy="6372554"/>
-            <a:chOff x="18368300" y="9760970"/>
-            <a:chExt cx="13336438" cy="6372554"/>
+            <a:off x="18302024" y="10058400"/>
+            <a:ext cx="13336438" cy="6391894"/>
+            <a:chOff x="18368300" y="9794616"/>
+            <a:chExt cx="13336438" cy="6391894"/>
           </a:xfrm>
         </p:grpSpPr>
         <p:grpSp>
@@ -6071,10 +6121,10 @@
           </p:nvGrpSpPr>
           <p:grpSpPr>
             <a:xfrm>
-              <a:off x="18545047" y="9760970"/>
-              <a:ext cx="12994265" cy="6231844"/>
-              <a:chOff x="18545047" y="9760970"/>
-              <a:chExt cx="12994265" cy="6231844"/>
+              <a:off x="18507694" y="9794616"/>
+              <a:ext cx="13031618" cy="6198198"/>
+              <a:chOff x="18507694" y="9794616"/>
+              <a:chExt cx="13031618" cy="6198198"/>
             </a:xfrm>
           </p:grpSpPr>
           <p:grpSp>
@@ -6234,9 +6284,9 @@
                 <p:grpSpPr>
                   <a:xfrm>
                     <a:off x="18737855" y="9601200"/>
-                    <a:ext cx="7855945" cy="5326796"/>
+                    <a:ext cx="7855945" cy="5931519"/>
                     <a:chOff x="18737855" y="9601200"/>
-                    <a:chExt cx="7855945" cy="5326796"/>
+                    <a:chExt cx="7855945" cy="5931519"/>
                   </a:xfrm>
                 </p:grpSpPr>
                 <p:grpSp>
@@ -6248,9 +6298,9 @@
                   <p:grpSpPr>
                     <a:xfrm>
                       <a:off x="18737855" y="9601200"/>
-                      <a:ext cx="7855945" cy="5326796"/>
+                      <a:ext cx="7855945" cy="5931519"/>
                       <a:chOff x="18737855" y="9601200"/>
-                      <a:chExt cx="7855945" cy="5326796"/>
+                      <a:chExt cx="7855945" cy="5931519"/>
                     </a:xfrm>
                   </p:grpSpPr>
                   <p:sp>
@@ -6333,8 +6383,8 @@
                       </a:p>
                     </p:txBody>
                   </p:sp>
-                  <mc:AlternateContent xmlns:mc="http://schemas.openxmlformats.org/markup-compatibility/2006" xmlns:a14="http://schemas.microsoft.com/office/drawing/2010/main">
-                    <mc:Choice Requires="a14">
+                  <mc:AlternateContent xmlns:mc="http://schemas.openxmlformats.org/markup-compatibility/2006">
+                    <mc:Choice xmlns:a14="http://schemas.microsoft.com/office/drawing/2010/main" Requires="a14">
                       <p:sp>
                         <p:nvSpPr>
                           <p:cNvPr id="175" name="TextBox 174"/>
@@ -6343,8 +6393,8 @@
                         </p:nvSpPr>
                         <p:spPr>
                           <a:xfrm>
-                            <a:off x="21693917" y="14096999"/>
-                            <a:ext cx="4899883" cy="830997"/>
+                            <a:off x="21693917" y="14147724"/>
+                            <a:ext cx="4899883" cy="1384995"/>
                           </a:xfrm>
                           <a:prstGeom prst="rect">
                             <a:avLst/>
@@ -6358,7 +6408,9 @@
                           <a:lstStyle/>
                           <a:p>
                             <a:r>
-                              <a:rPr lang="en-US" altLang="zh-CN" sz="2400" dirty="0"/>
+                              <a:rPr lang="en-US" altLang="zh-CN" sz="2800" dirty="0">
+                                <a:latin typeface="+mj-lt"/>
+                              </a:rPr>
                               <a:t>For each feature, </a:t>
                             </a:r>
                             <a14:m>
@@ -6366,23 +6418,23 @@
                                 <m:sSub>
                                   <m:sSubPr>
                                     <m:ctrlPr>
-                                      <a:rPr lang="en-US" altLang="zh-CN" sz="2400" i="1" dirty="0" smtClean="0">
-                                        <a:latin typeface="Cambria Math" panose="02040503050406030204" pitchFamily="18" charset="0"/>
+                                      <a:rPr lang="en-US" altLang="zh-CN" sz="2800" i="1" dirty="0" smtClean="0">
+                                        <a:latin typeface="+mj-lt"/>
                                       </a:rPr>
                                     </m:ctrlPr>
                                   </m:sSubPr>
                                   <m:e>
                                     <m:r>
-                                      <a:rPr lang="en-US" altLang="zh-CN" sz="2400" b="0" i="1" dirty="0" smtClean="0">
-                                        <a:latin typeface="Cambria Math"/>
+                                      <a:rPr lang="en-US" altLang="zh-CN" sz="2800" b="0" i="1" dirty="0" smtClean="0">
+                                        <a:latin typeface="+mj-lt"/>
                                       </a:rPr>
                                       <m:t>𝑁</m:t>
                                     </m:r>
                                   </m:e>
                                   <m:sub>
                                     <m:r>
-                                      <a:rPr lang="en-US" altLang="zh-CN" sz="2400" b="0" i="1" dirty="0" smtClean="0">
-                                        <a:latin typeface="Cambria Math"/>
+                                      <a:rPr lang="en-US" altLang="zh-CN" sz="2800" b="0" i="1" dirty="0" smtClean="0">
+                                        <a:latin typeface="+mj-lt"/>
                                       </a:rPr>
                                       <m:t>𝐺</m:t>
                                     </m:r>
@@ -6391,23 +6443,43 @@
                               </m:oMath>
                             </a14:m>
                             <a:r>
-                              <a:rPr lang="en-US" sz="2400" dirty="0"/>
+                              <a:rPr lang="en-US" sz="2800" dirty="0">
+                                <a:latin typeface="+mj-lt"/>
+                              </a:rPr>
                               <a:t> Gaussians</a:t>
                             </a:r>
                             <a:r>
-                              <a:rPr lang="zh-CN" altLang="en-US" sz="2400" dirty="0"/>
+                              <a:rPr lang="zh-CN" altLang="en-US" sz="2800" dirty="0">
+                                <a:latin typeface="+mj-lt"/>
+                              </a:rPr>
                               <a:t> </a:t>
                             </a:r>
                             <a:r>
-                              <a:rPr lang="en-US" altLang="zh-CN" sz="2400" dirty="0"/>
-                              <a:t>that provide highest likelihood are chosen</a:t>
+                              <a:rPr lang="en-US" altLang="zh-CN" sz="2800" dirty="0">
+                                <a:latin typeface="+mj-lt"/>
+                              </a:rPr>
+                              <a:t>that provide highest likelihood are </a:t>
                             </a:r>
-                            <a:endParaRPr lang="en-US" sz="2400" dirty="0"/>
+                            <a:r>
+                              <a:rPr lang="en-US" altLang="zh-CN" sz="2800" dirty="0" smtClean="0">
+                                <a:latin typeface="+mj-lt"/>
+                              </a:rPr>
+                              <a:t>chosen to have value </a:t>
+                            </a:r>
+                            <a:r>
+                              <a:rPr lang="en-US" altLang="zh-CN" sz="2800" b="1" dirty="0" smtClean="0">
+                                <a:latin typeface="+mj-lt"/>
+                              </a:rPr>
+                              <a:t>1</a:t>
+                            </a:r>
+                            <a:endParaRPr lang="en-US" sz="2800" b="1" dirty="0">
+                              <a:latin typeface="+mj-lt"/>
+                            </a:endParaRPr>
                           </a:p>
                         </p:txBody>
                       </p:sp>
                     </mc:Choice>
-                    <mc:Fallback xmlns="">
+                    <mc:Fallback>
                       <p:sp>
                         <p:nvSpPr>
                           <p:cNvPr id="175" name="TextBox 174"/>
@@ -6418,16 +6490,16 @@
                         </p:nvSpPr>
                         <p:spPr>
                           <a:xfrm>
-                            <a:off x="21693917" y="14096999"/>
-                            <a:ext cx="4899883" cy="830997"/>
+                            <a:off x="21693917" y="14147724"/>
+                            <a:ext cx="4899883" cy="1384995"/>
                           </a:xfrm>
                           <a:prstGeom prst="rect">
                             <a:avLst/>
                           </a:prstGeom>
                           <a:blipFill rotWithShape="1">
-                            <a:blip r:embed="rId6"/>
+                            <a:blip r:embed="rId7"/>
                             <a:stretch>
-                              <a:fillRect l="-1990" t="-5109" b="-15328"/>
+                              <a:fillRect l="-2488" t="-3965" b="-11894"/>
                             </a:stretch>
                           </a:blipFill>
                         </p:spPr>
@@ -6532,7 +6604,19 @@
                             <a:lstStyle/>
                             <a:p>
                               <a:pPr algn="ctr"/>
-                              <a:endParaRPr lang="zh-CN" altLang="en-US"/>
+                              <a:r>
+                                <a:rPr lang="en-US" altLang="zh-CN" sz="2400" dirty="0" smtClean="0">
+                                  <a:solidFill>
+                                    <a:schemeClr val="tx1"/>
+                                  </a:solidFill>
+                                </a:rPr>
+                                <a:t>0</a:t>
+                              </a:r>
+                              <a:endParaRPr lang="zh-CN" altLang="en-US" sz="2400" dirty="0">
+                                <a:solidFill>
+                                  <a:schemeClr val="tx1"/>
+                                </a:solidFill>
+                              </a:endParaRPr>
                             </a:p>
                           </p:txBody>
                         </p:sp>
@@ -6544,8 +6628,8 @@
                           </p:nvSpPr>
                           <p:spPr>
                             <a:xfrm>
-                              <a:off x="6324600" y="7813200"/>
-                              <a:ext cx="1259575" cy="1260000"/>
+                              <a:off x="6324600" y="7813201"/>
+                              <a:ext cx="1259574" cy="1260001"/>
                             </a:xfrm>
                             <a:prstGeom prst="rect">
                               <a:avLst/>
@@ -6583,7 +6667,19 @@
                             <a:lstStyle/>
                             <a:p>
                               <a:pPr algn="ctr"/>
-                              <a:endParaRPr lang="zh-CN" altLang="en-US"/>
+                              <a:r>
+                                <a:rPr lang="en-US" altLang="zh-CN" sz="2400" dirty="0">
+                                  <a:solidFill>
+                                    <a:schemeClr val="tx1"/>
+                                  </a:solidFill>
+                                </a:rPr>
+                                <a:t>1</a:t>
+                              </a:r>
+                              <a:endParaRPr lang="zh-CN" altLang="en-US" sz="2400" dirty="0">
+                                <a:solidFill>
+                                  <a:schemeClr val="tx1"/>
+                                </a:solidFill>
+                              </a:endParaRPr>
                             </a:p>
                           </p:txBody>
                         </p:sp>
@@ -6595,8 +6691,8 @@
                           </p:nvSpPr>
                           <p:spPr>
                             <a:xfrm>
-                              <a:off x="6324600" y="9073200"/>
-                              <a:ext cx="1259575" cy="1260000"/>
+                              <a:off x="6324600" y="9073199"/>
+                              <a:ext cx="1259574" cy="1260001"/>
                             </a:xfrm>
                             <a:prstGeom prst="rect">
                               <a:avLst/>
@@ -6631,7 +6727,19 @@
                             <a:lstStyle/>
                             <a:p>
                               <a:pPr algn="ctr"/>
-                              <a:endParaRPr lang="zh-CN" altLang="en-US"/>
+                              <a:r>
+                                <a:rPr lang="en-US" altLang="zh-CN" sz="2400" dirty="0">
+                                  <a:solidFill>
+                                    <a:schemeClr val="tx1"/>
+                                  </a:solidFill>
+                                </a:rPr>
+                                <a:t>0</a:t>
+                              </a:r>
+                              <a:endParaRPr lang="zh-CN" altLang="en-US" sz="2400" dirty="0">
+                                <a:solidFill>
+                                  <a:schemeClr val="tx1"/>
+                                </a:solidFill>
+                              </a:endParaRPr>
                             </a:p>
                           </p:txBody>
                         </p:sp>
@@ -6679,7 +6787,19 @@
                             <a:lstStyle/>
                             <a:p>
                               <a:pPr algn="ctr"/>
-                              <a:endParaRPr lang="zh-CN" altLang="en-US"/>
+                              <a:r>
+                                <a:rPr lang="en-US" altLang="zh-CN" sz="2400" dirty="0" smtClean="0">
+                                  <a:solidFill>
+                                    <a:schemeClr val="tx1"/>
+                                  </a:solidFill>
+                                </a:rPr>
+                                <a:t>0</a:t>
+                              </a:r>
+                              <a:endParaRPr lang="zh-CN" altLang="en-US" sz="2400" dirty="0">
+                                <a:solidFill>
+                                  <a:schemeClr val="tx1"/>
+                                </a:solidFill>
+                              </a:endParaRPr>
                             </a:p>
                           </p:txBody>
                         </p:sp>
@@ -6730,7 +6850,19 @@
                             <a:lstStyle/>
                             <a:p>
                               <a:pPr algn="ctr"/>
-                              <a:endParaRPr lang="zh-CN" altLang="en-US"/>
+                              <a:r>
+                                <a:rPr lang="en-US" altLang="zh-CN" sz="2400" dirty="0">
+                                  <a:solidFill>
+                                    <a:schemeClr val="tx1"/>
+                                  </a:solidFill>
+                                </a:rPr>
+                                <a:t>1</a:t>
+                              </a:r>
+                              <a:endParaRPr lang="zh-CN" altLang="en-US" sz="2400" dirty="0">
+                                <a:solidFill>
+                                  <a:schemeClr val="tx1"/>
+                                </a:solidFill>
+                              </a:endParaRPr>
                             </a:p>
                           </p:txBody>
                         </p:sp>
@@ -6778,7 +6910,19 @@
                             <a:lstStyle/>
                             <a:p>
                               <a:pPr algn="ctr"/>
-                              <a:endParaRPr lang="zh-CN" altLang="en-US"/>
+                              <a:r>
+                                <a:rPr lang="en-US" altLang="zh-CN" sz="2400" dirty="0">
+                                  <a:solidFill>
+                                    <a:schemeClr val="tx1"/>
+                                  </a:solidFill>
+                                </a:rPr>
+                                <a:t>0</a:t>
+                              </a:r>
+                              <a:endParaRPr lang="zh-CN" altLang="en-US" sz="2400" dirty="0">
+                                <a:solidFill>
+                                  <a:schemeClr val="tx1"/>
+                                </a:solidFill>
+                              </a:endParaRPr>
                             </a:p>
                           </p:txBody>
                         </p:sp>
@@ -6829,7 +6973,19 @@
                             <a:lstStyle/>
                             <a:p>
                               <a:pPr algn="ctr"/>
-                              <a:endParaRPr lang="zh-CN" altLang="en-US" dirty="0"/>
+                              <a:r>
+                                <a:rPr lang="en-US" altLang="zh-CN" sz="2400" dirty="0">
+                                  <a:solidFill>
+                                    <a:schemeClr val="tx1"/>
+                                  </a:solidFill>
+                                </a:rPr>
+                                <a:t>1</a:t>
+                              </a:r>
+                              <a:endParaRPr lang="zh-CN" altLang="en-US" sz="2400" dirty="0">
+                                <a:solidFill>
+                                  <a:schemeClr val="tx1"/>
+                                </a:solidFill>
+                              </a:endParaRPr>
                             </a:p>
                           </p:txBody>
                         </p:sp>
@@ -6880,7 +7036,19 @@
                             <a:lstStyle/>
                             <a:p>
                               <a:pPr algn="ctr"/>
-                              <a:endParaRPr lang="zh-CN" altLang="en-US"/>
+                              <a:r>
+                                <a:rPr lang="en-US" altLang="zh-CN" sz="2400" dirty="0">
+                                  <a:solidFill>
+                                    <a:schemeClr val="tx1"/>
+                                  </a:solidFill>
+                                </a:rPr>
+                                <a:t>1</a:t>
+                              </a:r>
+                              <a:endParaRPr lang="zh-CN" altLang="en-US" sz="2400" dirty="0">
+                                <a:solidFill>
+                                  <a:schemeClr val="tx1"/>
+                                </a:solidFill>
+                              </a:endParaRPr>
                             </a:p>
                           </p:txBody>
                         </p:sp>
@@ -6928,7 +7096,19 @@
                             <a:lstStyle/>
                             <a:p>
                               <a:pPr algn="ctr"/>
-                              <a:endParaRPr lang="zh-CN" altLang="en-US"/>
+                              <a:r>
+                                <a:rPr lang="en-US" altLang="zh-CN" sz="2400" dirty="0" smtClean="0">
+                                  <a:solidFill>
+                                    <a:schemeClr val="tx1"/>
+                                  </a:solidFill>
+                                </a:rPr>
+                                <a:t>0</a:t>
+                              </a:r>
+                              <a:endParaRPr lang="zh-CN" altLang="en-US" sz="2400" dirty="0">
+                                <a:solidFill>
+                                  <a:schemeClr val="tx1"/>
+                                </a:solidFill>
+                              </a:endParaRPr>
                             </a:p>
                           </p:txBody>
                         </p:sp>
@@ -6976,7 +7156,19 @@
                             <a:lstStyle/>
                             <a:p>
                               <a:pPr algn="ctr"/>
-                              <a:endParaRPr lang="zh-CN" altLang="en-US"/>
+                              <a:r>
+                                <a:rPr lang="en-US" altLang="zh-CN" sz="2400" dirty="0" smtClean="0">
+                                  <a:solidFill>
+                                    <a:schemeClr val="tx1"/>
+                                  </a:solidFill>
+                                </a:rPr>
+                                <a:t>0</a:t>
+                              </a:r>
+                              <a:endParaRPr lang="zh-CN" altLang="en-US" sz="2400" dirty="0">
+                                <a:solidFill>
+                                  <a:schemeClr val="tx1"/>
+                                </a:solidFill>
+                              </a:endParaRPr>
                             </a:p>
                           </p:txBody>
                         </p:sp>
@@ -7027,7 +7219,19 @@
                             <a:lstStyle/>
                             <a:p>
                               <a:pPr algn="ctr"/>
-                              <a:endParaRPr lang="zh-CN" altLang="en-US"/>
+                              <a:r>
+                                <a:rPr lang="en-US" altLang="zh-CN" sz="2400" dirty="0" smtClean="0">
+                                  <a:solidFill>
+                                    <a:schemeClr val="tx1"/>
+                                  </a:solidFill>
+                                </a:rPr>
+                                <a:t>1</a:t>
+                              </a:r>
+                              <a:endParaRPr lang="zh-CN" altLang="en-US" sz="2400" dirty="0">
+                                <a:solidFill>
+                                  <a:schemeClr val="tx1"/>
+                                </a:solidFill>
+                              </a:endParaRPr>
                             </a:p>
                           </p:txBody>
                         </p:sp>
@@ -7075,7 +7279,19 @@
                             <a:lstStyle/>
                             <a:p>
                               <a:pPr algn="ctr"/>
-                              <a:endParaRPr lang="zh-CN" altLang="en-US"/>
+                              <a:r>
+                                <a:rPr lang="en-US" altLang="zh-CN" sz="2400" dirty="0" smtClean="0">
+                                  <a:solidFill>
+                                    <a:schemeClr val="tx1"/>
+                                  </a:solidFill>
+                                </a:rPr>
+                                <a:t>0</a:t>
+                              </a:r>
+                              <a:endParaRPr lang="zh-CN" altLang="en-US" sz="2400" dirty="0">
+                                <a:solidFill>
+                                  <a:schemeClr val="tx1"/>
+                                </a:solidFill>
+                              </a:endParaRPr>
                             </a:p>
                           </p:txBody>
                         </p:sp>
@@ -7126,7 +7342,19 @@
                             <a:lstStyle/>
                             <a:p>
                               <a:pPr algn="ctr"/>
-                              <a:endParaRPr lang="zh-CN" altLang="en-US"/>
+                              <a:r>
+                                <a:rPr lang="en-US" altLang="zh-CN" sz="2400" dirty="0" smtClean="0">
+                                  <a:solidFill>
+                                    <a:schemeClr val="tx1"/>
+                                  </a:solidFill>
+                                </a:rPr>
+                                <a:t>1</a:t>
+                              </a:r>
+                              <a:endParaRPr lang="zh-CN" altLang="en-US" sz="2400" dirty="0">
+                                <a:solidFill>
+                                  <a:schemeClr val="tx1"/>
+                                </a:solidFill>
+                              </a:endParaRPr>
                             </a:p>
                           </p:txBody>
                         </p:sp>
@@ -7174,7 +7402,19 @@
                             <a:lstStyle/>
                             <a:p>
                               <a:pPr algn="ctr"/>
-                              <a:endParaRPr lang="zh-CN" altLang="en-US" dirty="0"/>
+                              <a:r>
+                                <a:rPr lang="en-US" altLang="zh-CN" sz="2400" dirty="0" smtClean="0">
+                                  <a:solidFill>
+                                    <a:schemeClr val="tx1"/>
+                                  </a:solidFill>
+                                </a:rPr>
+                                <a:t>0</a:t>
+                              </a:r>
+                              <a:endParaRPr lang="zh-CN" altLang="en-US" sz="2400" dirty="0">
+                                <a:solidFill>
+                                  <a:schemeClr val="tx1"/>
+                                </a:solidFill>
+                              </a:endParaRPr>
                             </a:p>
                           </p:txBody>
                         </p:sp>
@@ -7222,7 +7462,19 @@
                             <a:lstStyle/>
                             <a:p>
                               <a:pPr algn="ctr"/>
-                              <a:endParaRPr lang="zh-CN" altLang="en-US"/>
+                              <a:r>
+                                <a:rPr lang="en-US" altLang="zh-CN" sz="2400" dirty="0" smtClean="0">
+                                  <a:solidFill>
+                                    <a:schemeClr val="tx1"/>
+                                  </a:solidFill>
+                                </a:rPr>
+                                <a:t>0</a:t>
+                              </a:r>
+                              <a:endParaRPr lang="zh-CN" altLang="en-US" sz="2400" dirty="0">
+                                <a:solidFill>
+                                  <a:schemeClr val="tx1"/>
+                                </a:solidFill>
+                              </a:endParaRPr>
                             </a:p>
                           </p:txBody>
                         </p:sp>
@@ -7270,7 +7522,19 @@
                             <a:lstStyle/>
                             <a:p>
                               <a:pPr algn="ctr"/>
-                              <a:endParaRPr lang="zh-CN" altLang="en-US"/>
+                              <a:r>
+                                <a:rPr lang="en-US" altLang="zh-CN" sz="2400" dirty="0" smtClean="0">
+                                  <a:solidFill>
+                                    <a:schemeClr val="tx1"/>
+                                  </a:solidFill>
+                                </a:rPr>
+                                <a:t>0</a:t>
+                              </a:r>
+                              <a:endParaRPr lang="zh-CN" altLang="en-US" sz="2400" dirty="0">
+                                <a:solidFill>
+                                  <a:schemeClr val="tx1"/>
+                                </a:solidFill>
+                              </a:endParaRPr>
                             </a:p>
                           </p:txBody>
                         </p:sp>
@@ -7321,7 +7585,19 @@
                             <a:lstStyle/>
                             <a:p>
                               <a:pPr algn="ctr"/>
-                              <a:endParaRPr lang="zh-CN" altLang="en-US"/>
+                              <a:r>
+                                <a:rPr lang="en-US" altLang="zh-CN" sz="2400" dirty="0" smtClean="0">
+                                  <a:solidFill>
+                                    <a:schemeClr val="tx1"/>
+                                  </a:solidFill>
+                                </a:rPr>
+                                <a:t>1</a:t>
+                              </a:r>
+                              <a:endParaRPr lang="zh-CN" altLang="en-US" sz="2400" dirty="0">
+                                <a:solidFill>
+                                  <a:schemeClr val="tx1"/>
+                                </a:solidFill>
+                              </a:endParaRPr>
                             </a:p>
                           </p:txBody>
                         </p:sp>
@@ -7369,7 +7645,19 @@
                             <a:lstStyle/>
                             <a:p>
                               <a:pPr algn="ctr"/>
-                              <a:endParaRPr lang="zh-CN" altLang="en-US"/>
+                              <a:r>
+                                <a:rPr lang="en-US" altLang="zh-CN" sz="2400" dirty="0" smtClean="0">
+                                  <a:solidFill>
+                                    <a:schemeClr val="tx1"/>
+                                  </a:solidFill>
+                                </a:rPr>
+                                <a:t>0</a:t>
+                              </a:r>
+                              <a:endParaRPr lang="zh-CN" altLang="en-US" sz="2400" dirty="0">
+                                <a:solidFill>
+                                  <a:schemeClr val="tx1"/>
+                                </a:solidFill>
+                              </a:endParaRPr>
                             </a:p>
                           </p:txBody>
                         </p:sp>
@@ -7420,7 +7708,19 @@
                             <a:lstStyle/>
                             <a:p>
                               <a:pPr algn="ctr"/>
-                              <a:endParaRPr lang="zh-CN" altLang="en-US"/>
+                              <a:r>
+                                <a:rPr lang="en-US" altLang="zh-CN" sz="2400" dirty="0" smtClean="0">
+                                  <a:solidFill>
+                                    <a:schemeClr val="tx1"/>
+                                  </a:solidFill>
+                                </a:rPr>
+                                <a:t>1</a:t>
+                              </a:r>
+                              <a:endParaRPr lang="zh-CN" altLang="en-US" sz="2400" dirty="0">
+                                <a:solidFill>
+                                  <a:schemeClr val="tx1"/>
+                                </a:solidFill>
+                              </a:endParaRPr>
                             </a:p>
                           </p:txBody>
                         </p:sp>
@@ -7468,7 +7768,19 @@
                             <a:lstStyle/>
                             <a:p>
                               <a:pPr algn="ctr"/>
-                              <a:endParaRPr lang="zh-CN" altLang="en-US"/>
+                              <a:r>
+                                <a:rPr lang="en-US" altLang="zh-CN" sz="2400" dirty="0" smtClean="0">
+                                  <a:solidFill>
+                                    <a:schemeClr val="tx1"/>
+                                  </a:solidFill>
+                                </a:rPr>
+                                <a:t>0</a:t>
+                              </a:r>
+                              <a:endParaRPr lang="zh-CN" altLang="en-US" sz="2400" dirty="0">
+                                <a:solidFill>
+                                  <a:schemeClr val="tx1"/>
+                                </a:solidFill>
+                              </a:endParaRPr>
                             </a:p>
                           </p:txBody>
                         </p:sp>
@@ -7519,7 +7831,19 @@
                             <a:lstStyle/>
                             <a:p>
                               <a:pPr algn="ctr"/>
-                              <a:endParaRPr lang="zh-CN" altLang="en-US" dirty="0"/>
+                              <a:r>
+                                <a:rPr lang="en-US" altLang="zh-CN" sz="2400" dirty="0" smtClean="0">
+                                  <a:solidFill>
+                                    <a:schemeClr val="tx1"/>
+                                  </a:solidFill>
+                                </a:rPr>
+                                <a:t>1</a:t>
+                              </a:r>
+                              <a:endParaRPr lang="zh-CN" altLang="en-US" sz="2400" dirty="0">
+                                <a:solidFill>
+                                  <a:schemeClr val="tx1"/>
+                                </a:solidFill>
+                              </a:endParaRPr>
                             </a:p>
                           </p:txBody>
                         </p:sp>
@@ -7668,6 +7992,7 @@
                             <a:rPr lang="en-US" sz="2800" dirty="0"/>
                             <a:t>…</a:t>
                           </a:r>
+                          <a:endParaRPr lang="en-US" sz="2400" dirty="0"/>
                         </a:p>
                       </p:txBody>
                     </p:sp>
@@ -8988,8 +9313,8 @@
             </p:nvSpPr>
             <p:spPr>
               <a:xfrm>
-                <a:off x="18656047" y="9760970"/>
-                <a:ext cx="1943546" cy="954107"/>
+                <a:off x="18507694" y="9794616"/>
+                <a:ext cx="2087647" cy="954107"/>
               </a:xfrm>
               <a:prstGeom prst="rect">
                 <a:avLst/>
@@ -9007,10 +9332,9 @@
                   <a:t>Features of </a:t>
                 </a:r>
                 <a:r>
-                  <a:rPr lang="en-US" sz="2800" dirty="0" err="1"/>
-                  <a:t>utterence</a:t>
+                  <a:rPr lang="en-US" sz="2800" b="1" dirty="0" smtClean="0"/>
+                  <a:t>utterance</a:t>
                 </a:r>
-                <a:endParaRPr lang="en-US" sz="2800" dirty="0"/>
               </a:p>
             </p:txBody>
           </p:sp>
@@ -9023,7 +9347,7 @@
           </p:nvSpPr>
           <p:spPr>
             <a:xfrm>
-              <a:off x="18368300" y="9763061"/>
+              <a:off x="18368300" y="9816047"/>
               <a:ext cx="13336438" cy="6370463"/>
             </a:xfrm>
             <a:prstGeom prst="rect">
@@ -9102,8 +9426,8 @@
         </p:nvCxnSpPr>
         <p:spPr>
           <a:xfrm>
-            <a:off x="14108087" y="6792295"/>
-            <a:ext cx="0" cy="297949"/>
+            <a:off x="14238313" y="6535132"/>
+            <a:ext cx="0" cy="487630"/>
           </a:xfrm>
           <a:prstGeom prst="straightConnector1">
             <a:avLst/>
@@ -9138,7 +9462,7 @@
         </p:nvGrpSpPr>
         <p:grpSpPr>
           <a:xfrm>
-            <a:off x="11798297" y="6048363"/>
+            <a:off x="11798297" y="5791200"/>
             <a:ext cx="6244061" cy="3107425"/>
             <a:chOff x="11798297" y="6048363"/>
             <a:chExt cx="6244061" cy="2515037"/>
@@ -9152,10 +9476,10 @@
           </p:nvGrpSpPr>
           <p:grpSpPr>
             <a:xfrm>
-              <a:off x="11811000" y="6139948"/>
-              <a:ext cx="6231358" cy="1905250"/>
-              <a:chOff x="11564623" y="6003273"/>
-              <a:chExt cx="6231358" cy="1905250"/>
+              <a:off x="11963400" y="6139948"/>
+              <a:ext cx="6078958" cy="1905250"/>
+              <a:chOff x="11717023" y="6003273"/>
+              <a:chExt cx="6078958" cy="1905250"/>
             </a:xfrm>
           </p:grpSpPr>
           <p:pic>
@@ -9167,7 +9491,7 @@
               <p:nvPr/>
             </p:nvPicPr>
             <p:blipFill rotWithShape="1">
-              <a:blip r:embed="rId7" cstate="print">
+              <a:blip r:embed="rId8" cstate="print">
                 <a:extLst>
                   <a:ext uri="{28A0092B-C50C-407E-A947-70E740481C1C}">
                     <a14:useLocalDpi xmlns:a14="http://schemas.microsoft.com/office/drawing/2010/main" val="0"/>
@@ -9179,7 +9503,7 @@
             </p:blipFill>
             <p:spPr>
               <a:xfrm>
-                <a:off x="13034597" y="6041239"/>
+                <a:off x="13164823" y="6041239"/>
                 <a:ext cx="1654226" cy="472561"/>
               </a:xfrm>
               <a:prstGeom prst="rect">
@@ -9224,7 +9548,7 @@
             </p:nvSpPr>
             <p:spPr>
               <a:xfrm>
-                <a:off x="11564623" y="6937020"/>
+                <a:off x="11717023" y="6937020"/>
                 <a:ext cx="1735861" cy="971503"/>
               </a:xfrm>
               <a:prstGeom prst="rect">
@@ -9259,10 +9583,10 @@
             </p:nvGrpSpPr>
             <p:grpSpPr>
               <a:xfrm>
-                <a:off x="13012424" y="6983606"/>
-                <a:ext cx="1520952" cy="825541"/>
-                <a:chOff x="12986564" y="6870480"/>
-                <a:chExt cx="1520952" cy="825541"/>
+                <a:off x="13167871" y="6983606"/>
+                <a:ext cx="1365505" cy="825541"/>
+                <a:chOff x="13142011" y="6870480"/>
+                <a:chExt cx="1365505" cy="825541"/>
               </a:xfrm>
             </p:grpSpPr>
             <p:grpSp>
@@ -9273,10 +9597,10 @@
               </p:nvGrpSpPr>
               <p:grpSpPr>
                 <a:xfrm>
-                  <a:off x="12986564" y="6870480"/>
-                  <a:ext cx="1520952" cy="825541"/>
-                  <a:chOff x="12786428" y="6779535"/>
-                  <a:chExt cx="1298289" cy="704684"/>
+                  <a:off x="13142011" y="6870480"/>
+                  <a:ext cx="1365505" cy="825541"/>
+                  <a:chOff x="12919118" y="6779535"/>
+                  <a:chExt cx="1165599" cy="704684"/>
                 </a:xfrm>
               </p:grpSpPr>
               <p:sp>
@@ -9336,54 +9660,6 @@
                 <p:spPr>
                   <a:xfrm>
                     <a:off x="13179296" y="6781800"/>
-                    <a:ext cx="62443" cy="702419"/>
-                  </a:xfrm>
-                  <a:prstGeom prst="rect">
-                    <a:avLst/>
-                  </a:prstGeom>
-                  <a:noFill/>
-                  <a:ln w="3175">
-                    <a:solidFill>
-                      <a:schemeClr val="tx1"/>
-                    </a:solidFill>
-                  </a:ln>
-                </p:spPr>
-                <p:style>
-                  <a:lnRef idx="2">
-                    <a:schemeClr val="accent1">
-                      <a:shade val="50000"/>
-                    </a:schemeClr>
-                  </a:lnRef>
-                  <a:fillRef idx="1">
-                    <a:schemeClr val="accent1"/>
-                  </a:fillRef>
-                  <a:effectRef idx="0">
-                    <a:schemeClr val="accent1"/>
-                  </a:effectRef>
-                  <a:fontRef idx="minor">
-                    <a:schemeClr val="lt1"/>
-                  </a:fontRef>
-                </p:style>
-                <p:txBody>
-                  <a:bodyPr rtlCol="0" anchor="ctr"/>
-                  <a:lstStyle/>
-                  <a:p>
-                    <a:pPr algn="ctr"/>
-                    <a:endParaRPr lang="en-US">
-                      <a:noFill/>
-                    </a:endParaRPr>
-                  </a:p>
-                </p:txBody>
-              </p:sp>
-              <p:sp>
-                <p:nvSpPr>
-                  <p:cNvPr id="291" name="Rectangle 290"/>
-                  <p:cNvSpPr/>
-                  <p:nvPr/>
-                </p:nvSpPr>
-                <p:spPr>
-                  <a:xfrm>
-                    <a:off x="12786428" y="6781800"/>
                     <a:ext cx="62443" cy="702419"/>
                   </a:xfrm>
                   <a:prstGeom prst="rect">
@@ -9576,8 +9852,8 @@
               </p:nvSpPr>
               <p:spPr>
                 <a:xfrm>
-                  <a:off x="13506996" y="6957415"/>
-                  <a:ext cx="836374" cy="461665"/>
+                  <a:off x="13597989" y="6957415"/>
+                  <a:ext cx="836374" cy="373655"/>
                 </a:xfrm>
                 <a:prstGeom prst="rect">
                   <a:avLst/>
@@ -9591,9 +9867,10 @@
                 <a:lstStyle/>
                 <a:p>
                   <a:r>
-                    <a:rPr lang="en-US" sz="2400" dirty="0"/>
+                    <a:rPr lang="en-US" sz="2400" dirty="0" smtClean="0"/>
                     <a:t>……</a:t>
                   </a:r>
+                  <a:endParaRPr lang="en-US" sz="2400" dirty="0"/>
                 </a:p>
               </p:txBody>
             </p:sp>
@@ -9646,8 +9923,8 @@
             </p:nvCxnSpPr>
             <p:spPr>
               <a:xfrm flipV="1">
-                <a:off x="14688823" y="6260419"/>
-                <a:ext cx="811415" cy="17100"/>
+                <a:off x="14819049" y="6260419"/>
+                <a:ext cx="681189" cy="17100"/>
               </a:xfrm>
               <a:prstGeom prst="straightConnector1">
                 <a:avLst/>
@@ -9682,8 +9959,8 @@
             </p:nvCxnSpPr>
             <p:spPr>
               <a:xfrm flipH="1">
-                <a:off x="14577745" y="6513800"/>
-                <a:ext cx="1723092" cy="879538"/>
+                <a:off x="14819049" y="6513800"/>
+                <a:ext cx="1481788" cy="789338"/>
               </a:xfrm>
               <a:prstGeom prst="straightConnector1">
                 <a:avLst/>
@@ -9797,9 +10074,9 @@
         <p:grpSpPr>
           <a:xfrm>
             <a:off x="1467814" y="18821400"/>
-            <a:ext cx="9047786" cy="2555827"/>
+            <a:ext cx="9200186" cy="2555827"/>
             <a:chOff x="1672947" y="23902073"/>
-            <a:chExt cx="9047786" cy="2555827"/>
+            <a:chExt cx="9200186" cy="2555827"/>
           </a:xfrm>
         </p:grpSpPr>
         <p:grpSp>
@@ -9811,9 +10088,9 @@
           <p:grpSpPr>
             <a:xfrm>
               <a:off x="1672947" y="23902073"/>
-              <a:ext cx="9047786" cy="2555827"/>
+              <a:ext cx="9200186" cy="2555827"/>
               <a:chOff x="93685" y="10028476"/>
-              <a:chExt cx="25732442" cy="7268924"/>
+              <a:chExt cx="26165876" cy="7268924"/>
             </a:xfrm>
           </p:grpSpPr>
           <p:sp>
@@ -9824,7 +10101,7 @@
             </p:nvSpPr>
             <p:spPr>
               <a:xfrm>
-                <a:off x="4871287" y="10038353"/>
+                <a:off x="4587828" y="10038353"/>
                 <a:ext cx="4914899" cy="2743201"/>
               </a:xfrm>
               <a:prstGeom prst="rect">
@@ -10037,7 +10314,7 @@
             </p:nvSpPr>
             <p:spPr>
               <a:xfrm>
-                <a:off x="17074922" y="14554197"/>
+                <a:off x="17508356" y="14554197"/>
                 <a:ext cx="8751205" cy="2743201"/>
               </a:xfrm>
               <a:prstGeom prst="rect">
@@ -10192,7 +10469,7 @@
           <p:spPr>
             <a:xfrm>
               <a:off x="2798768" y="24384342"/>
-              <a:ext cx="554032" cy="3473"/>
+              <a:ext cx="454365" cy="3473"/>
             </a:xfrm>
             <a:prstGeom prst="straightConnector1">
               <a:avLst/>
@@ -10227,8 +10504,8 @@
           </p:nvCxnSpPr>
           <p:spPr>
             <a:xfrm flipV="1">
-              <a:off x="5080928" y="24384342"/>
-              <a:ext cx="329272" cy="3473"/>
+              <a:off x="4981261" y="24384342"/>
+              <a:ext cx="428939" cy="3473"/>
             </a:xfrm>
             <a:prstGeom prst="straightConnector1">
               <a:avLst/>
@@ -10299,8 +10576,8 @@
           </p:nvCxnSpPr>
           <p:spPr>
             <a:xfrm flipH="1">
-              <a:off x="9182227" y="24870083"/>
-              <a:ext cx="250377" cy="623279"/>
+              <a:off x="9334627" y="24870083"/>
+              <a:ext cx="97977" cy="623279"/>
             </a:xfrm>
             <a:prstGeom prst="straightConnector1">
               <a:avLst/>
@@ -10336,7 +10613,7 @@
           <p:spPr>
             <a:xfrm flipH="1">
               <a:off x="7313473" y="25975631"/>
-              <a:ext cx="330248" cy="1"/>
+              <a:ext cx="482648" cy="1"/>
             </a:xfrm>
             <a:prstGeom prst="straightConnector1">
               <a:avLst/>
@@ -10405,22 +10682,21 @@
           </p:cNvPicPr>
           <p:nvPr/>
         </p:nvPicPr>
-        <p:blipFill>
-          <a:blip r:embed="rId8">
+        <p:blipFill rotWithShape="1">
+          <a:blip r:embed="rId9">
             <a:extLst>
               <a:ext uri="{28A0092B-C50C-407E-A947-70E740481C1C}">
                 <a14:useLocalDpi xmlns:a14="http://schemas.microsoft.com/office/drawing/2010/main" val="0"/>
               </a:ext>
             </a:extLst>
           </a:blip>
-          <a:stretch>
-            <a:fillRect/>
-          </a:stretch>
+          <a:srcRect t="7189" b="13072"/>
+          <a:stretch/>
         </p:blipFill>
         <p:spPr>
           <a:xfrm>
-            <a:off x="11887200" y="19812000"/>
-            <a:ext cx="10058400" cy="3886200"/>
+            <a:off x="11871247" y="19939000"/>
+            <a:ext cx="10297847" cy="3454400"/>
           </a:xfrm>
           <a:prstGeom prst="rect">
             <a:avLst/>
@@ -10435,10 +10711,10 @@
         </p:nvGrpSpPr>
         <p:grpSpPr>
           <a:xfrm>
-            <a:off x="11871248" y="8709964"/>
-            <a:ext cx="7708514" cy="11621422"/>
-            <a:chOff x="11871248" y="8709964"/>
-            <a:chExt cx="7708514" cy="11621422"/>
+            <a:off x="11871248" y="8458200"/>
+            <a:ext cx="7708514" cy="11954490"/>
+            <a:chOff x="11871248" y="8458200"/>
+            <a:chExt cx="7708514" cy="11954490"/>
           </a:xfrm>
         </p:grpSpPr>
         <p:grpSp>
@@ -10449,10 +10725,10 @@
           </p:nvGrpSpPr>
           <p:grpSpPr>
             <a:xfrm>
-              <a:off x="11871248" y="8709964"/>
-              <a:ext cx="7708514" cy="7657028"/>
-              <a:chOff x="11871248" y="8709964"/>
-              <a:chExt cx="7708514" cy="7657028"/>
+              <a:off x="11871248" y="8458200"/>
+              <a:ext cx="7708514" cy="7908792"/>
+              <a:chOff x="11871248" y="8458200"/>
+              <a:chExt cx="7708514" cy="7908792"/>
             </a:xfrm>
           </p:grpSpPr>
           <p:pic>
@@ -10464,7 +10740,7 @@
               <p:nvPr/>
             </p:nvPicPr>
             <p:blipFill rotWithShape="1">
-              <a:blip r:embed="rId9" cstate="print">
+              <a:blip r:embed="rId10" cstate="print">
                 <a:extLst>
                   <a:ext uri="{28A0092B-C50C-407E-A947-70E740481C1C}">
                     <a14:useLocalDpi xmlns:a14="http://schemas.microsoft.com/office/drawing/2010/main" val="0"/>
@@ -10476,7 +10752,7 @@
             </p:blipFill>
             <p:spPr>
               <a:xfrm>
-                <a:off x="12197175" y="10386415"/>
+                <a:off x="12344400" y="10386415"/>
                 <a:ext cx="2196404" cy="627444"/>
               </a:xfrm>
               <a:prstGeom prst="rect">
@@ -10651,8 +10927,8 @@
             </p:nvCxnSpPr>
             <p:spPr>
               <a:xfrm flipV="1">
-                <a:off x="17068800" y="9171631"/>
-                <a:ext cx="1520971" cy="2460261"/>
+                <a:off x="16916400" y="9171632"/>
+                <a:ext cx="1673371" cy="2444812"/>
               </a:xfrm>
               <a:prstGeom prst="straightConnector1">
                 <a:avLst/>
@@ -10851,8 +11127,8 @@
             </p:nvCxnSpPr>
             <p:spPr>
               <a:xfrm>
-                <a:off x="13295377" y="11013859"/>
-                <a:ext cx="217466" cy="430130"/>
+                <a:off x="13442602" y="11013859"/>
+                <a:ext cx="70241" cy="430130"/>
               </a:xfrm>
               <a:prstGeom prst="straightConnector1">
                 <a:avLst/>
@@ -10887,8 +11163,8 @@
             </p:nvCxnSpPr>
             <p:spPr>
               <a:xfrm flipV="1">
-                <a:off x="12192000" y="8709964"/>
-                <a:ext cx="201150" cy="2921928"/>
+                <a:off x="12053539" y="8458200"/>
+                <a:ext cx="339611" cy="3286376"/>
               </a:xfrm>
               <a:prstGeom prst="straightConnector1">
                 <a:avLst/>
@@ -11211,8 +11487,8 @@
           </p:nvCxnSpPr>
           <p:spPr>
             <a:xfrm flipH="1">
-              <a:off x="12528900" y="18890453"/>
-              <a:ext cx="1178788" cy="1440933"/>
+              <a:off x="12725400" y="18890453"/>
+              <a:ext cx="982288" cy="1522237"/>
             </a:xfrm>
             <a:prstGeom prst="straightConnector1">
               <a:avLst/>
@@ -11241,232 +11517,318 @@
           </p:style>
         </p:cxnSp>
       </p:grpSp>
-      <p:sp>
-        <p:nvSpPr>
-          <p:cNvPr id="461" name="Text Box 189"/>
-          <p:cNvSpPr txBox="1">
-            <a:spLocks noChangeArrowheads="1"/>
-          </p:cNvSpPr>
-          <p:nvPr/>
-        </p:nvSpPr>
-        <p:spPr bwMode="auto">
-          <a:xfrm>
-            <a:off x="22572696" y="17309888"/>
-            <a:ext cx="8417290" cy="5509154"/>
-          </a:xfrm>
-          <a:prstGeom prst="rect">
-            <a:avLst/>
-          </a:prstGeom>
-          <a:solidFill>
-            <a:schemeClr val="bg1"/>
-          </a:solidFill>
-          <a:ln w="12700">
-            <a:solidFill>
-              <a:schemeClr val="accent1">
-                <a:lumMod val="75000"/>
-              </a:schemeClr>
-            </a:solidFill>
-          </a:ln>
-          <a:effectLst/>
-        </p:spPr>
-        <p:txBody>
-          <a:bodyPr wrap="square" lIns="137137" tIns="137137" rIns="137137" bIns="137137">
-            <a:spAutoFit/>
-          </a:bodyPr>
-          <a:lstStyle>
-            <a:lvl1pPr eaLnBrk="0" hangingPunct="0">
-              <a:defRPr sz="2200">
+      <mc:AlternateContent xmlns:mc="http://schemas.openxmlformats.org/markup-compatibility/2006">
+        <mc:Choice xmlns:a14="http://schemas.microsoft.com/office/drawing/2010/main" Requires="a14">
+          <p:sp>
+            <p:nvSpPr>
+              <p:cNvPr id="461" name="Text Box 189"/>
+              <p:cNvSpPr txBox="1">
+                <a:spLocks noChangeArrowheads="1"/>
+              </p:cNvSpPr>
+              <p:nvPr/>
+            </p:nvSpPr>
+            <p:spPr bwMode="auto">
+              <a:xfrm>
+                <a:off x="22783800" y="16916399"/>
+                <a:ext cx="8994036" cy="6821424"/>
+              </a:xfrm>
+              <a:prstGeom prst="rect">
+                <a:avLst/>
+              </a:prstGeom>
+              <a:solidFill>
+                <a:schemeClr val="bg1"/>
+              </a:solidFill>
+              <a:ln w="12700">
                 <a:solidFill>
-                  <a:schemeClr val="tx1"/>
+                  <a:schemeClr val="accent1">
+                    <a:lumMod val="75000"/>
+                  </a:schemeClr>
                 </a:solidFill>
-                <a:latin typeface="Arial" charset="0"/>
-              </a:defRPr>
-            </a:lvl1pPr>
-            <a:lvl2pPr marL="742950" indent="-285750" eaLnBrk="0" hangingPunct="0">
-              <a:defRPr sz="2200">
+              </a:ln>
+              <a:effectLst/>
+            </p:spPr>
+            <p:txBody>
+              <a:bodyPr wrap="square" lIns="137137" tIns="137137" rIns="137137" bIns="137137">
+                <a:spAutoFit/>
+              </a:bodyPr>
+              <a:lstStyle>
+                <a:lvl1pPr eaLnBrk="0" hangingPunct="0">
+                  <a:defRPr sz="2200">
+                    <a:solidFill>
+                      <a:schemeClr val="tx1"/>
+                    </a:solidFill>
+                    <a:latin typeface="Arial" charset="0"/>
+                  </a:defRPr>
+                </a:lvl1pPr>
+                <a:lvl2pPr marL="742950" indent="-285750" eaLnBrk="0" hangingPunct="0">
+                  <a:defRPr sz="2200">
+                    <a:solidFill>
+                      <a:schemeClr val="tx1"/>
+                    </a:solidFill>
+                    <a:latin typeface="Arial" charset="0"/>
+                  </a:defRPr>
+                </a:lvl2pPr>
+                <a:lvl3pPr marL="1143000" indent="-228600" eaLnBrk="0" hangingPunct="0">
+                  <a:defRPr sz="2200">
+                    <a:solidFill>
+                      <a:schemeClr val="tx1"/>
+                    </a:solidFill>
+                    <a:latin typeface="Arial" charset="0"/>
+                  </a:defRPr>
+                </a:lvl3pPr>
+                <a:lvl4pPr marL="1600200" indent="-228600" eaLnBrk="0" hangingPunct="0">
+                  <a:defRPr sz="2200">
+                    <a:solidFill>
+                      <a:schemeClr val="tx1"/>
+                    </a:solidFill>
+                    <a:latin typeface="Arial" charset="0"/>
+                  </a:defRPr>
+                </a:lvl4pPr>
+                <a:lvl5pPr marL="2057400" indent="-228600" eaLnBrk="0" hangingPunct="0">
+                  <a:defRPr sz="2200">
+                    <a:solidFill>
+                      <a:schemeClr val="tx1"/>
+                    </a:solidFill>
+                    <a:latin typeface="Arial" charset="0"/>
+                  </a:defRPr>
+                </a:lvl5pPr>
+                <a:lvl6pPr marL="2514600" indent="-228600" eaLnBrk="0" fontAlgn="base" hangingPunct="0">
+                  <a:spcBef>
+                    <a:spcPct val="0"/>
+                  </a:spcBef>
+                  <a:spcAft>
+                    <a:spcPct val="0"/>
+                  </a:spcAft>
+                  <a:defRPr sz="2200">
+                    <a:solidFill>
+                      <a:schemeClr val="tx1"/>
+                    </a:solidFill>
+                    <a:latin typeface="Arial" charset="0"/>
+                  </a:defRPr>
+                </a:lvl6pPr>
+                <a:lvl7pPr marL="2971800" indent="-228600" eaLnBrk="0" fontAlgn="base" hangingPunct="0">
+                  <a:spcBef>
+                    <a:spcPct val="0"/>
+                  </a:spcBef>
+                  <a:spcAft>
+                    <a:spcPct val="0"/>
+                  </a:spcAft>
+                  <a:defRPr sz="2200">
+                    <a:solidFill>
+                      <a:schemeClr val="tx1"/>
+                    </a:solidFill>
+                    <a:latin typeface="Arial" charset="0"/>
+                  </a:defRPr>
+                </a:lvl7pPr>
+                <a:lvl8pPr marL="3429000" indent="-228600" eaLnBrk="0" fontAlgn="base" hangingPunct="0">
+                  <a:spcBef>
+                    <a:spcPct val="0"/>
+                  </a:spcBef>
+                  <a:spcAft>
+                    <a:spcPct val="0"/>
+                  </a:spcAft>
+                  <a:defRPr sz="2200">
+                    <a:solidFill>
+                      <a:schemeClr val="tx1"/>
+                    </a:solidFill>
+                    <a:latin typeface="Arial" charset="0"/>
+                  </a:defRPr>
+                </a:lvl8pPr>
+                <a:lvl9pPr marL="3886200" indent="-228600" eaLnBrk="0" fontAlgn="base" hangingPunct="0">
+                  <a:spcBef>
+                    <a:spcPct val="0"/>
+                  </a:spcBef>
+                  <a:spcAft>
+                    <a:spcPct val="0"/>
+                  </a:spcAft>
+                  <a:defRPr sz="2200">
+                    <a:solidFill>
+                      <a:schemeClr val="tx1"/>
+                    </a:solidFill>
+                    <a:latin typeface="Arial" charset="0"/>
+                  </a:defRPr>
+                </a:lvl9pPr>
+              </a:lstStyle>
+              <a:p>
+                <a:pPr algn="just" eaLnBrk="1" hangingPunct="1"/>
+                <a:r>
+                  <a:rPr lang="en-US" sz="3200" b="1" dirty="0" smtClean="0">
+                    <a:latin typeface="+mn-lt"/>
+                    <a:cs typeface="Times New Roman" panose="02020603050405020304" pitchFamily="18" charset="0"/>
+                  </a:rPr>
+                  <a:t>Offline Clustering (Agglomerative clustering):</a:t>
+                </a:r>
+              </a:p>
+              <a:p>
+                <a:pPr marL="514350" indent="-514350" algn="just" eaLnBrk="1" hangingPunct="1">
+                  <a:buFont typeface="+mj-lt"/>
+                  <a:buAutoNum type="arabicPeriod"/>
+                </a:pPr>
+                <a:r>
+                  <a:rPr lang="en-US" sz="3200" dirty="0" smtClean="0">
+                    <a:latin typeface="+mn-lt"/>
+                    <a:cs typeface="Times New Roman" panose="02020603050405020304" pitchFamily="18" charset="0"/>
+                  </a:rPr>
+                  <a:t>Cosine similarity between BKs/ CVs will be used to assign segments and compare clusters</a:t>
+                </a:r>
+                <a:endParaRPr lang="en-US" sz="3200" dirty="0">
+                  <a:latin typeface="+mn-lt"/>
+                  <a:cs typeface="Times New Roman" panose="02020603050405020304" pitchFamily="18" charset="0"/>
+                </a:endParaRPr>
+              </a:p>
+              <a:p>
+                <a:pPr marL="514350" indent="-514350" algn="just" eaLnBrk="1" hangingPunct="1">
+                  <a:buFont typeface="+mj-lt"/>
+                  <a:buAutoNum type="arabicPeriod"/>
+                </a:pPr>
+                <a:r>
+                  <a:rPr lang="en-US" sz="3200" dirty="0" smtClean="0">
+                    <a:latin typeface="+mn-lt"/>
+                    <a:cs typeface="Times New Roman" panose="02020603050405020304" pitchFamily="18" charset="0"/>
+                  </a:rPr>
+                  <a:t>Starts with </a:t>
+                </a:r>
+                <a14:m>
+                  <m:oMath xmlns:m="http://schemas.openxmlformats.org/officeDocument/2006/math">
+                    <m:sSub>
+                      <m:sSubPr>
+                        <m:ctrlPr>
+                          <a:rPr lang="en-US" sz="3200" i="1" smtClean="0">
+                            <a:latin typeface="Cambria Math"/>
+                            <a:cs typeface="Times New Roman" panose="02020603050405020304" pitchFamily="18" charset="0"/>
+                          </a:rPr>
+                        </m:ctrlPr>
+                      </m:sSubPr>
+                      <m:e>
+                        <m:r>
+                          <a:rPr lang="en-US" sz="3200" b="0" i="1" smtClean="0">
+                            <a:latin typeface="Cambria Math"/>
+                            <a:cs typeface="Times New Roman" panose="02020603050405020304" pitchFamily="18" charset="0"/>
+                          </a:rPr>
+                          <m:t>𝐶</m:t>
+                        </m:r>
+                      </m:e>
+                      <m:sub>
+                        <m:r>
+                          <a:rPr lang="en-US" sz="3200" b="0" i="1" smtClean="0">
+                            <a:latin typeface="Cambria Math"/>
+                            <a:cs typeface="Times New Roman" panose="02020603050405020304" pitchFamily="18" charset="0"/>
+                          </a:rPr>
+                          <m:t>𝑖𝑛𝑖𝑡</m:t>
+                        </m:r>
+                      </m:sub>
+                    </m:sSub>
+                  </m:oMath>
+                </a14:m>
+                <a:r>
+                  <a:rPr lang="en-US" sz="3200" dirty="0" smtClean="0">
+                    <a:latin typeface="+mn-lt"/>
+                    <a:cs typeface="Times New Roman" panose="02020603050405020304" pitchFamily="18" charset="0"/>
+                  </a:rPr>
+                  <a:t> Clusters. Clusters with highest similarity will then be merged until one </a:t>
+                </a:r>
+                <a:r>
+                  <a:rPr lang="en-US" sz="3200" dirty="0" smtClean="0">
+                    <a:latin typeface="+mn-lt"/>
+                    <a:cs typeface="Times New Roman" panose="02020603050405020304" pitchFamily="18" charset="0"/>
+                  </a:rPr>
+                  <a:t>cluster is left. </a:t>
+                </a:r>
+              </a:p>
+              <a:p>
+                <a:pPr marL="514350" indent="-514350" algn="just" eaLnBrk="1" hangingPunct="1">
+                  <a:buFont typeface="+mj-lt"/>
+                  <a:buAutoNum type="arabicPeriod"/>
+                </a:pPr>
+                <a:r>
+                  <a:rPr lang="en-US" sz="3200" dirty="0" smtClean="0">
+                    <a:latin typeface="+mn-lt"/>
+                    <a:cs typeface="Times New Roman" panose="02020603050405020304" pitchFamily="18" charset="0"/>
+                  </a:rPr>
+                  <a:t>Elbow criterion is applied over the curve of within-class sum-of-squares / number of cluster to select best clustering from step 2</a:t>
+                </a:r>
+                <a:endParaRPr lang="en-US" sz="3200" b="1" dirty="0">
+                  <a:latin typeface="+mn-lt"/>
+                  <a:cs typeface="Times New Roman" panose="02020603050405020304" pitchFamily="18" charset="0"/>
+                </a:endParaRPr>
+              </a:p>
+              <a:p>
+                <a:pPr algn="just" eaLnBrk="1" hangingPunct="1"/>
+                <a:endParaRPr lang="en-US" sz="3200" b="1" dirty="0">
+                  <a:latin typeface="+mn-lt"/>
+                  <a:cs typeface="Times New Roman" panose="02020603050405020304" pitchFamily="18" charset="0"/>
+                </a:endParaRPr>
+              </a:p>
+              <a:p>
+                <a:pPr algn="just" eaLnBrk="1" hangingPunct="1"/>
+                <a:r>
+                  <a:rPr lang="en-US" sz="3200" b="1" dirty="0">
+                    <a:latin typeface="+mn-lt"/>
+                    <a:cs typeface="Times New Roman" panose="02020603050405020304" pitchFamily="18" charset="0"/>
+                  </a:rPr>
+                  <a:t>Online Clustering:</a:t>
+                </a:r>
+              </a:p>
+              <a:p>
+                <a:pPr algn="just" eaLnBrk="1" hangingPunct="1"/>
+                <a:r>
+                  <a:rPr lang="en-US" sz="3200" dirty="0" smtClean="0">
+                    <a:latin typeface="+mn-lt"/>
+                    <a:cs typeface="Times New Roman" panose="02020603050405020304" pitchFamily="18" charset="0"/>
+                  </a:rPr>
+                  <a:t>Assign the new segments to the clusters with smallest similarities of CVs</a:t>
+                </a:r>
+              </a:p>
+            </p:txBody>
+          </p:sp>
+        </mc:Choice>
+        <mc:Fallback>
+          <p:sp>
+            <p:nvSpPr>
+              <p:cNvPr id="461" name="Text Box 189"/>
+              <p:cNvSpPr txBox="1">
+                <a:spLocks noRot="1" noChangeAspect="1" noMove="1" noResize="1" noEditPoints="1" noAdjustHandles="1" noChangeArrowheads="1" noChangeShapeType="1" noTextEdit="1"/>
+              </p:cNvSpPr>
+              <p:nvPr/>
+            </p:nvSpPr>
+            <p:spPr bwMode="auto">
+              <a:xfrm>
+                <a:off x="22783800" y="16916399"/>
+                <a:ext cx="8994036" cy="6821424"/>
+              </a:xfrm>
+              <a:prstGeom prst="rect">
+                <a:avLst/>
+              </a:prstGeom>
+              <a:blipFill rotWithShape="1">
+                <a:blip r:embed="rId11"/>
+                <a:stretch>
+                  <a:fillRect l="-1286" r="-1083"/>
+                </a:stretch>
+              </a:blipFill>
+              <a:ln w="12700">
                 <a:solidFill>
-                  <a:schemeClr val="tx1"/>
+                  <a:schemeClr val="accent1">
+                    <a:lumMod val="75000"/>
+                  </a:schemeClr>
                 </a:solidFill>
-                <a:latin typeface="Arial" charset="0"/>
-              </a:defRPr>
-            </a:lvl2pPr>
-            <a:lvl3pPr marL="1143000" indent="-228600" eaLnBrk="0" hangingPunct="0">
-              <a:defRPr sz="2200">
-                <a:solidFill>
-                  <a:schemeClr val="tx1"/>
-                </a:solidFill>
-                <a:latin typeface="Arial" charset="0"/>
-              </a:defRPr>
-            </a:lvl3pPr>
-            <a:lvl4pPr marL="1600200" indent="-228600" eaLnBrk="0" hangingPunct="0">
-              <a:defRPr sz="2200">
-                <a:solidFill>
-                  <a:schemeClr val="tx1"/>
-                </a:solidFill>
-                <a:latin typeface="Arial" charset="0"/>
-              </a:defRPr>
-            </a:lvl4pPr>
-            <a:lvl5pPr marL="2057400" indent="-228600" eaLnBrk="0" hangingPunct="0">
-              <a:defRPr sz="2200">
-                <a:solidFill>
-                  <a:schemeClr val="tx1"/>
-                </a:solidFill>
-                <a:latin typeface="Arial" charset="0"/>
-              </a:defRPr>
-            </a:lvl5pPr>
-            <a:lvl6pPr marL="2514600" indent="-228600" eaLnBrk="0" fontAlgn="base" hangingPunct="0">
-              <a:spcBef>
-                <a:spcPct val="0"/>
-              </a:spcBef>
-              <a:spcAft>
-                <a:spcPct val="0"/>
-              </a:spcAft>
-              <a:defRPr sz="2200">
-                <a:solidFill>
-                  <a:schemeClr val="tx1"/>
-                </a:solidFill>
-                <a:latin typeface="Arial" charset="0"/>
-              </a:defRPr>
-            </a:lvl6pPr>
-            <a:lvl7pPr marL="2971800" indent="-228600" eaLnBrk="0" fontAlgn="base" hangingPunct="0">
-              <a:spcBef>
-                <a:spcPct val="0"/>
-              </a:spcBef>
-              <a:spcAft>
-                <a:spcPct val="0"/>
-              </a:spcAft>
-              <a:defRPr sz="2200">
-                <a:solidFill>
-                  <a:schemeClr val="tx1"/>
-                </a:solidFill>
-                <a:latin typeface="Arial" charset="0"/>
-              </a:defRPr>
-            </a:lvl7pPr>
-            <a:lvl8pPr marL="3429000" indent="-228600" eaLnBrk="0" fontAlgn="base" hangingPunct="0">
-              <a:spcBef>
-                <a:spcPct val="0"/>
-              </a:spcBef>
-              <a:spcAft>
-                <a:spcPct val="0"/>
-              </a:spcAft>
-              <a:defRPr sz="2200">
-                <a:solidFill>
-                  <a:schemeClr val="tx1"/>
-                </a:solidFill>
-                <a:latin typeface="Arial" charset="0"/>
-              </a:defRPr>
-            </a:lvl8pPr>
-            <a:lvl9pPr marL="3886200" indent="-228600" eaLnBrk="0" fontAlgn="base" hangingPunct="0">
-              <a:spcBef>
-                <a:spcPct val="0"/>
-              </a:spcBef>
-              <a:spcAft>
-                <a:spcPct val="0"/>
-              </a:spcAft>
-              <a:defRPr sz="2200">
-                <a:solidFill>
-                  <a:schemeClr val="tx1"/>
-                </a:solidFill>
-                <a:latin typeface="Arial" charset="0"/>
-              </a:defRPr>
-            </a:lvl9pPr>
-          </a:lstStyle>
-          <a:p>
-            <a:pPr algn="just" eaLnBrk="1" hangingPunct="1"/>
-            <a:r>
-              <a:rPr lang="en-US" sz="3200" b="1" dirty="0">
-                <a:latin typeface="+mn-lt"/>
-                <a:cs typeface="Times New Roman" panose="02020603050405020304" pitchFamily="18" charset="0"/>
-              </a:rPr>
-              <a:t>Offline Clustering (Agglomerative clustering):</a:t>
-            </a:r>
-          </a:p>
-          <a:p>
-            <a:pPr marL="514350" indent="-514350" algn="just" eaLnBrk="1" hangingPunct="1">
-              <a:buFont typeface="+mj-lt"/>
-              <a:buAutoNum type="arabicPeriod"/>
-            </a:pPr>
-            <a:r>
-              <a:rPr lang="en-US" sz="3200" dirty="0">
-                <a:latin typeface="+mn-lt"/>
-                <a:cs typeface="Times New Roman" panose="02020603050405020304" pitchFamily="18" charset="0"/>
-              </a:rPr>
-              <a:t>The cluster initialization</a:t>
-            </a:r>
-          </a:p>
-          <a:p>
-            <a:pPr marL="514350" indent="-514350" algn="just" eaLnBrk="1" hangingPunct="1">
-              <a:buFont typeface="+mj-lt"/>
-              <a:buAutoNum type="arabicPeriod"/>
-            </a:pPr>
-            <a:r>
-              <a:rPr lang="en-US" sz="3200" dirty="0">
-                <a:latin typeface="+mn-lt"/>
-                <a:cs typeface="Times New Roman" panose="02020603050405020304" pitchFamily="18" charset="0"/>
-              </a:rPr>
-              <a:t>Cluster  </a:t>
-            </a:r>
-          </a:p>
-          <a:p>
-            <a:pPr algn="just" eaLnBrk="1" hangingPunct="1"/>
-            <a:endParaRPr lang="en-US" sz="3200" b="1" dirty="0">
-              <a:latin typeface="+mn-lt"/>
-              <a:cs typeface="Times New Roman" panose="02020603050405020304" pitchFamily="18" charset="0"/>
-            </a:endParaRPr>
-          </a:p>
-          <a:p>
-            <a:pPr algn="just" eaLnBrk="1" hangingPunct="1"/>
-            <a:endParaRPr lang="en-US" sz="3200" b="1" dirty="0">
-              <a:latin typeface="+mn-lt"/>
-              <a:cs typeface="Times New Roman" panose="02020603050405020304" pitchFamily="18" charset="0"/>
-            </a:endParaRPr>
-          </a:p>
-          <a:p>
-            <a:pPr algn="just" eaLnBrk="1" hangingPunct="1"/>
-            <a:endParaRPr lang="en-US" sz="3200" b="1" dirty="0">
-              <a:latin typeface="+mn-lt"/>
-              <a:cs typeface="Times New Roman" panose="02020603050405020304" pitchFamily="18" charset="0"/>
-            </a:endParaRPr>
-          </a:p>
-          <a:p>
-            <a:pPr algn="just" eaLnBrk="1" hangingPunct="1"/>
-            <a:endParaRPr lang="en-US" sz="3200" b="1" dirty="0">
-              <a:latin typeface="+mn-lt"/>
-              <a:cs typeface="Times New Roman" panose="02020603050405020304" pitchFamily="18" charset="0"/>
-            </a:endParaRPr>
-          </a:p>
-          <a:p>
-            <a:pPr algn="just" eaLnBrk="1" hangingPunct="1"/>
-            <a:r>
-              <a:rPr lang="en-US" sz="3200" b="1" dirty="0">
-                <a:latin typeface="+mn-lt"/>
-                <a:cs typeface="Times New Roman" panose="02020603050405020304" pitchFamily="18" charset="0"/>
-              </a:rPr>
-              <a:t>Online Clustering:</a:t>
-            </a:r>
-          </a:p>
-          <a:p>
-            <a:pPr algn="just" eaLnBrk="1" hangingPunct="1"/>
-            <a:endParaRPr lang="en-US" sz="2800" dirty="0">
-              <a:latin typeface="+mn-lt"/>
-              <a:cs typeface="Times New Roman" panose="02020603050405020304" pitchFamily="18" charset="0"/>
-            </a:endParaRPr>
-          </a:p>
-          <a:p>
-            <a:pPr algn="just" eaLnBrk="1" hangingPunct="1"/>
-            <a:endParaRPr lang="en-US" sz="2800" dirty="0">
-              <a:latin typeface="+mn-lt"/>
-              <a:cs typeface="Times New Roman" panose="02020603050405020304" pitchFamily="18" charset="0"/>
-            </a:endParaRPr>
-          </a:p>
-          <a:p>
-            <a:pPr algn="just" eaLnBrk="1" hangingPunct="1"/>
-            <a:endParaRPr lang="en-US" sz="2800" dirty="0">
-              <a:latin typeface="+mn-lt"/>
-            </a:endParaRPr>
-          </a:p>
-        </p:txBody>
-      </p:sp>
+              </a:ln>
+              <a:effectLst/>
+            </p:spPr>
+            <p:txBody>
+              <a:bodyPr/>
+              <a:lstStyle/>
+              <a:p>
+                <a:r>
+                  <a:rPr lang="en-US">
+                    <a:noFill/>
+                  </a:rPr>
+                  <a:t> </a:t>
+                </a:r>
+              </a:p>
+            </p:txBody>
+          </p:sp>
+        </mc:Fallback>
+      </mc:AlternateContent>
       <p:sp>
         <p:nvSpPr>
           <p:cNvPr id="7" name="Down Arrow 6"/>
@@ -11555,10 +11917,10 @@
         </p:nvGrpSpPr>
         <p:grpSpPr>
           <a:xfrm>
-            <a:off x="1220276" y="26533065"/>
-            <a:ext cx="9767763" cy="5640956"/>
+            <a:off x="1220276" y="26441400"/>
+            <a:ext cx="9767763" cy="5148514"/>
             <a:chOff x="11507868" y="14730712"/>
-            <a:chExt cx="9692640" cy="5640956"/>
+            <a:chExt cx="9692640" cy="5148514"/>
           </a:xfrm>
         </p:grpSpPr>
         <p:sp>
@@ -11572,7 +11934,7 @@
           <p:spPr bwMode="auto">
             <a:xfrm>
               <a:off x="11507868" y="15416512"/>
-              <a:ext cx="9692640" cy="4955156"/>
+              <a:ext cx="9692640" cy="4462714"/>
             </a:xfrm>
             <a:prstGeom prst="rect">
               <a:avLst/>
@@ -11697,8 +12059,17 @@
                 <a:rPr lang="en-US" sz="3400" dirty="0">
                   <a:latin typeface="Calibri" pitchFamily="34" charset="0"/>
                 </a:rPr>
-                <a:t>In this project, we seek to develop a speaker recognizer system that </a:t>
+                <a:t>In this project, we seek to develop a speaker recognizer system </a:t>
               </a:r>
+              <a:r>
+                <a:rPr lang="en-US" sz="3400" dirty="0" smtClean="0">
+                  <a:latin typeface="Calibri" pitchFamily="34" charset="0"/>
+                </a:rPr>
+                <a:t>that:</a:t>
+              </a:r>
+              <a:endParaRPr lang="en-US" sz="3400" dirty="0">
+                <a:latin typeface="Calibri" pitchFamily="34" charset="0"/>
+              </a:endParaRPr>
             </a:p>
             <a:p>
               <a:pPr marL="457200" indent="-457200" eaLnBrk="1" hangingPunct="1">
@@ -11733,15 +12104,15 @@
                 <a:rPr lang="en-US" sz="3400" dirty="0">
                   <a:latin typeface="Calibri" pitchFamily="34" charset="0"/>
                 </a:rPr>
-                <a:t>Be able to generate outputs as the input is analyzed and correct the earlier output when necessary</a:t>
+                <a:t>Be able to generate outputs as the input is analyzed and correct the earlier output when </a:t>
               </a:r>
-            </a:p>
-            <a:p>
-              <a:pPr marL="457200" indent="-457200" eaLnBrk="1" hangingPunct="1">
-                <a:buFont typeface="Arial" panose="020B0604020202020204" pitchFamily="34" charset="0"/>
-                <a:buChar char="•"/>
-              </a:pPr>
-              <a:endParaRPr lang="en-US" sz="3200" dirty="0">
+              <a:r>
+                <a:rPr lang="en-US" sz="3400" dirty="0" smtClean="0">
+                  <a:latin typeface="Calibri" pitchFamily="34" charset="0"/>
+                </a:rPr>
+                <a:t>necessary</a:t>
+              </a:r>
+              <a:endParaRPr lang="en-US" sz="3400" dirty="0">
                 <a:latin typeface="Calibri" pitchFamily="34" charset="0"/>
               </a:endParaRPr>
             </a:p>
@@ -11801,8 +12172,8 @@
           </p:txBody>
         </p:sp>
       </p:grpSp>
-      <mc:AlternateContent xmlns:mc="http://schemas.openxmlformats.org/markup-compatibility/2006" xmlns:a14="http://schemas.microsoft.com/office/drawing/2010/main">
-        <mc:Choice Requires="a14">
+      <mc:AlternateContent xmlns:mc="http://schemas.openxmlformats.org/markup-compatibility/2006">
+        <mc:Choice xmlns:a14="http://schemas.microsoft.com/office/drawing/2010/main" Requires="a14">
           <p:sp>
             <p:nvSpPr>
               <p:cNvPr id="397" name="TextBox 396"/>
@@ -11811,8 +12182,8 @@
             </p:nvSpPr>
             <p:spPr>
               <a:xfrm>
-                <a:off x="30099000" y="11976012"/>
-                <a:ext cx="1374037" cy="3416320"/>
+                <a:off x="30099000" y="11506200"/>
+                <a:ext cx="1374037" cy="3046988"/>
               </a:xfrm>
               <a:prstGeom prst="rect">
                 <a:avLst/>
@@ -11831,7 +12202,7 @@
                       <m:sSubPr>
                         <m:ctrlPr>
                           <a:rPr lang="en-US" altLang="zh-CN" sz="2400" i="1" smtClean="0">
-                            <a:latin typeface="Cambria Math" panose="02040503050406030204" pitchFamily="18" charset="0"/>
+                            <a:latin typeface="Cambria Math"/>
                           </a:rPr>
                         </m:ctrlPr>
                       </m:sSubPr>
@@ -11856,7 +12227,11 @@
                 </a14:m>
                 <a:r>
                   <a:rPr lang="en-US" altLang="zh-CN" sz="2400" dirty="0"/>
-                  <a:t> = 1 indicates the </a:t>
+                  <a:t> = </a:t>
+                </a:r>
+                <a:r>
+                  <a:rPr lang="en-US" altLang="zh-CN" sz="2400" dirty="0" smtClean="0"/>
+                  <a:t>1: the </a:t>
                 </a:r>
                 <a:r>
                   <a:rPr lang="en-US" altLang="zh-CN" sz="2400" dirty="0" err="1"/>
@@ -11870,7 +12245,7 @@
             </p:txBody>
           </p:sp>
         </mc:Choice>
-        <mc:Fallback xmlns="">
+        <mc:Fallback>
           <p:sp>
             <p:nvSpPr>
               <p:cNvPr id="397" name="TextBox 396"/>
@@ -11881,16 +12256,16 @@
             </p:nvSpPr>
             <p:spPr>
               <a:xfrm>
-                <a:off x="30099000" y="11976012"/>
-                <a:ext cx="1374037" cy="3416320"/>
+                <a:off x="30099000" y="11506200"/>
+                <a:ext cx="1374037" cy="3046988"/>
               </a:xfrm>
               <a:prstGeom prst="rect">
                 <a:avLst/>
               </a:prstGeom>
               <a:blipFill rotWithShape="1">
-                <a:blip r:embed="rId10"/>
+                <a:blip r:embed="rId12"/>
                 <a:stretch>
-                  <a:fillRect l="-7111" t="-1429" r="-8889" b="-3214"/>
+                  <a:fillRect l="-7111" t="-1603" r="-8889" b="-3607"/>
                 </a:stretch>
               </a:blipFill>
             </p:spPr>
@@ -11914,7 +12289,7 @@
           <p:cNvPr id="236" name="TextBox 176">
             <a:extLst>
               <a:ext uri="{FF2B5EF4-FFF2-40B4-BE49-F238E27FC236}">
-                <a16:creationId xmlns:a16="http://schemas.microsoft.com/office/drawing/2014/main" id="{610A6A02-0536-4AED-903C-DD71066D4321}"/>
+                <a16:creationId xmlns:a16="http://schemas.microsoft.com/office/drawing/2014/main" xmlns="" id="{610A6A02-0536-4AED-903C-DD71066D4321}"/>
               </a:ext>
             </a:extLst>
           </p:cNvPr>
@@ -11949,7 +12324,7 @@
           <p:cNvPr id="80" name="矩形 79">
             <a:extLst>
               <a:ext uri="{FF2B5EF4-FFF2-40B4-BE49-F238E27FC236}">
-                <a16:creationId xmlns:a16="http://schemas.microsoft.com/office/drawing/2014/main" id="{E6CE755C-3B3C-4DF2-930E-79A8CD711C9C}"/>
+                <a16:creationId xmlns:a16="http://schemas.microsoft.com/office/drawing/2014/main" xmlns="" id="{E6CE755C-3B3C-4DF2-930E-79A8CD711C9C}"/>
               </a:ext>
             </a:extLst>
           </p:cNvPr>
@@ -12001,7 +12376,7 @@
           <p:cNvPr id="239" name="矩形 238">
             <a:extLst>
               <a:ext uri="{FF2B5EF4-FFF2-40B4-BE49-F238E27FC236}">
-                <a16:creationId xmlns:a16="http://schemas.microsoft.com/office/drawing/2014/main" id="{48838A10-B069-462D-8D0F-A35717B94537}"/>
+                <a16:creationId xmlns:a16="http://schemas.microsoft.com/office/drawing/2014/main" xmlns="" id="{48838A10-B069-462D-8D0F-A35717B94537}"/>
               </a:ext>
             </a:extLst>
           </p:cNvPr>
@@ -12048,6 +12423,552 @@
           </a:p>
         </p:txBody>
       </p:sp>
+      <p:grpSp>
+        <p:nvGrpSpPr>
+          <p:cNvPr id="221" name="Group 220"/>
+          <p:cNvGrpSpPr/>
+          <p:nvPr/>
+        </p:nvGrpSpPr>
+        <p:grpSpPr>
+          <a:xfrm>
+            <a:off x="21736198" y="24079200"/>
+            <a:ext cx="10039201" cy="5593080"/>
+            <a:chOff x="11507868" y="14730712"/>
+            <a:chExt cx="9692640" cy="5593080"/>
+          </a:xfrm>
+        </p:grpSpPr>
+        <p:sp>
+          <p:nvSpPr>
+            <p:cNvPr id="222" name="Text Box 194"/>
+            <p:cNvSpPr txBox="1">
+              <a:spLocks noChangeArrowheads="1"/>
+            </p:cNvSpPr>
+            <p:nvPr/>
+          </p:nvSpPr>
+          <p:spPr bwMode="auto">
+            <a:xfrm>
+              <a:off x="11507868" y="15340312"/>
+              <a:ext cx="9692640" cy="4983480"/>
+            </a:xfrm>
+            <a:prstGeom prst="rect">
+              <a:avLst/>
+            </a:prstGeom>
+            <a:solidFill>
+              <a:schemeClr val="bg1"/>
+            </a:solidFill>
+            <a:ln w="12700">
+              <a:solidFill>
+                <a:schemeClr val="accent1">
+                  <a:lumMod val="75000"/>
+                </a:schemeClr>
+              </a:solidFill>
+            </a:ln>
+            <a:effectLst/>
+          </p:spPr>
+          <p:txBody>
+            <a:bodyPr lIns="137137" tIns="137137" rIns="137137" bIns="137137">
+              <a:spAutoFit/>
+            </a:bodyPr>
+            <a:lstStyle>
+              <a:lvl1pPr eaLnBrk="0" hangingPunct="0">
+                <a:defRPr sz="2200">
+                  <a:solidFill>
+                    <a:schemeClr val="tx1"/>
+                  </a:solidFill>
+                  <a:latin typeface="Arial" charset="0"/>
+                </a:defRPr>
+              </a:lvl1pPr>
+              <a:lvl2pPr marL="742950" indent="-285750" eaLnBrk="0" hangingPunct="0">
+                <a:defRPr sz="2200">
+                  <a:solidFill>
+                    <a:schemeClr val="tx1"/>
+                  </a:solidFill>
+                  <a:latin typeface="Arial" charset="0"/>
+                </a:defRPr>
+              </a:lvl2pPr>
+              <a:lvl3pPr marL="1143000" indent="-228600" eaLnBrk="0" hangingPunct="0">
+                <a:defRPr sz="2200">
+                  <a:solidFill>
+                    <a:schemeClr val="tx1"/>
+                  </a:solidFill>
+                  <a:latin typeface="Arial" charset="0"/>
+                </a:defRPr>
+              </a:lvl3pPr>
+              <a:lvl4pPr marL="1600200" indent="-228600" eaLnBrk="0" hangingPunct="0">
+                <a:defRPr sz="2200">
+                  <a:solidFill>
+                    <a:schemeClr val="tx1"/>
+                  </a:solidFill>
+                  <a:latin typeface="Arial" charset="0"/>
+                </a:defRPr>
+              </a:lvl4pPr>
+              <a:lvl5pPr marL="2057400" indent="-228600" eaLnBrk="0" hangingPunct="0">
+                <a:defRPr sz="2200">
+                  <a:solidFill>
+                    <a:schemeClr val="tx1"/>
+                  </a:solidFill>
+                  <a:latin typeface="Arial" charset="0"/>
+                </a:defRPr>
+              </a:lvl5pPr>
+              <a:lvl6pPr marL="2514600" indent="-228600" eaLnBrk="0" fontAlgn="base" hangingPunct="0">
+                <a:spcBef>
+                  <a:spcPct val="0"/>
+                </a:spcBef>
+                <a:spcAft>
+                  <a:spcPct val="0"/>
+                </a:spcAft>
+                <a:defRPr sz="2200">
+                  <a:solidFill>
+                    <a:schemeClr val="tx1"/>
+                  </a:solidFill>
+                  <a:latin typeface="Arial" charset="0"/>
+                </a:defRPr>
+              </a:lvl6pPr>
+              <a:lvl7pPr marL="2971800" indent="-228600" eaLnBrk="0" fontAlgn="base" hangingPunct="0">
+                <a:spcBef>
+                  <a:spcPct val="0"/>
+                </a:spcBef>
+                <a:spcAft>
+                  <a:spcPct val="0"/>
+                </a:spcAft>
+                <a:defRPr sz="2200">
+                  <a:solidFill>
+                    <a:schemeClr val="tx1"/>
+                  </a:solidFill>
+                  <a:latin typeface="Arial" charset="0"/>
+                </a:defRPr>
+              </a:lvl7pPr>
+              <a:lvl8pPr marL="3429000" indent="-228600" eaLnBrk="0" fontAlgn="base" hangingPunct="0">
+                <a:spcBef>
+                  <a:spcPct val="0"/>
+                </a:spcBef>
+                <a:spcAft>
+                  <a:spcPct val="0"/>
+                </a:spcAft>
+                <a:defRPr sz="2200">
+                  <a:solidFill>
+                    <a:schemeClr val="tx1"/>
+                  </a:solidFill>
+                  <a:latin typeface="Arial" charset="0"/>
+                </a:defRPr>
+              </a:lvl8pPr>
+              <a:lvl9pPr marL="3886200" indent="-228600" eaLnBrk="0" fontAlgn="base" hangingPunct="0">
+                <a:spcBef>
+                  <a:spcPct val="0"/>
+                </a:spcBef>
+                <a:spcAft>
+                  <a:spcPct val="0"/>
+                </a:spcAft>
+                <a:defRPr sz="2200">
+                  <a:solidFill>
+                    <a:schemeClr val="tx1"/>
+                  </a:solidFill>
+                  <a:latin typeface="Arial" charset="0"/>
+                </a:defRPr>
+              </a:lvl9pPr>
+            </a:lstStyle>
+            <a:p>
+              <a:pPr eaLnBrk="1" hangingPunct="1"/>
+              <a:r>
+                <a:rPr lang="en-US" sz="3400" dirty="0" smtClean="0">
+                  <a:latin typeface="Calibri" pitchFamily="34" charset="0"/>
+                </a:rPr>
+                <a:t>Experiment on: </a:t>
+              </a:r>
+              <a:r>
+                <a:rPr lang="en-US" sz="3400" dirty="0">
+                  <a:latin typeface="Calibri" pitchFamily="34" charset="0"/>
+                </a:rPr>
+                <a:t> Intel Core i5-4200U 2.30 GHz </a:t>
+              </a:r>
+              <a:r>
+                <a:rPr lang="en-US" sz="3400" dirty="0" smtClean="0">
+                  <a:latin typeface="Calibri" pitchFamily="34" charset="0"/>
+                </a:rPr>
+                <a:t>CPU With 8 GB RAM </a:t>
+              </a:r>
+            </a:p>
+            <a:p>
+              <a:pPr marL="457200" indent="-457200" eaLnBrk="1" hangingPunct="1">
+                <a:buFont typeface="Arial" panose="020B0604020202020204" pitchFamily="34" charset="0"/>
+                <a:buChar char="•"/>
+              </a:pPr>
+              <a:r>
+                <a:rPr lang="en-US" sz="3400" dirty="0" smtClean="0">
+                  <a:latin typeface="Calibri" pitchFamily="34" charset="0"/>
+                </a:rPr>
+                <a:t>Whole offline system: 0.03 – 0.05 </a:t>
+              </a:r>
+              <a:r>
+                <a:rPr lang="en-US" sz="3400" dirty="0" err="1" smtClean="0">
+                  <a:latin typeface="Calibri" pitchFamily="34" charset="0"/>
+                </a:rPr>
+                <a:t>xRT</a:t>
+              </a:r>
+              <a:r>
+                <a:rPr lang="en-US" sz="3400" dirty="0" smtClean="0">
+                  <a:latin typeface="Calibri" pitchFamily="34" charset="0"/>
+                </a:rPr>
+                <a:t> for recorded audio ranging from 20s to 5mins. </a:t>
+              </a:r>
+            </a:p>
+            <a:p>
+              <a:pPr marL="457200" indent="-457200" eaLnBrk="1" hangingPunct="1">
+                <a:buFont typeface="Arial" panose="020B0604020202020204" pitchFamily="34" charset="0"/>
+                <a:buChar char="•"/>
+              </a:pPr>
+              <a:r>
+                <a:rPr lang="en-US" sz="3400" dirty="0" smtClean="0">
+                  <a:latin typeface="Calibri" pitchFamily="34" charset="0"/>
+                </a:rPr>
+                <a:t>KBM Training: 0.02 – 0.03 </a:t>
+              </a:r>
+              <a:r>
+                <a:rPr lang="en-US" sz="3400" dirty="0" err="1" smtClean="0">
+                  <a:latin typeface="Calibri" pitchFamily="34" charset="0"/>
+                </a:rPr>
+                <a:t>xRT</a:t>
+              </a:r>
+              <a:r>
+                <a:rPr lang="en-US" sz="3400" dirty="0" smtClean="0">
+                  <a:latin typeface="Calibri" pitchFamily="34" charset="0"/>
+                </a:rPr>
+                <a:t>, the most time-consuming  part in they system.</a:t>
+              </a:r>
+            </a:p>
+            <a:p>
+              <a:pPr marL="457200" indent="-457200" eaLnBrk="1" hangingPunct="1">
+                <a:buFont typeface="Arial" panose="020B0604020202020204" pitchFamily="34" charset="0"/>
+                <a:buChar char="•"/>
+              </a:pPr>
+              <a:r>
+                <a:rPr lang="en-US" sz="3400" dirty="0" smtClean="0">
+                  <a:latin typeface="Calibri" pitchFamily="34" charset="0"/>
+                </a:rPr>
+                <a:t>AHC Clustering is fast (0.005 </a:t>
+              </a:r>
+              <a:r>
+                <a:rPr lang="en-US" sz="3400" dirty="0" err="1" smtClean="0">
+                  <a:latin typeface="Calibri" pitchFamily="34" charset="0"/>
+                </a:rPr>
+                <a:t>xRT</a:t>
+              </a:r>
+              <a:r>
+                <a:rPr lang="en-US" sz="3400" dirty="0" smtClean="0">
+                  <a:latin typeface="Calibri" pitchFamily="34" charset="0"/>
+                </a:rPr>
+                <a:t>), so can be performed more frequently in Real-time version. </a:t>
+              </a:r>
+            </a:p>
+          </p:txBody>
+        </p:sp>
+        <p:sp>
+          <p:nvSpPr>
+            <p:cNvPr id="223" name="Rectangle 222"/>
+            <p:cNvSpPr/>
+            <p:nvPr/>
+          </p:nvSpPr>
+          <p:spPr>
+            <a:xfrm>
+              <a:off x="11507868" y="14730712"/>
+              <a:ext cx="9692640" cy="603504"/>
+            </a:xfrm>
+            <a:prstGeom prst="rect">
+              <a:avLst/>
+            </a:prstGeom>
+            <a:solidFill>
+              <a:schemeClr val="accent1">
+                <a:lumMod val="75000"/>
+              </a:schemeClr>
+            </a:solidFill>
+            <a:ln w="12700"/>
+          </p:spPr>
+          <p:style>
+            <a:lnRef idx="2">
+              <a:schemeClr val="accent1">
+                <a:shade val="50000"/>
+              </a:schemeClr>
+            </a:lnRef>
+            <a:fillRef idx="1">
+              <a:schemeClr val="accent1"/>
+            </a:fillRef>
+            <a:effectRef idx="0">
+              <a:schemeClr val="accent1"/>
+            </a:effectRef>
+            <a:fontRef idx="minor">
+              <a:schemeClr val="lt1"/>
+            </a:fontRef>
+          </p:style>
+          <p:txBody>
+            <a:bodyPr lIns="68568" tIns="34284" rIns="68568" bIns="34284" rtlCol="0" anchor="ctr"/>
+            <a:lstStyle/>
+            <a:p>
+              <a:pPr algn="ctr"/>
+              <a:r>
+                <a:rPr lang="en-US" sz="4400" b="1" dirty="0" smtClean="0">
+                  <a:solidFill>
+                    <a:schemeClr val="bg1"/>
+                  </a:solidFill>
+                </a:rPr>
+                <a:t>Experiment Results</a:t>
+              </a:r>
+              <a:endParaRPr lang="en-US" sz="4400" b="1" dirty="0">
+                <a:solidFill>
+                  <a:schemeClr val="bg1"/>
+                </a:solidFill>
+              </a:endParaRPr>
+            </a:p>
+          </p:txBody>
+        </p:sp>
+      </p:grpSp>
+      <p:grpSp>
+        <p:nvGrpSpPr>
+          <p:cNvPr id="119" name="Group 118"/>
+          <p:cNvGrpSpPr/>
+          <p:nvPr/>
+        </p:nvGrpSpPr>
+        <p:grpSpPr>
+          <a:xfrm>
+            <a:off x="11567160" y="29946600"/>
+            <a:ext cx="20208240" cy="2532413"/>
+            <a:chOff x="11507868" y="14730712"/>
+            <a:chExt cx="9692640" cy="2532413"/>
+          </a:xfrm>
+        </p:grpSpPr>
+        <p:sp>
+          <p:nvSpPr>
+            <p:cNvPr id="15" name="Text Box 194"/>
+            <p:cNvSpPr txBox="1">
+              <a:spLocks noChangeArrowheads="1"/>
+            </p:cNvSpPr>
+            <p:nvPr/>
+          </p:nvSpPr>
+          <p:spPr bwMode="auto">
+            <a:xfrm>
+              <a:off x="11507868" y="15416512"/>
+              <a:ext cx="9692640" cy="1846613"/>
+            </a:xfrm>
+            <a:prstGeom prst="rect">
+              <a:avLst/>
+            </a:prstGeom>
+            <a:solidFill>
+              <a:schemeClr val="bg1"/>
+            </a:solidFill>
+            <a:ln w="12700">
+              <a:solidFill>
+                <a:schemeClr val="accent1">
+                  <a:lumMod val="75000"/>
+                </a:schemeClr>
+              </a:solidFill>
+            </a:ln>
+            <a:effectLst/>
+          </p:spPr>
+          <p:txBody>
+            <a:bodyPr lIns="137137" tIns="137137" rIns="137137" bIns="137137">
+              <a:spAutoFit/>
+            </a:bodyPr>
+            <a:lstStyle>
+              <a:lvl1pPr eaLnBrk="0" hangingPunct="0">
+                <a:defRPr sz="2200">
+                  <a:solidFill>
+                    <a:schemeClr val="tx1"/>
+                  </a:solidFill>
+                  <a:latin typeface="Arial" charset="0"/>
+                </a:defRPr>
+              </a:lvl1pPr>
+              <a:lvl2pPr marL="742950" indent="-285750" eaLnBrk="0" hangingPunct="0">
+                <a:defRPr sz="2200">
+                  <a:solidFill>
+                    <a:schemeClr val="tx1"/>
+                  </a:solidFill>
+                  <a:latin typeface="Arial" charset="0"/>
+                </a:defRPr>
+              </a:lvl2pPr>
+              <a:lvl3pPr marL="1143000" indent="-228600" eaLnBrk="0" hangingPunct="0">
+                <a:defRPr sz="2200">
+                  <a:solidFill>
+                    <a:schemeClr val="tx1"/>
+                  </a:solidFill>
+                  <a:latin typeface="Arial" charset="0"/>
+                </a:defRPr>
+              </a:lvl3pPr>
+              <a:lvl4pPr marL="1600200" indent="-228600" eaLnBrk="0" hangingPunct="0">
+                <a:defRPr sz="2200">
+                  <a:solidFill>
+                    <a:schemeClr val="tx1"/>
+                  </a:solidFill>
+                  <a:latin typeface="Arial" charset="0"/>
+                </a:defRPr>
+              </a:lvl4pPr>
+              <a:lvl5pPr marL="2057400" indent="-228600" eaLnBrk="0" hangingPunct="0">
+                <a:defRPr sz="2200">
+                  <a:solidFill>
+                    <a:schemeClr val="tx1"/>
+                  </a:solidFill>
+                  <a:latin typeface="Arial" charset="0"/>
+                </a:defRPr>
+              </a:lvl5pPr>
+              <a:lvl6pPr marL="2514600" indent="-228600" eaLnBrk="0" fontAlgn="base" hangingPunct="0">
+                <a:spcBef>
+                  <a:spcPct val="0"/>
+                </a:spcBef>
+                <a:spcAft>
+                  <a:spcPct val="0"/>
+                </a:spcAft>
+                <a:defRPr sz="2200">
+                  <a:solidFill>
+                    <a:schemeClr val="tx1"/>
+                  </a:solidFill>
+                  <a:latin typeface="Arial" charset="0"/>
+                </a:defRPr>
+              </a:lvl6pPr>
+              <a:lvl7pPr marL="2971800" indent="-228600" eaLnBrk="0" fontAlgn="base" hangingPunct="0">
+                <a:spcBef>
+                  <a:spcPct val="0"/>
+                </a:spcBef>
+                <a:spcAft>
+                  <a:spcPct val="0"/>
+                </a:spcAft>
+                <a:defRPr sz="2200">
+                  <a:solidFill>
+                    <a:schemeClr val="tx1"/>
+                  </a:solidFill>
+                  <a:latin typeface="Arial" charset="0"/>
+                </a:defRPr>
+              </a:lvl7pPr>
+              <a:lvl8pPr marL="3429000" indent="-228600" eaLnBrk="0" fontAlgn="base" hangingPunct="0">
+                <a:spcBef>
+                  <a:spcPct val="0"/>
+                </a:spcBef>
+                <a:spcAft>
+                  <a:spcPct val="0"/>
+                </a:spcAft>
+                <a:defRPr sz="2200">
+                  <a:solidFill>
+                    <a:schemeClr val="tx1"/>
+                  </a:solidFill>
+                  <a:latin typeface="Arial" charset="0"/>
+                </a:defRPr>
+              </a:lvl8pPr>
+              <a:lvl9pPr marL="3886200" indent="-228600" eaLnBrk="0" fontAlgn="base" hangingPunct="0">
+                <a:spcBef>
+                  <a:spcPct val="0"/>
+                </a:spcBef>
+                <a:spcAft>
+                  <a:spcPct val="0"/>
+                </a:spcAft>
+                <a:defRPr sz="2200">
+                  <a:solidFill>
+                    <a:schemeClr val="tx1"/>
+                  </a:solidFill>
+                  <a:latin typeface="Arial" charset="0"/>
+                </a:defRPr>
+              </a:lvl9pPr>
+            </a:lstStyle>
+            <a:p>
+              <a:pPr marL="457200" indent="-457200" eaLnBrk="1" hangingPunct="1">
+                <a:buFont typeface="Arial" panose="020B0604020202020204" pitchFamily="34" charset="0"/>
+                <a:buChar char="•"/>
+              </a:pPr>
+              <a:r>
+                <a:rPr lang="en-US" sz="3400" dirty="0">
+                  <a:latin typeface="Calibri" pitchFamily="34" charset="0"/>
+                </a:rPr>
+                <a:t>The frequency to run KBM training and offline clustering need to be </a:t>
+              </a:r>
+              <a:r>
+                <a:rPr lang="en-US" sz="3400" dirty="0" smtClean="0">
+                  <a:latin typeface="Calibri" pitchFamily="34" charset="0"/>
+                </a:rPr>
+                <a:t>further determined</a:t>
+              </a:r>
+              <a:endParaRPr lang="en-US" sz="3400" dirty="0" smtClean="0">
+                <a:latin typeface="Calibri" pitchFamily="34" charset="0"/>
+              </a:endParaRPr>
+            </a:p>
+            <a:p>
+              <a:pPr marL="457200" indent="-457200" eaLnBrk="1" hangingPunct="1">
+                <a:buFont typeface="Arial" panose="020B0604020202020204" pitchFamily="34" charset="0"/>
+                <a:buChar char="•"/>
+              </a:pPr>
+              <a:r>
+                <a:rPr lang="en-US" sz="3400" dirty="0" smtClean="0">
+                  <a:latin typeface="Calibri" pitchFamily="34" charset="0"/>
+                </a:rPr>
+                <a:t>The relationship between of frequency to run KBM training  and the accuracy need to be further analyzed</a:t>
+              </a:r>
+            </a:p>
+            <a:p>
+              <a:pPr marL="457200" indent="-457200" eaLnBrk="1" hangingPunct="1">
+                <a:buFont typeface="Arial" panose="020B0604020202020204" pitchFamily="34" charset="0"/>
+                <a:buChar char="•"/>
+              </a:pPr>
+              <a:r>
+                <a:rPr lang="en-US" sz="3400" dirty="0" smtClean="0">
+                  <a:latin typeface="Calibri" pitchFamily="34" charset="0"/>
+                </a:rPr>
+                <a:t>The system need to be further improved in terms of speed and audio processing for real-time streaming data</a:t>
+              </a:r>
+              <a:endParaRPr lang="en-US" sz="3400" dirty="0">
+                <a:latin typeface="Calibri" pitchFamily="34" charset="0"/>
+              </a:endParaRPr>
+            </a:p>
+          </p:txBody>
+        </p:sp>
+        <p:sp>
+          <p:nvSpPr>
+            <p:cNvPr id="45" name="Rectangle 44"/>
+            <p:cNvSpPr/>
+            <p:nvPr/>
+          </p:nvSpPr>
+          <p:spPr>
+            <a:xfrm>
+              <a:off x="11507868" y="14730712"/>
+              <a:ext cx="9692640" cy="685800"/>
+            </a:xfrm>
+            <a:prstGeom prst="rect">
+              <a:avLst/>
+            </a:prstGeom>
+            <a:solidFill>
+              <a:schemeClr val="accent1">
+                <a:lumMod val="75000"/>
+              </a:schemeClr>
+            </a:solidFill>
+            <a:ln w="12700"/>
+          </p:spPr>
+          <p:style>
+            <a:lnRef idx="2">
+              <a:schemeClr val="accent1">
+                <a:shade val="50000"/>
+              </a:schemeClr>
+            </a:lnRef>
+            <a:fillRef idx="1">
+              <a:schemeClr val="accent1"/>
+            </a:fillRef>
+            <a:effectRef idx="0">
+              <a:schemeClr val="accent1"/>
+            </a:effectRef>
+            <a:fontRef idx="minor">
+              <a:schemeClr val="lt1"/>
+            </a:fontRef>
+          </p:style>
+          <p:txBody>
+            <a:bodyPr lIns="68568" tIns="34284" rIns="68568" bIns="34284" rtlCol="0" anchor="ctr"/>
+            <a:lstStyle/>
+            <a:p>
+              <a:pPr algn="ctr"/>
+              <a:r>
+                <a:rPr lang="en-US" sz="4400" b="1" dirty="0">
+                  <a:solidFill>
+                    <a:schemeClr val="bg1"/>
+                  </a:solidFill>
+                </a:rPr>
+                <a:t>Future Work</a:t>
+              </a:r>
+            </a:p>
+          </p:txBody>
+        </p:sp>
+      </p:grpSp>
     </p:spTree>
     <p:extLst>
       <p:ext uri="{BB962C8B-B14F-4D97-AF65-F5344CB8AC3E}">

--- a/3035349015.pptx
+++ b/3035349015.pptx
@@ -4,6 +4,9 @@
   <p:sldMasterIdLst>
     <p:sldMasterId id="2147483648" r:id="rId1"/>
   </p:sldMasterIdLst>
+  <p:notesMasterIdLst>
+    <p:notesMasterId r:id="rId7"/>
+  </p:notesMasterIdLst>
   <p:sldIdLst>
     <p:sldId id="256" r:id="rId2"/>
     <p:sldId id="257" r:id="rId3"/>
@@ -110,7 +113,7 @@
   </p:defaultTextStyle>
   <p:extLst>
     <p:ext uri="{EFAFB233-063F-42B5-8137-9DF3F51BA10A}">
-      <p15:sldGuideLst xmlns:p15="http://schemas.microsoft.com/office/powerpoint/2012/main" xmlns="">
+      <p15:sldGuideLst xmlns:p15="http://schemas.microsoft.com/office/powerpoint/2012/main">
         <p15:guide id="1" orient="horz" pos="10368">
           <p15:clr>
             <a:srgbClr val="A4A3A4"/>
@@ -129,10 +132,441 @@
 
 <file path=ppt/commentAuthors.xml><?xml version="1.0" encoding="utf-8"?>
 <p:cmAuthorLst xmlns:a="http://schemas.openxmlformats.org/drawingml/2006/main" xmlns:r="http://schemas.openxmlformats.org/officeDocument/2006/relationships" xmlns:p="http://schemas.openxmlformats.org/presentationml/2006/main">
-  <p:cmAuthor id="1" name="henrypan" initials="h" lastIdx="1" clrIdx="0">
-    <p:extLst/>
-  </p:cmAuthor>
+  <p:cmAuthor id="1" name="henrypan" initials="h" lastIdx="1" clrIdx="0"/>
 </p:cmAuthorLst>
+</file>
+
+<file path=ppt/notesMasters/notesMaster1.xml><?xml version="1.0" encoding="utf-8"?>
+<p:notesMaster xmlns:a="http://schemas.openxmlformats.org/drawingml/2006/main" xmlns:r="http://schemas.openxmlformats.org/officeDocument/2006/relationships" xmlns:p="http://schemas.openxmlformats.org/presentationml/2006/main">
+  <p:cSld>
+    <p:bg>
+      <p:bgRef idx="1001">
+        <a:schemeClr val="bg1"/>
+      </p:bgRef>
+    </p:bg>
+    <p:spTree>
+      <p:nvGrpSpPr>
+        <p:cNvPr id="1" name=""/>
+        <p:cNvGrpSpPr/>
+        <p:nvPr/>
+      </p:nvGrpSpPr>
+      <p:grpSpPr>
+        <a:xfrm>
+          <a:off x="0" y="0"/>
+          <a:ext cx="0" cy="0"/>
+          <a:chOff x="0" y="0"/>
+          <a:chExt cx="0" cy="0"/>
+        </a:xfrm>
+      </p:grpSpPr>
+      <p:sp>
+        <p:nvSpPr>
+          <p:cNvPr id="2" name="页眉占位符 1"/>
+          <p:cNvSpPr>
+            <a:spLocks noGrp="1"/>
+          </p:cNvSpPr>
+          <p:nvPr>
+            <p:ph type="hdr" sz="quarter"/>
+          </p:nvPr>
+        </p:nvSpPr>
+        <p:spPr>
+          <a:xfrm>
+            <a:off x="0" y="0"/>
+            <a:ext cx="3035300" cy="465138"/>
+          </a:xfrm>
+          <a:prstGeom prst="rect">
+            <a:avLst/>
+          </a:prstGeom>
+        </p:spPr>
+        <p:txBody>
+          <a:bodyPr vert="horz" lIns="91440" tIns="45720" rIns="91440" bIns="45720" rtlCol="0"/>
+          <a:lstStyle>
+            <a:lvl1pPr algn="l">
+              <a:defRPr sz="1200"/>
+            </a:lvl1pPr>
+          </a:lstStyle>
+          <a:p>
+            <a:endParaRPr lang="zh-CN" altLang="en-US"/>
+          </a:p>
+        </p:txBody>
+      </p:sp>
+      <p:sp>
+        <p:nvSpPr>
+          <p:cNvPr id="3" name="日期占位符 2"/>
+          <p:cNvSpPr>
+            <a:spLocks noGrp="1"/>
+          </p:cNvSpPr>
+          <p:nvPr>
+            <p:ph type="dt" idx="1"/>
+          </p:nvPr>
+        </p:nvSpPr>
+        <p:spPr>
+          <a:xfrm>
+            <a:off x="3967163" y="0"/>
+            <a:ext cx="3035300" cy="465138"/>
+          </a:xfrm>
+          <a:prstGeom prst="rect">
+            <a:avLst/>
+          </a:prstGeom>
+        </p:spPr>
+        <p:txBody>
+          <a:bodyPr vert="horz" lIns="91440" tIns="45720" rIns="91440" bIns="45720" rtlCol="0"/>
+          <a:lstStyle>
+            <a:lvl1pPr algn="r">
+              <a:defRPr sz="1200"/>
+            </a:lvl1pPr>
+          </a:lstStyle>
+          <a:p>
+            <a:fld id="{3944750A-0C69-4D36-85BA-E1C80EEABB2D}" type="datetimeFigureOut">
+              <a:rPr lang="zh-CN" altLang="en-US" smtClean="0"/>
+              <a:t>2019/6/27</a:t>
+            </a:fld>
+            <a:endParaRPr lang="zh-CN" altLang="en-US"/>
+          </a:p>
+        </p:txBody>
+      </p:sp>
+      <p:sp>
+        <p:nvSpPr>
+          <p:cNvPr id="4" name="幻灯片图像占位符 3"/>
+          <p:cNvSpPr>
+            <a:spLocks noGrp="1" noRot="1" noChangeAspect="1"/>
+          </p:cNvSpPr>
+          <p:nvPr>
+            <p:ph type="sldImg" idx="2"/>
+          </p:nvPr>
+        </p:nvSpPr>
+        <p:spPr>
+          <a:xfrm>
+            <a:off x="1933575" y="1162050"/>
+            <a:ext cx="3136900" cy="3135313"/>
+          </a:xfrm>
+          <a:prstGeom prst="rect">
+            <a:avLst/>
+          </a:prstGeom>
+          <a:noFill/>
+          <a:ln w="12700">
+            <a:solidFill>
+              <a:prstClr val="black"/>
+            </a:solidFill>
+          </a:ln>
+        </p:spPr>
+        <p:txBody>
+          <a:bodyPr vert="horz" lIns="91440" tIns="45720" rIns="91440" bIns="45720" rtlCol="0" anchor="ctr"/>
+          <a:lstStyle/>
+          <a:p>
+            <a:endParaRPr lang="zh-CN" altLang="en-US"/>
+          </a:p>
+        </p:txBody>
+      </p:sp>
+      <p:sp>
+        <p:nvSpPr>
+          <p:cNvPr id="5" name="备注占位符 4"/>
+          <p:cNvSpPr>
+            <a:spLocks noGrp="1"/>
+          </p:cNvSpPr>
+          <p:nvPr>
+            <p:ph type="body" sz="quarter" idx="3"/>
+          </p:nvPr>
+        </p:nvSpPr>
+        <p:spPr>
+          <a:xfrm>
+            <a:off x="700088" y="4470400"/>
+            <a:ext cx="5603875" cy="3659188"/>
+          </a:xfrm>
+          <a:prstGeom prst="rect">
+            <a:avLst/>
+          </a:prstGeom>
+        </p:spPr>
+        <p:txBody>
+          <a:bodyPr vert="horz" lIns="91440" tIns="45720" rIns="91440" bIns="45720" rtlCol="0"/>
+          <a:lstStyle/>
+          <a:p>
+            <a:pPr lvl="0"/>
+            <a:r>
+              <a:rPr lang="zh-CN" altLang="en-US"/>
+              <a:t>单击此处编辑母版文本样式</a:t>
+            </a:r>
+          </a:p>
+          <a:p>
+            <a:pPr lvl="1"/>
+            <a:r>
+              <a:rPr lang="zh-CN" altLang="en-US"/>
+              <a:t>二级</a:t>
+            </a:r>
+          </a:p>
+          <a:p>
+            <a:pPr lvl="2"/>
+            <a:r>
+              <a:rPr lang="zh-CN" altLang="en-US"/>
+              <a:t>三级</a:t>
+            </a:r>
+          </a:p>
+          <a:p>
+            <a:pPr lvl="3"/>
+            <a:r>
+              <a:rPr lang="zh-CN" altLang="en-US"/>
+              <a:t>四级</a:t>
+            </a:r>
+          </a:p>
+          <a:p>
+            <a:pPr lvl="4"/>
+            <a:r>
+              <a:rPr lang="zh-CN" altLang="en-US"/>
+              <a:t>五级</a:t>
+            </a:r>
+          </a:p>
+        </p:txBody>
+      </p:sp>
+      <p:sp>
+        <p:nvSpPr>
+          <p:cNvPr id="6" name="页脚占位符 5"/>
+          <p:cNvSpPr>
+            <a:spLocks noGrp="1"/>
+          </p:cNvSpPr>
+          <p:nvPr>
+            <p:ph type="ftr" sz="quarter" idx="4"/>
+          </p:nvPr>
+        </p:nvSpPr>
+        <p:spPr>
+          <a:xfrm>
+            <a:off x="0" y="8824913"/>
+            <a:ext cx="3035300" cy="465137"/>
+          </a:xfrm>
+          <a:prstGeom prst="rect">
+            <a:avLst/>
+          </a:prstGeom>
+        </p:spPr>
+        <p:txBody>
+          <a:bodyPr vert="horz" lIns="91440" tIns="45720" rIns="91440" bIns="45720" rtlCol="0" anchor="b"/>
+          <a:lstStyle>
+            <a:lvl1pPr algn="l">
+              <a:defRPr sz="1200"/>
+            </a:lvl1pPr>
+          </a:lstStyle>
+          <a:p>
+            <a:endParaRPr lang="zh-CN" altLang="en-US"/>
+          </a:p>
+        </p:txBody>
+      </p:sp>
+      <p:sp>
+        <p:nvSpPr>
+          <p:cNvPr id="7" name="灯片编号占位符 6"/>
+          <p:cNvSpPr>
+            <a:spLocks noGrp="1"/>
+          </p:cNvSpPr>
+          <p:nvPr>
+            <p:ph type="sldNum" sz="quarter" idx="5"/>
+          </p:nvPr>
+        </p:nvSpPr>
+        <p:spPr>
+          <a:xfrm>
+            <a:off x="3967163" y="8824913"/>
+            <a:ext cx="3035300" cy="465137"/>
+          </a:xfrm>
+          <a:prstGeom prst="rect">
+            <a:avLst/>
+          </a:prstGeom>
+        </p:spPr>
+        <p:txBody>
+          <a:bodyPr vert="horz" lIns="91440" tIns="45720" rIns="91440" bIns="45720" rtlCol="0" anchor="b"/>
+          <a:lstStyle>
+            <a:lvl1pPr algn="r">
+              <a:defRPr sz="1200"/>
+            </a:lvl1pPr>
+          </a:lstStyle>
+          <a:p>
+            <a:fld id="{1765A6B0-00DC-47B0-B6DE-E1CC7F1269D2}" type="slidenum">
+              <a:rPr lang="zh-CN" altLang="en-US" smtClean="0"/>
+              <a:t>‹#›</a:t>
+            </a:fld>
+            <a:endParaRPr lang="zh-CN" altLang="en-US"/>
+          </a:p>
+        </p:txBody>
+      </p:sp>
+    </p:spTree>
+    <p:extLst>
+      <p:ext uri="{BB962C8B-B14F-4D97-AF65-F5344CB8AC3E}">
+        <p14:creationId xmlns:p14="http://schemas.microsoft.com/office/powerpoint/2010/main" val="2076072214"/>
+      </p:ext>
+    </p:extLst>
+  </p:cSld>
+  <p:clrMap bg1="lt1" tx1="dk1" bg2="lt2" tx2="dk2" accent1="accent1" accent2="accent2" accent3="accent3" accent4="accent4" accent5="accent5" accent6="accent6" hlink="hlink" folHlink="folHlink"/>
+  <p:notesStyle>
+    <a:lvl1pPr marL="0" algn="l" defTabSz="914400" rtl="0" eaLnBrk="1" latinLnBrk="0" hangingPunct="1">
+      <a:defRPr sz="1200" kern="1200">
+        <a:solidFill>
+          <a:schemeClr val="tx1"/>
+        </a:solidFill>
+        <a:latin typeface="+mn-lt"/>
+        <a:ea typeface="+mn-ea"/>
+        <a:cs typeface="+mn-cs"/>
+      </a:defRPr>
+    </a:lvl1pPr>
+    <a:lvl2pPr marL="457200" algn="l" defTabSz="914400" rtl="0" eaLnBrk="1" latinLnBrk="0" hangingPunct="1">
+      <a:defRPr sz="1200" kern="1200">
+        <a:solidFill>
+          <a:schemeClr val="tx1"/>
+        </a:solidFill>
+        <a:latin typeface="+mn-lt"/>
+        <a:ea typeface="+mn-ea"/>
+        <a:cs typeface="+mn-cs"/>
+      </a:defRPr>
+    </a:lvl2pPr>
+    <a:lvl3pPr marL="914400" algn="l" defTabSz="914400" rtl="0" eaLnBrk="1" latinLnBrk="0" hangingPunct="1">
+      <a:defRPr sz="1200" kern="1200">
+        <a:solidFill>
+          <a:schemeClr val="tx1"/>
+        </a:solidFill>
+        <a:latin typeface="+mn-lt"/>
+        <a:ea typeface="+mn-ea"/>
+        <a:cs typeface="+mn-cs"/>
+      </a:defRPr>
+    </a:lvl3pPr>
+    <a:lvl4pPr marL="1371600" algn="l" defTabSz="914400" rtl="0" eaLnBrk="1" latinLnBrk="0" hangingPunct="1">
+      <a:defRPr sz="1200" kern="1200">
+        <a:solidFill>
+          <a:schemeClr val="tx1"/>
+        </a:solidFill>
+        <a:latin typeface="+mn-lt"/>
+        <a:ea typeface="+mn-ea"/>
+        <a:cs typeface="+mn-cs"/>
+      </a:defRPr>
+    </a:lvl4pPr>
+    <a:lvl5pPr marL="1828800" algn="l" defTabSz="914400" rtl="0" eaLnBrk="1" latinLnBrk="0" hangingPunct="1">
+      <a:defRPr sz="1200" kern="1200">
+        <a:solidFill>
+          <a:schemeClr val="tx1"/>
+        </a:solidFill>
+        <a:latin typeface="+mn-lt"/>
+        <a:ea typeface="+mn-ea"/>
+        <a:cs typeface="+mn-cs"/>
+      </a:defRPr>
+    </a:lvl5pPr>
+    <a:lvl6pPr marL="2286000" algn="l" defTabSz="914400" rtl="0" eaLnBrk="1" latinLnBrk="0" hangingPunct="1">
+      <a:defRPr sz="1200" kern="1200">
+        <a:solidFill>
+          <a:schemeClr val="tx1"/>
+        </a:solidFill>
+        <a:latin typeface="+mn-lt"/>
+        <a:ea typeface="+mn-ea"/>
+        <a:cs typeface="+mn-cs"/>
+      </a:defRPr>
+    </a:lvl6pPr>
+    <a:lvl7pPr marL="2743200" algn="l" defTabSz="914400" rtl="0" eaLnBrk="1" latinLnBrk="0" hangingPunct="1">
+      <a:defRPr sz="1200" kern="1200">
+        <a:solidFill>
+          <a:schemeClr val="tx1"/>
+        </a:solidFill>
+        <a:latin typeface="+mn-lt"/>
+        <a:ea typeface="+mn-ea"/>
+        <a:cs typeface="+mn-cs"/>
+      </a:defRPr>
+    </a:lvl7pPr>
+    <a:lvl8pPr marL="3200400" algn="l" defTabSz="914400" rtl="0" eaLnBrk="1" latinLnBrk="0" hangingPunct="1">
+      <a:defRPr sz="1200" kern="1200">
+        <a:solidFill>
+          <a:schemeClr val="tx1"/>
+        </a:solidFill>
+        <a:latin typeface="+mn-lt"/>
+        <a:ea typeface="+mn-ea"/>
+        <a:cs typeface="+mn-cs"/>
+      </a:defRPr>
+    </a:lvl8pPr>
+    <a:lvl9pPr marL="3657600" algn="l" defTabSz="914400" rtl="0" eaLnBrk="1" latinLnBrk="0" hangingPunct="1">
+      <a:defRPr sz="1200" kern="1200">
+        <a:solidFill>
+          <a:schemeClr val="tx1"/>
+        </a:solidFill>
+        <a:latin typeface="+mn-lt"/>
+        <a:ea typeface="+mn-ea"/>
+        <a:cs typeface="+mn-cs"/>
+      </a:defRPr>
+    </a:lvl9pPr>
+  </p:notesStyle>
+</p:notesMaster>
+</file>
+
+<file path=ppt/notesSlides/notesSlide1.xml><?xml version="1.0" encoding="utf-8"?>
+<p:notes xmlns:a="http://schemas.openxmlformats.org/drawingml/2006/main" xmlns:r="http://schemas.openxmlformats.org/officeDocument/2006/relationships" xmlns:p="http://schemas.openxmlformats.org/presentationml/2006/main">
+  <p:cSld>
+    <p:spTree>
+      <p:nvGrpSpPr>
+        <p:cNvPr id="1" name=""/>
+        <p:cNvGrpSpPr/>
+        <p:nvPr/>
+      </p:nvGrpSpPr>
+      <p:grpSpPr>
+        <a:xfrm>
+          <a:off x="0" y="0"/>
+          <a:ext cx="0" cy="0"/>
+          <a:chOff x="0" y="0"/>
+          <a:chExt cx="0" cy="0"/>
+        </a:xfrm>
+      </p:grpSpPr>
+      <p:sp>
+        <p:nvSpPr>
+          <p:cNvPr id="2" name="幻灯片图像占位符 1"/>
+          <p:cNvSpPr>
+            <a:spLocks noGrp="1" noRot="1" noChangeAspect="1"/>
+          </p:cNvSpPr>
+          <p:nvPr>
+            <p:ph type="sldImg"/>
+          </p:nvPr>
+        </p:nvSpPr>
+        <p:spPr/>
+      </p:sp>
+      <p:sp>
+        <p:nvSpPr>
+          <p:cNvPr id="3" name="备注占位符 2"/>
+          <p:cNvSpPr>
+            <a:spLocks noGrp="1"/>
+          </p:cNvSpPr>
+          <p:nvPr>
+            <p:ph type="body" idx="1"/>
+          </p:nvPr>
+        </p:nvSpPr>
+        <p:spPr/>
+        <p:txBody>
+          <a:bodyPr/>
+          <a:lstStyle/>
+          <a:p>
+            <a:endParaRPr lang="zh-CN" altLang="en-US" dirty="0"/>
+          </a:p>
+        </p:txBody>
+      </p:sp>
+      <p:sp>
+        <p:nvSpPr>
+          <p:cNvPr id="4" name="灯片编号占位符 3"/>
+          <p:cNvSpPr>
+            <a:spLocks noGrp="1"/>
+          </p:cNvSpPr>
+          <p:nvPr>
+            <p:ph type="sldNum" sz="quarter" idx="5"/>
+          </p:nvPr>
+        </p:nvSpPr>
+        <p:spPr/>
+        <p:txBody>
+          <a:bodyPr/>
+          <a:lstStyle/>
+          <a:p>
+            <a:fld id="{1765A6B0-00DC-47B0-B6DE-E1CC7F1269D2}" type="slidenum">
+              <a:rPr lang="zh-CN" altLang="en-US" smtClean="0"/>
+              <a:t>1</a:t>
+            </a:fld>
+            <a:endParaRPr lang="zh-CN" altLang="en-US"/>
+          </a:p>
+        </p:txBody>
+      </p:sp>
+    </p:spTree>
+    <p:extLst>
+      <p:ext uri="{BB962C8B-B14F-4D97-AF65-F5344CB8AC3E}">
+        <p14:creationId xmlns:p14="http://schemas.microsoft.com/office/powerpoint/2010/main" val="1949225252"/>
+      </p:ext>
+    </p:extLst>
+  </p:cSld>
+  <p:clrMapOvr>
+    <a:masterClrMapping/>
+  </p:clrMapOvr>
+</p:notes>
 </file>
 
 <file path=ppt/slideLayouts/slideLayout1.xml><?xml version="1.0" encoding="utf-8"?>
@@ -770,16 +1204,6 @@
                 <a:spcPts val="1800"/>
               </a:spcAft>
             </a:pPr>
-            <a:r>
-              <a:rPr lang="en-US" sz="3600" dirty="0">
-                <a:solidFill>
-                  <a:srgbClr val="7F7F7F"/>
-                </a:solidFill>
-                <a:latin typeface="Calibri" pitchFamily="34" charset="0"/>
-                <a:cs typeface="Calibri" panose="020F0502020204030204" pitchFamily="34" charset="0"/>
-              </a:rPr>
-              <a:t/>
-            </a:r>
             <a:br>
               <a:rPr lang="en-US" sz="3600" dirty="0">
                 <a:solidFill>
@@ -1479,18 +1903,6 @@
                   <a:spcPts val="0"/>
                 </a:spcAft>
               </a:pPr>
-              <a:r>
-                <a:rPr lang="en-US" sz="3600" dirty="0">
-                  <a:solidFill>
-                    <a:schemeClr val="bg1">
-                      <a:lumMod val="50000"/>
-                    </a:schemeClr>
-                  </a:solidFill>
-                  <a:latin typeface="Calibri" pitchFamily="34" charset="0"/>
-                  <a:cs typeface="Calibri" panose="020F0502020204030204" pitchFamily="34" charset="0"/>
-                </a:rPr>
-                <a:t/>
-              </a:r>
               <a:br>
                 <a:rPr lang="en-US" sz="3600" dirty="0">
                   <a:solidFill>
@@ -2285,8 +2697,8 @@
         </p:nvSpPr>
         <p:spPr bwMode="auto">
           <a:xfrm>
-            <a:off x="11567160" y="5481122"/>
-            <a:ext cx="20208240" cy="18288000"/>
+            <a:off x="11582400" y="5257800"/>
+            <a:ext cx="20208240" cy="17766792"/>
           </a:xfrm>
           <a:prstGeom prst="rect">
             <a:avLst/>
@@ -2456,8 +2868,8 @@
         </p:nvSpPr>
         <p:spPr bwMode="auto">
           <a:xfrm>
-            <a:off x="627096" y="136288"/>
-            <a:ext cx="21945600" cy="2477484"/>
+            <a:off x="627096" y="120899"/>
+            <a:ext cx="21945600" cy="2508262"/>
           </a:xfrm>
           <a:prstGeom prst="rect">
             <a:avLst/>
@@ -2622,7 +3034,7 @@
                 </a:solidFill>
                 <a:latin typeface="+mn-lt"/>
               </a:rPr>
-              <a:t>  </a:t>
+              <a:t>    </a:t>
             </a:r>
             <a:r>
               <a:rPr lang="en-US" sz="4000" b="1" dirty="0">
@@ -2646,7 +3058,7 @@
         </p:nvSpPr>
         <p:spPr bwMode="auto">
           <a:xfrm>
-            <a:off x="627096" y="2249028"/>
+            <a:off x="627096" y="2400300"/>
             <a:ext cx="21945600" cy="1714500"/>
           </a:xfrm>
           <a:prstGeom prst="rect">
@@ -2789,40 +3201,13 @@
           <a:p>
             <a:pPr eaLnBrk="1" hangingPunct="1"/>
             <a:r>
-              <a:rPr lang="en-US" sz="4000" dirty="0" err="1">
-                <a:solidFill>
-                  <a:schemeClr val="bg1"/>
-                </a:solidFill>
-                <a:latin typeface="+mn-lt"/>
-              </a:rPr>
-              <a:t>Hao</a:t>
-            </a:r>
-            <a:r>
               <a:rPr lang="en-US" sz="4000" dirty="0">
                 <a:solidFill>
                   <a:schemeClr val="bg1"/>
                 </a:solidFill>
                 <a:latin typeface="+mn-lt"/>
               </a:rPr>
-              <a:t> Pan    </a:t>
-            </a:r>
-            <a:r>
-              <a:rPr lang="en-US" sz="4000" dirty="0" smtClean="0">
-                <a:solidFill>
-                  <a:schemeClr val="bg1"/>
-                </a:solidFill>
-                <a:latin typeface="+mn-lt"/>
-              </a:rPr>
-              <a:t> Supervisor</a:t>
-            </a:r>
-            <a:r>
-              <a:rPr lang="en-US" sz="4000" dirty="0">
-                <a:solidFill>
-                  <a:schemeClr val="bg1"/>
-                </a:solidFill>
-                <a:latin typeface="+mn-lt"/>
-              </a:rPr>
-              <a:t>: Dr. Beta C.L. Yip</a:t>
+              <a:t>Author: Hao Pan     Supervisor: Dr. Beta C.L. Yip</a:t>
             </a:r>
             <a:endParaRPr lang="en-US" sz="4000" baseline="30000" dirty="0">
               <a:solidFill>
@@ -2917,7 +3302,7 @@
           <a:p>
             <a:pPr algn="ctr"/>
             <a:r>
-              <a:rPr lang="en-US" sz="4400" b="1" dirty="0">
+              <a:rPr lang="en-US" sz="4600" b="1" dirty="0">
                 <a:solidFill>
                   <a:schemeClr val="bg1"/>
                 </a:solidFill>
@@ -2970,7 +3355,7 @@
           <a:p>
             <a:pPr algn="ctr"/>
             <a:r>
-              <a:rPr lang="en-US" sz="4400" b="1" dirty="0">
+              <a:rPr lang="en-US" sz="4600" b="1" dirty="0">
                 <a:solidFill>
                   <a:schemeClr val="bg1"/>
                 </a:solidFill>
@@ -2988,10 +3373,10 @@
         </p:nvGrpSpPr>
         <p:grpSpPr>
           <a:xfrm>
-            <a:off x="11506200" y="24079200"/>
-            <a:ext cx="9692640" cy="5591610"/>
+            <a:off x="11506200" y="23622000"/>
+            <a:ext cx="9692640" cy="5591609"/>
             <a:chOff x="21840588" y="14730712"/>
-            <a:chExt cx="9692640" cy="6331299"/>
+            <a:chExt cx="9692640" cy="6331298"/>
           </a:xfrm>
         </p:grpSpPr>
         <p:sp>
@@ -3005,7 +3390,7 @@
           <p:spPr bwMode="auto">
             <a:xfrm>
               <a:off x="21840588" y="15416511"/>
-              <a:ext cx="9692640" cy="5645500"/>
+              <a:ext cx="9692640" cy="5645499"/>
             </a:xfrm>
             <a:prstGeom prst="rect">
               <a:avLst/>
@@ -3023,7 +3408,7 @@
             <a:effectLst/>
           </p:spPr>
           <p:txBody>
-            <a:bodyPr lIns="137137" tIns="137137" rIns="137137" bIns="137137">
+            <a:bodyPr wrap="square" lIns="137137" tIns="137137" rIns="137137" bIns="137137">
               <a:spAutoFit/>
             </a:bodyPr>
             <a:lstStyle>
@@ -3170,17 +3555,8 @@
                 <a:rPr lang="en-US" sz="3400" dirty="0">
                   <a:latin typeface="Calibri" pitchFamily="34" charset="0"/>
                 </a:rPr>
-                <a:t>: Performed in offline </a:t>
+                <a:t>: Performed in offline manner. Use another thread to do the training and update the KBM; Need 10-15s data as buffer to get KBM.</a:t>
               </a:r>
-              <a:r>
-                <a:rPr lang="en-US" sz="3400" dirty="0" smtClean="0">
-                  <a:latin typeface="Calibri" pitchFamily="34" charset="0"/>
-                </a:rPr>
-                <a:t>manner. Use another thread to do the training and update the KBM; Need 10-15s data as buffer to get KBM.</a:t>
-              </a:r>
-              <a:endParaRPr lang="en-US" sz="3400" dirty="0">
-                <a:latin typeface="Calibri" pitchFamily="34" charset="0"/>
-              </a:endParaRPr>
             </a:p>
             <a:p>
               <a:pPr marL="514350" indent="-514350" eaLnBrk="1" hangingPunct="1">
@@ -3196,29 +3572,8 @@
                 <a:rPr lang="en-US" sz="3400" dirty="0">
                   <a:latin typeface="Calibri" pitchFamily="34" charset="0"/>
                 </a:rPr>
-                <a:t>: fast and naive online clustering first for new data, </a:t>
+                <a:t>: fast and naive online clustering first for new data, offline clustering will be used to update the previous result when it complete</a:t>
               </a:r>
-              <a:r>
-                <a:rPr lang="en-US" sz="3400" dirty="0" smtClean="0">
-                  <a:latin typeface="Calibri" pitchFamily="34" charset="0"/>
-                </a:rPr>
-                <a:t>offline </a:t>
-              </a:r>
-              <a:r>
-                <a:rPr lang="en-US" sz="3400" dirty="0">
-                  <a:latin typeface="Calibri" pitchFamily="34" charset="0"/>
-                </a:rPr>
-                <a:t>clustering will be used to update the previous result when it </a:t>
-              </a:r>
-              <a:r>
-                <a:rPr lang="en-US" sz="3400" dirty="0" smtClean="0">
-                  <a:latin typeface="Calibri" pitchFamily="34" charset="0"/>
-                </a:rPr>
-                <a:t>complete</a:t>
-              </a:r>
-              <a:endParaRPr lang="en-US" sz="3400" dirty="0">
-                <a:latin typeface="Calibri" pitchFamily="34" charset="0"/>
-              </a:endParaRPr>
             </a:p>
           </p:txBody>
         </p:sp>
@@ -3265,7 +3620,7 @@
             <a:p>
               <a:pPr algn="ctr"/>
               <a:r>
-                <a:rPr lang="en-US" sz="4400" b="1" dirty="0">
+                <a:rPr lang="en-US" sz="4600" b="1" dirty="0">
                   <a:solidFill>
                     <a:schemeClr val="bg1"/>
                   </a:solidFill>
@@ -3502,7 +3857,13 @@
               <a:rPr lang="en-US" sz="3400" dirty="0">
                 <a:latin typeface="+mn-lt"/>
               </a:rPr>
-              <a:t>Speaker identities and number of speakers are unknown</a:t>
+              <a:t>Speaker identities and number of speakers are </a:t>
+            </a:r>
+            <a:r>
+              <a:rPr lang="en-US" sz="3400" b="1" dirty="0">
+                <a:latin typeface="+mn-lt"/>
+              </a:rPr>
+              <a:t>unknown</a:t>
             </a:r>
           </a:p>
           <a:p>
@@ -3691,19 +4052,7 @@
               <a:rPr lang="en-US" altLang="zh-CN" sz="3400" dirty="0">
                 <a:latin typeface="+mj-lt"/>
               </a:rPr>
-              <a:t>Require Intensive </a:t>
-            </a:r>
-            <a:r>
-              <a:rPr lang="en-US" altLang="zh-CN" sz="3400" dirty="0" smtClean="0">
-                <a:latin typeface="+mj-lt"/>
-              </a:rPr>
-              <a:t>computation &amp; </a:t>
-            </a:r>
-            <a:r>
-              <a:rPr lang="en-US" altLang="zh-CN" sz="3400" dirty="0">
-                <a:latin typeface="+mj-lt"/>
-              </a:rPr>
-              <a:t>long processing time</a:t>
+              <a:t>Require Intensive computation &amp; long processing time</a:t>
             </a:r>
           </a:p>
           <a:p>
@@ -3727,7 +4076,7 @@
               <a:rPr lang="en-US" altLang="zh-CN" sz="3400" dirty="0">
                 <a:latin typeface="+mj-lt"/>
               </a:rPr>
-              <a:t>Lack of real-time application</a:t>
+              <a:t>Lack of real-time system</a:t>
             </a:r>
           </a:p>
           <a:p>
@@ -3753,7 +4102,7 @@
           <p:nvPr/>
         </p:nvPicPr>
         <p:blipFill>
-          <a:blip r:embed="rId2">
+          <a:blip r:embed="rId3">
             <a:extLst>
               <a:ext uri="{28A0092B-C50C-407E-A947-70E740481C1C}">
                 <a14:useLocalDpi xmlns:a14="http://schemas.microsoft.com/office/drawing/2010/main" val="0"/>
@@ -4060,7 +4409,7 @@
             <p:nvPr/>
           </p:nvPicPr>
           <p:blipFill>
-            <a:blip r:embed="rId2">
+            <a:blip r:embed="rId3">
               <a:extLst>
                 <a:ext uri="{28A0092B-C50C-407E-A947-70E740481C1C}">
                   <a14:useLocalDpi xmlns:a14="http://schemas.microsoft.com/office/drawing/2010/main" val="0"/>
@@ -4091,7 +4440,7 @@
           <p:nvPr/>
         </p:nvPicPr>
         <p:blipFill>
-          <a:blip r:embed="rId3">
+          <a:blip r:embed="rId4">
             <a:extLst>
               <a:ext uri="{28A0092B-C50C-407E-A947-70E740481C1C}">
                 <a14:useLocalDpi xmlns:a14="http://schemas.microsoft.com/office/drawing/2010/main" val="0"/>
@@ -4104,7 +4453,7 @@
         </p:blipFill>
         <p:spPr>
           <a:xfrm>
-            <a:off x="25361804" y="1136904"/>
+            <a:off x="25361804" y="747552"/>
             <a:ext cx="6870796" cy="2224248"/>
           </a:xfrm>
           <a:prstGeom prst="rect">
@@ -4153,10 +4502,10 @@
         </p:nvGrpSpPr>
         <p:grpSpPr>
           <a:xfrm>
-            <a:off x="18281930" y="5638800"/>
-            <a:ext cx="13252163" cy="3997028"/>
-            <a:chOff x="18381719" y="6209120"/>
-            <a:chExt cx="13252163" cy="3997028"/>
+            <a:off x="18465640" y="5606997"/>
+            <a:ext cx="13306589" cy="3997028"/>
+            <a:chOff x="18327293" y="6209120"/>
+            <a:chExt cx="13306589" cy="3997028"/>
           </a:xfrm>
         </p:grpSpPr>
         <p:grpSp>
@@ -4167,10 +4516,10 @@
           </p:nvGrpSpPr>
           <p:grpSpPr>
             <a:xfrm>
-              <a:off x="18381719" y="6295962"/>
-              <a:ext cx="13252163" cy="3658356"/>
-              <a:chOff x="18446227" y="6371567"/>
-              <a:chExt cx="13252163" cy="3658356"/>
+              <a:off x="18327293" y="6295962"/>
+              <a:ext cx="13306589" cy="3658356"/>
+              <a:chOff x="18391801" y="6371567"/>
+              <a:chExt cx="13306589" cy="3658356"/>
             </a:xfrm>
           </p:grpSpPr>
           <p:grpSp>
@@ -4181,10 +4530,10 @@
             </p:nvGrpSpPr>
             <p:grpSpPr>
               <a:xfrm>
-                <a:off x="18446227" y="6471753"/>
-                <a:ext cx="6079216" cy="3150815"/>
-                <a:chOff x="18561688" y="5841895"/>
-                <a:chExt cx="6079216" cy="3150815"/>
+                <a:off x="18391801" y="6471753"/>
+                <a:ext cx="6133642" cy="3265612"/>
+                <a:chOff x="18507262" y="5841895"/>
+                <a:chExt cx="6133642" cy="3265612"/>
               </a:xfrm>
             </p:grpSpPr>
             <p:sp>
@@ -4253,10 +4602,10 @@
               </p:nvGrpSpPr>
               <p:grpSpPr>
                 <a:xfrm>
-                  <a:off x="18561688" y="5841895"/>
-                  <a:ext cx="6079216" cy="3150815"/>
-                  <a:chOff x="18561688" y="5841895"/>
-                  <a:chExt cx="6079216" cy="3150815"/>
+                  <a:off x="18507262" y="5841895"/>
+                  <a:ext cx="6133642" cy="3265612"/>
+                  <a:chOff x="18507262" y="5841895"/>
+                  <a:chExt cx="6133642" cy="3265612"/>
                 </a:xfrm>
               </p:grpSpPr>
               <p:pic>
@@ -4268,7 +4617,7 @@
                   <p:nvPr/>
                 </p:nvPicPr>
                 <p:blipFill rotWithShape="1">
-                  <a:blip r:embed="rId4">
+                  <a:blip r:embed="rId5">
                     <a:extLst>
                       <a:ext uri="{28A0092B-C50C-407E-A947-70E740481C1C}">
                         <a14:useLocalDpi xmlns:a14="http://schemas.microsoft.com/office/drawing/2010/main" val="0"/>
@@ -4695,7 +5044,7 @@
                 <p:spPr>
                   <a:xfrm>
                     <a:off x="18561688" y="5841895"/>
-                    <a:ext cx="1530070" cy="830997"/>
+                    <a:ext cx="1530070" cy="954107"/>
                   </a:xfrm>
                   <a:prstGeom prst="rect">
                     <a:avLst/>
@@ -4710,18 +5059,9 @@
                   <a:p>
                     <a:pPr algn="ctr"/>
                     <a:r>
-                      <a:rPr lang="en-US" altLang="zh-CN" sz="2400" dirty="0" smtClean="0"/>
-                      <a:t>Features </a:t>
+                      <a:rPr lang="en-US" altLang="zh-CN" sz="2800" dirty="0"/>
+                      <a:t>Features (MFCCs)</a:t>
                     </a:r>
-                    <a:r>
-                      <a:rPr lang="en-US" altLang="zh-CN" sz="2400" dirty="0"/>
-                      <a:t>(MFCCs</a:t>
-                    </a:r>
-                    <a:r>
-                      <a:rPr lang="en-US" altLang="zh-CN" sz="2400" dirty="0" smtClean="0"/>
-                      <a:t>)</a:t>
-                    </a:r>
-                    <a:endParaRPr lang="en-US" altLang="zh-CN" sz="2400" dirty="0"/>
                   </a:p>
                 </p:txBody>
               </p:sp>
@@ -4733,8 +5073,8 @@
                 </p:nvSpPr>
                 <p:spPr>
                   <a:xfrm>
-                    <a:off x="18592800" y="7010400"/>
-                    <a:ext cx="1530070" cy="830997"/>
+                    <a:off x="18507262" y="7010400"/>
+                    <a:ext cx="1724189" cy="954107"/>
                   </a:xfrm>
                   <a:prstGeom prst="rect">
                     <a:avLst/>
@@ -4749,15 +5089,15 @@
                   <a:p>
                     <a:pPr algn="ctr"/>
                     <a:r>
-                      <a:rPr lang="en-US" altLang="zh-CN" sz="2400" dirty="0"/>
+                      <a:rPr lang="en-US" altLang="zh-CN" sz="2800" dirty="0"/>
                       <a:t>Sliding</a:t>
                     </a:r>
                     <a:r>
-                      <a:rPr lang="zh-CN" altLang="en-US" sz="2400" dirty="0"/>
+                      <a:rPr lang="zh-CN" altLang="en-US" sz="2800" dirty="0"/>
                       <a:t> </a:t>
                     </a:r>
                     <a:r>
-                      <a:rPr lang="en-US" altLang="zh-CN" sz="2400" dirty="0"/>
+                      <a:rPr lang="en-US" altLang="zh-CN" sz="2800" dirty="0"/>
                       <a:t>Windows</a:t>
                     </a:r>
                   </a:p>
@@ -4771,8 +5111,8 @@
                 </p:nvSpPr>
                 <p:spPr>
                   <a:xfrm>
-                    <a:off x="18669001" y="8153400"/>
-                    <a:ext cx="1422757" cy="830997"/>
+                    <a:off x="18539157" y="8153400"/>
+                    <a:ext cx="1692294" cy="954107"/>
                   </a:xfrm>
                   <a:prstGeom prst="rect">
                     <a:avLst/>
@@ -4787,14 +5127,14 @@
                   <a:p>
                     <a:pPr algn="ctr"/>
                     <a:r>
-                      <a:rPr lang="en-US" altLang="zh-CN" sz="2400" dirty="0"/>
+                      <a:rPr lang="en-US" altLang="zh-CN" sz="2800" dirty="0"/>
                       <a:t>Gaussian</a:t>
                     </a:r>
                   </a:p>
                   <a:p>
                     <a:pPr algn="ctr"/>
                     <a:r>
-                      <a:rPr lang="en-US" altLang="zh-CN" sz="2400" dirty="0"/>
+                      <a:rPr lang="en-US" altLang="zh-CN" sz="2800" dirty="0"/>
                       <a:t>Pool</a:t>
                     </a:r>
                   </a:p>
@@ -5397,8 +5737,8 @@
                   </a:p>
                 </p:txBody>
               </p:sp>
-              <mc:AlternateContent xmlns:mc="http://schemas.openxmlformats.org/markup-compatibility/2006">
-                <mc:Choice xmlns:a14="http://schemas.microsoft.com/office/drawing/2010/main" Requires="a14">
+              <mc:AlternateContent xmlns:mc="http://schemas.openxmlformats.org/markup-compatibility/2006" xmlns:a14="http://schemas.microsoft.com/office/drawing/2010/main">
+                <mc:Choice Requires="a14">
                   <p:sp>
                     <p:nvSpPr>
                       <p:cNvPr id="180" name="Rectangle 179"/>
@@ -5437,7 +5777,7 @@
                       <a:p>
                         <a:pPr algn="ctr"/>
                         <a:r>
-                          <a:rPr lang="en-US" sz="2400" dirty="0" smtClean="0">
+                          <a:rPr lang="en-US" sz="2400" dirty="0">
                             <a:solidFill>
                               <a:schemeClr val="tx1"/>
                             </a:solidFill>
@@ -5453,7 +5793,7 @@
                                     <a:solidFill>
                                       <a:schemeClr val="tx1"/>
                                     </a:solidFill>
-                                    <a:latin typeface="Cambria Math"/>
+                                    <a:latin typeface="Cambria Math" panose="02040503050406030204" pitchFamily="18" charset="0"/>
                                   </a:rPr>
                                 </m:ctrlPr>
                               </m:sSubPr>
@@ -5491,7 +5831,7 @@
                             </m:r>
                           </m:oMath>
                         </a14:m>
-                        <a:endParaRPr lang="en-US" sz="2400" dirty="0" smtClean="0">
+                        <a:endParaRPr lang="en-US" sz="2400" dirty="0">
                           <a:solidFill>
                             <a:schemeClr val="tx1"/>
                           </a:solidFill>
@@ -5500,26 +5840,18 @@
                       <a:p>
                         <a:pPr algn="ctr"/>
                         <a:r>
-                          <a:rPr lang="en-US" sz="2400" dirty="0" smtClean="0">
-                            <a:solidFill>
-                              <a:schemeClr val="tx1"/>
-                            </a:solidFill>
-                          </a:rPr>
-                          <a:t>with </a:t>
-                        </a:r>
-                        <a:r>
                           <a:rPr lang="en-US" sz="2400" dirty="0">
                             <a:solidFill>
                               <a:schemeClr val="tx1"/>
                             </a:solidFill>
                           </a:rPr>
-                          <a:t>other Gaussians</a:t>
+                          <a:t>with other Gaussians</a:t>
                         </a:r>
                       </a:p>
                     </p:txBody>
                   </p:sp>
                 </mc:Choice>
-                <mc:Fallback>
+                <mc:Fallback xmlns="">
                   <p:sp>
                     <p:nvSpPr>
                       <p:cNvPr id="180" name="Rectangle 179"/>
@@ -5537,7 +5869,7 @@
                         <a:avLst/>
                       </a:prstGeom>
                       <a:blipFill rotWithShape="1">
-                        <a:blip r:embed="rId5"/>
+                        <a:blip r:embed="rId6"/>
                         <a:stretch>
                           <a:fillRect t="-4878" b="-11382"/>
                         </a:stretch>
@@ -5558,8 +5890,8 @@
                   </p:sp>
                 </mc:Fallback>
               </mc:AlternateContent>
-              <mc:AlternateContent xmlns:mc="http://schemas.openxmlformats.org/markup-compatibility/2006">
-                <mc:Choice xmlns:a14="http://schemas.microsoft.com/office/drawing/2010/main" Requires="a14">
+              <mc:AlternateContent xmlns:mc="http://schemas.openxmlformats.org/markup-compatibility/2006" xmlns:a14="http://schemas.microsoft.com/office/drawing/2010/main">
+                <mc:Choice Requires="a14">
                   <p:sp>
                     <p:nvSpPr>
                       <p:cNvPr id="183" name="Rectangle 182"/>
@@ -5614,7 +5946,7 @@
                                     <a:solidFill>
                                       <a:schemeClr val="tx1"/>
                                     </a:solidFill>
-                                    <a:latin typeface="Cambria Math"/>
+                                    <a:latin typeface="Cambria Math" panose="02040503050406030204" pitchFamily="18" charset="0"/>
                                   </a:rPr>
                                 </m:ctrlPr>
                               </m:sSubPr>
@@ -5661,7 +5993,7 @@
                     </p:txBody>
                   </p:sp>
                 </mc:Choice>
-                <mc:Fallback>
+                <mc:Fallback xmlns="">
                   <p:sp>
                     <p:nvSpPr>
                       <p:cNvPr id="183" name="Rectangle 182"/>
@@ -5679,7 +6011,7 @@
                         <a:avLst/>
                       </a:prstGeom>
                       <a:blipFill rotWithShape="1">
-                        <a:blip r:embed="rId6"/>
+                        <a:blip r:embed="rId7"/>
                         <a:stretch>
                           <a:fillRect l="-3416" t="-3984" r="-7143" b="-1594"/>
                         </a:stretch>
@@ -5941,14 +6273,13 @@
               <p:cNvCxnSpPr>
                 <a:cxnSpLocks/>
                 <a:stCxn id="70" idx="3"/>
-                <a:endCxn id="193" idx="1"/>
               </p:cNvCxnSpPr>
               <p:nvPr/>
             </p:nvCxnSpPr>
             <p:spPr>
-              <a:xfrm>
-                <a:off x="24498965" y="6971733"/>
-                <a:ext cx="735138" cy="92332"/>
+              <a:xfrm flipV="1">
+                <a:off x="24498965" y="6948806"/>
+                <a:ext cx="744839" cy="22927"/>
               </a:xfrm>
               <a:prstGeom prst="straightConnector1">
                 <a:avLst/>
@@ -6029,7 +6360,7 @@
           </p:nvSpPr>
           <p:spPr>
             <a:xfrm>
-              <a:off x="18443907" y="6209120"/>
+              <a:off x="18375082" y="6209120"/>
               <a:ext cx="13133969" cy="3997028"/>
             </a:xfrm>
             <a:prstGeom prst="rect">
@@ -6058,7 +6389,7 @@
             <a:lstStyle/>
             <a:p>
               <a:pPr algn="ctr"/>
-              <a:endParaRPr lang="en-US"/>
+              <a:endParaRPr lang="en-US" dirty="0"/>
             </a:p>
           </p:txBody>
         </p:sp>
@@ -6067,20 +6398,19 @@
         <p:nvCxnSpPr>
           <p:cNvPr id="234" name="Straight Arrow Connector 233"/>
           <p:cNvCxnSpPr>
-            <a:stCxn id="232" idx="3"/>
-            <a:endCxn id="174" idx="1"/>
+            <a:cxnSpLocks/>
           </p:cNvCxnSpPr>
           <p:nvPr/>
         </p:nvCxnSpPr>
         <p:spPr>
           <a:xfrm flipV="1">
-            <a:off x="20529065" y="10522055"/>
-            <a:ext cx="948739" cy="13399"/>
+            <a:off x="20427874" y="10512594"/>
+            <a:ext cx="891218" cy="16878"/>
           </a:xfrm>
           <a:prstGeom prst="straightConnector1">
             <a:avLst/>
           </a:prstGeom>
-          <a:ln>
+          <a:ln w="19050">
             <a:tailEnd type="arrow"/>
           </a:ln>
         </p:spPr>
@@ -6107,10 +6437,10 @@
         </p:nvGrpSpPr>
         <p:grpSpPr>
           <a:xfrm>
-            <a:off x="18302024" y="10058400"/>
-            <a:ext cx="13336438" cy="6391894"/>
-            <a:chOff x="18368300" y="9794616"/>
-            <a:chExt cx="13336438" cy="6391894"/>
+            <a:off x="18294822" y="10050807"/>
+            <a:ext cx="13336438" cy="6370463"/>
+            <a:chOff x="18368300" y="9816047"/>
+            <a:chExt cx="13336438" cy="6370463"/>
           </a:xfrm>
         </p:grpSpPr>
         <p:grpSp>
@@ -6121,10 +6451,10 @@
           </p:nvGrpSpPr>
           <p:grpSpPr>
             <a:xfrm>
-              <a:off x="18507694" y="9794616"/>
-              <a:ext cx="13031618" cy="6198198"/>
-              <a:chOff x="18507694" y="9794616"/>
-              <a:chExt cx="13031618" cy="6198198"/>
+              <a:off x="18507694" y="9907309"/>
+              <a:ext cx="13031618" cy="6085505"/>
+              <a:chOff x="18507694" y="9907309"/>
+              <a:chExt cx="13031618" cy="6085505"/>
             </a:xfrm>
           </p:grpSpPr>
           <p:grpSp>
@@ -6311,8 +6641,8 @@
                     </p:nvSpPr>
                     <p:spPr>
                       <a:xfrm>
-                        <a:off x="18737855" y="11771293"/>
-                        <a:ext cx="2217145" cy="1384995"/>
+                        <a:off x="18737855" y="12018979"/>
+                        <a:ext cx="2217145" cy="954107"/>
                       </a:xfrm>
                       <a:prstGeom prst="rect">
                         <a:avLst/>
@@ -6335,21 +6665,13 @@
                         </a:r>
                         <a:r>
                           <a:rPr lang="en-US" altLang="zh-CN" sz="2800" dirty="0"/>
-                          <a:t>Gaussian</a:t>
-                        </a:r>
-                        <a:r>
-                          <a:rPr lang="zh-CN" altLang="en-US" sz="2800" dirty="0"/>
-                          <a:t> </a:t>
-                        </a:r>
-                        <a:r>
-                          <a:rPr lang="en-US" altLang="zh-CN" sz="2800" dirty="0"/>
-                          <a:t>Components</a:t>
+                          <a:t>Gaussians</a:t>
                         </a:r>
                       </a:p>
                       <a:p>
                         <a:r>
                           <a:rPr lang="en-US" sz="2800" dirty="0"/>
-                          <a:t>In KBM</a:t>
+                          <a:t>in KBM</a:t>
                         </a:r>
                       </a:p>
                     </p:txBody>
@@ -6383,8 +6705,8 @@
                       </a:p>
                     </p:txBody>
                   </p:sp>
-                  <mc:AlternateContent xmlns:mc="http://schemas.openxmlformats.org/markup-compatibility/2006">
-                    <mc:Choice xmlns:a14="http://schemas.microsoft.com/office/drawing/2010/main" Requires="a14">
+                  <mc:AlternateContent xmlns:mc="http://schemas.openxmlformats.org/markup-compatibility/2006" xmlns:a14="http://schemas.microsoft.com/office/drawing/2010/main">
+                    <mc:Choice Requires="a14">
                       <p:sp>
                         <p:nvSpPr>
                           <p:cNvPr id="175" name="TextBox 174"/>
@@ -6419,14 +6741,14 @@
                                   <m:sSubPr>
                                     <m:ctrlPr>
                                       <a:rPr lang="en-US" altLang="zh-CN" sz="2800" i="1" dirty="0" smtClean="0">
-                                        <a:latin typeface="+mj-lt"/>
+                                        <a:latin typeface="Cambria Math" panose="02040503050406030204" pitchFamily="18" charset="0"/>
                                       </a:rPr>
                                     </m:ctrlPr>
                                   </m:sSubPr>
                                   <m:e>
                                     <m:r>
                                       <a:rPr lang="en-US" altLang="zh-CN" sz="2800" b="0" i="1" dirty="0" smtClean="0">
-                                        <a:latin typeface="+mj-lt"/>
+                                        <a:latin typeface="Cambria Math" panose="02040503050406030204" pitchFamily="18" charset="0"/>
                                       </a:rPr>
                                       <m:t>𝑁</m:t>
                                     </m:r>
@@ -6434,7 +6756,7 @@
                                   <m:sub>
                                     <m:r>
                                       <a:rPr lang="en-US" altLang="zh-CN" sz="2800" b="0" i="1" dirty="0" smtClean="0">
-                                        <a:latin typeface="+mj-lt"/>
+                                        <a:latin typeface="Cambria Math" panose="02040503050406030204" pitchFamily="18" charset="0"/>
                                       </a:rPr>
                                       <m:t>𝐺</m:t>
                                     </m:r>
@@ -6458,16 +6780,10 @@
                               <a:rPr lang="en-US" altLang="zh-CN" sz="2800" dirty="0">
                                 <a:latin typeface="+mj-lt"/>
                               </a:rPr>
-                              <a:t>that provide highest likelihood are </a:t>
+                              <a:t>that provide highest likelihood are chosen to have value </a:t>
                             </a:r>
                             <a:r>
-                              <a:rPr lang="en-US" altLang="zh-CN" sz="2800" dirty="0" smtClean="0">
-                                <a:latin typeface="+mj-lt"/>
-                              </a:rPr>
-                              <a:t>chosen to have value </a:t>
-                            </a:r>
-                            <a:r>
-                              <a:rPr lang="en-US" altLang="zh-CN" sz="2800" b="1" dirty="0" smtClean="0">
+                              <a:rPr lang="en-US" altLang="zh-CN" sz="2800" b="1" dirty="0">
                                 <a:latin typeface="+mj-lt"/>
                               </a:rPr>
                               <a:t>1</a:t>
@@ -6479,7 +6795,7 @@
                         </p:txBody>
                       </p:sp>
                     </mc:Choice>
-                    <mc:Fallback>
+                    <mc:Fallback xmlns="">
                       <p:sp>
                         <p:nvSpPr>
                           <p:cNvPr id="175" name="TextBox 174"/>
@@ -6497,7 +6813,7 @@
                             <a:avLst/>
                           </a:prstGeom>
                           <a:blipFill rotWithShape="1">
-                            <a:blip r:embed="rId7"/>
+                            <a:blip r:embed="rId8"/>
                             <a:stretch>
                               <a:fillRect l="-2488" t="-3965" b="-11894"/>
                             </a:stretch>
@@ -6605,7 +6921,7 @@
                             <a:p>
                               <a:pPr algn="ctr"/>
                               <a:r>
-                                <a:rPr lang="en-US" altLang="zh-CN" sz="2400" dirty="0" smtClean="0">
+                                <a:rPr lang="en-US" altLang="zh-CN" sz="2400" dirty="0">
                                   <a:solidFill>
                                     <a:schemeClr val="tx1"/>
                                   </a:solidFill>
@@ -6788,7 +7104,7 @@
                             <a:p>
                               <a:pPr algn="ctr"/>
                               <a:r>
-                                <a:rPr lang="en-US" altLang="zh-CN" sz="2400" dirty="0" smtClean="0">
+                                <a:rPr lang="en-US" altLang="zh-CN" sz="2400" dirty="0">
                                   <a:solidFill>
                                     <a:schemeClr val="tx1"/>
                                   </a:solidFill>
@@ -7097,7 +7413,7 @@
                             <a:p>
                               <a:pPr algn="ctr"/>
                               <a:r>
-                                <a:rPr lang="en-US" altLang="zh-CN" sz="2400" dirty="0" smtClean="0">
+                                <a:rPr lang="en-US" altLang="zh-CN" sz="2400" dirty="0">
                                   <a:solidFill>
                                     <a:schemeClr val="tx1"/>
                                   </a:solidFill>
@@ -7157,7 +7473,7 @@
                             <a:p>
                               <a:pPr algn="ctr"/>
                               <a:r>
-                                <a:rPr lang="en-US" altLang="zh-CN" sz="2400" dirty="0" smtClean="0">
+                                <a:rPr lang="en-US" altLang="zh-CN" sz="2400" dirty="0">
                                   <a:solidFill>
                                     <a:schemeClr val="tx1"/>
                                   </a:solidFill>
@@ -7220,7 +7536,7 @@
                             <a:p>
                               <a:pPr algn="ctr"/>
                               <a:r>
-                                <a:rPr lang="en-US" altLang="zh-CN" sz="2400" dirty="0" smtClean="0">
+                                <a:rPr lang="en-US" altLang="zh-CN" sz="2400" dirty="0">
                                   <a:solidFill>
                                     <a:schemeClr val="tx1"/>
                                   </a:solidFill>
@@ -7280,7 +7596,7 @@
                             <a:p>
                               <a:pPr algn="ctr"/>
                               <a:r>
-                                <a:rPr lang="en-US" altLang="zh-CN" sz="2400" dirty="0" smtClean="0">
+                                <a:rPr lang="en-US" altLang="zh-CN" sz="2400" dirty="0">
                                   <a:solidFill>
                                     <a:schemeClr val="tx1"/>
                                   </a:solidFill>
@@ -7343,7 +7659,7 @@
                             <a:p>
                               <a:pPr algn="ctr"/>
                               <a:r>
-                                <a:rPr lang="en-US" altLang="zh-CN" sz="2400" dirty="0" smtClean="0">
+                                <a:rPr lang="en-US" altLang="zh-CN" sz="2400" dirty="0">
                                   <a:solidFill>
                                     <a:schemeClr val="tx1"/>
                                   </a:solidFill>
@@ -7403,7 +7719,7 @@
                             <a:p>
                               <a:pPr algn="ctr"/>
                               <a:r>
-                                <a:rPr lang="en-US" altLang="zh-CN" sz="2400" dirty="0" smtClean="0">
+                                <a:rPr lang="en-US" altLang="zh-CN" sz="2400" dirty="0">
                                   <a:solidFill>
                                     <a:schemeClr val="tx1"/>
                                   </a:solidFill>
@@ -7463,7 +7779,7 @@
                             <a:p>
                               <a:pPr algn="ctr"/>
                               <a:r>
-                                <a:rPr lang="en-US" altLang="zh-CN" sz="2400" dirty="0" smtClean="0">
+                                <a:rPr lang="en-US" altLang="zh-CN" sz="2400" dirty="0">
                                   <a:solidFill>
                                     <a:schemeClr val="tx1"/>
                                   </a:solidFill>
@@ -7523,7 +7839,7 @@
                             <a:p>
                               <a:pPr algn="ctr"/>
                               <a:r>
-                                <a:rPr lang="en-US" altLang="zh-CN" sz="2400" dirty="0" smtClean="0">
+                                <a:rPr lang="en-US" altLang="zh-CN" sz="2400" dirty="0">
                                   <a:solidFill>
                                     <a:schemeClr val="tx1"/>
                                   </a:solidFill>
@@ -7586,7 +7902,7 @@
                             <a:p>
                               <a:pPr algn="ctr"/>
                               <a:r>
-                                <a:rPr lang="en-US" altLang="zh-CN" sz="2400" dirty="0" smtClean="0">
+                                <a:rPr lang="en-US" altLang="zh-CN" sz="2400" dirty="0">
                                   <a:solidFill>
                                     <a:schemeClr val="tx1"/>
                                   </a:solidFill>
@@ -7646,7 +7962,7 @@
                             <a:p>
                               <a:pPr algn="ctr"/>
                               <a:r>
-                                <a:rPr lang="en-US" altLang="zh-CN" sz="2400" dirty="0" smtClean="0">
+                                <a:rPr lang="en-US" altLang="zh-CN" sz="2400" dirty="0">
                                   <a:solidFill>
                                     <a:schemeClr val="tx1"/>
                                   </a:solidFill>
@@ -7709,7 +8025,7 @@
                             <a:p>
                               <a:pPr algn="ctr"/>
                               <a:r>
-                                <a:rPr lang="en-US" altLang="zh-CN" sz="2400" dirty="0" smtClean="0">
+                                <a:rPr lang="en-US" altLang="zh-CN" sz="2400" dirty="0">
                                   <a:solidFill>
                                     <a:schemeClr val="tx1"/>
                                   </a:solidFill>
@@ -7769,7 +8085,7 @@
                             <a:p>
                               <a:pPr algn="ctr"/>
                               <a:r>
-                                <a:rPr lang="en-US" altLang="zh-CN" sz="2400" dirty="0" smtClean="0">
+                                <a:rPr lang="en-US" altLang="zh-CN" sz="2400" dirty="0">
                                   <a:solidFill>
                                     <a:schemeClr val="tx1"/>
                                   </a:solidFill>
@@ -7832,7 +8148,7 @@
                             <a:p>
                               <a:pPr algn="ctr"/>
                               <a:r>
-                                <a:rPr lang="en-US" altLang="zh-CN" sz="2400" dirty="0" smtClean="0">
+                                <a:rPr lang="en-US" altLang="zh-CN" sz="2400" dirty="0">
                                   <a:solidFill>
                                     <a:schemeClr val="tx1"/>
                                   </a:solidFill>
@@ -9313,8 +9629,8 @@
             </p:nvSpPr>
             <p:spPr>
               <a:xfrm>
-                <a:off x="18507694" y="9794616"/>
-                <a:ext cx="2087647" cy="954107"/>
+                <a:off x="18507694" y="9907309"/>
+                <a:ext cx="2087647" cy="1384995"/>
               </a:xfrm>
               <a:prstGeom prst="rect">
                 <a:avLst/>
@@ -9332,8 +9648,14 @@
                   <a:t>Features of </a:t>
                 </a:r>
                 <a:r>
-                  <a:rPr lang="en-US" sz="2800" b="1" dirty="0" smtClean="0"/>
+                  <a:rPr lang="en-US" sz="2800" b="1" dirty="0"/>
                   <a:t>utterance</a:t>
+                </a:r>
+              </a:p>
+              <a:p>
+                <a:r>
+                  <a:rPr lang="en-US" sz="2800" b="1" dirty="0"/>
+                  <a:t>(segments)</a:t>
                 </a:r>
               </a:p>
             </p:txBody>
@@ -9389,8 +9711,8 @@
         </p:nvSpPr>
         <p:spPr>
           <a:xfrm>
-            <a:off x="13010118" y="9548229"/>
-            <a:ext cx="5334000" cy="646331"/>
+            <a:off x="12287149" y="9510708"/>
+            <a:ext cx="5334000" cy="769441"/>
           </a:xfrm>
           <a:prstGeom prst="rect">
             <a:avLst/>
@@ -9404,14 +9726,14 @@
           <a:lstStyle/>
           <a:p>
             <a:r>
-              <a:rPr lang="en-US" sz="3600" b="1" i="1" dirty="0">
+              <a:rPr lang="en-US" sz="4400" b="1" i="1" dirty="0">
                 <a:solidFill>
                   <a:schemeClr val="tx2">
                     <a:lumMod val="75000"/>
                   </a:schemeClr>
                 </a:solidFill>
               </a:rPr>
-              <a:t>System flowchart</a:t>
+              <a:t>System Workflow</a:t>
             </a:r>
           </a:p>
         </p:txBody>
@@ -9463,9 +9785,9 @@
         <p:grpSpPr>
           <a:xfrm>
             <a:off x="11798297" y="5791200"/>
-            <a:ext cx="6244061" cy="3107425"/>
+            <a:ext cx="6245797" cy="3107425"/>
             <a:chOff x="11798297" y="6048363"/>
-            <a:chExt cx="6244061" cy="2515037"/>
+            <a:chExt cx="6245797" cy="2515037"/>
           </a:xfrm>
         </p:grpSpPr>
         <p:grpSp>
@@ -9476,10 +9798,10 @@
           </p:nvGrpSpPr>
           <p:grpSpPr>
             <a:xfrm>
-              <a:off x="11963400" y="6139948"/>
-              <a:ext cx="6078958" cy="1905250"/>
-              <a:chOff x="11717023" y="6003273"/>
-              <a:chExt cx="6078958" cy="1905250"/>
+              <a:off x="11888148" y="6139948"/>
+              <a:ext cx="6155946" cy="1956392"/>
+              <a:chOff x="11641771" y="6003273"/>
+              <a:chExt cx="6155946" cy="1956392"/>
             </a:xfrm>
           </p:grpSpPr>
           <p:pic>
@@ -9491,7 +9813,7 @@
               <p:nvPr/>
             </p:nvPicPr>
             <p:blipFill rotWithShape="1">
-              <a:blip r:embed="rId8" cstate="print">
+              <a:blip r:embed="rId9" cstate="print">
                 <a:extLst>
                   <a:ext uri="{28A0092B-C50C-407E-A947-70E740481C1C}">
                     <a14:useLocalDpi xmlns:a14="http://schemas.microsoft.com/office/drawing/2010/main" val="0"/>
@@ -9520,7 +9842,7 @@
             <p:spPr>
               <a:xfrm>
                 <a:off x="11807162" y="6003273"/>
-                <a:ext cx="1447800" cy="830997"/>
+                <a:ext cx="1447800" cy="772219"/>
               </a:xfrm>
               <a:prstGeom prst="rect">
                 <a:avLst/>
@@ -9534,7 +9856,7 @@
               <a:lstStyle/>
               <a:p>
                 <a:r>
-                  <a:rPr lang="en-US" sz="2400" dirty="0"/>
+                  <a:rPr lang="en-US" sz="2800" dirty="0"/>
                   <a:t>Input audio</a:t>
                 </a:r>
               </a:p>
@@ -9548,8 +9870,8 @@
             </p:nvSpPr>
             <p:spPr>
               <a:xfrm>
-                <a:off x="11717023" y="6937020"/>
-                <a:ext cx="1735861" cy="971503"/>
+                <a:off x="11641771" y="6888521"/>
+                <a:ext cx="1735861" cy="1071144"/>
               </a:xfrm>
               <a:prstGeom prst="rect">
                 <a:avLst/>
@@ -9563,13 +9885,13 @@
               <a:lstStyle/>
               <a:p>
                 <a:r>
-                  <a:rPr lang="en-US" sz="2400" dirty="0"/>
+                  <a:rPr lang="en-US" sz="2800" dirty="0"/>
                   <a:t>MFCCs</a:t>
                 </a:r>
               </a:p>
               <a:p>
                 <a:r>
-                  <a:rPr lang="en-US" sz="2400" dirty="0"/>
+                  <a:rPr lang="en-US" sz="2600" dirty="0"/>
                   <a:t>(Acoustic features)</a:t>
                 </a:r>
               </a:p>
@@ -9867,10 +10189,9 @@
                 <a:lstStyle/>
                 <a:p>
                   <a:r>
-                    <a:rPr lang="en-US" sz="2400" dirty="0" smtClean="0"/>
+                    <a:rPr lang="en-US" sz="2400" dirty="0"/>
                     <a:t>……</a:t>
                   </a:r>
-                  <a:endParaRPr lang="en-US" sz="2400" dirty="0"/>
                 </a:p>
               </p:txBody>
             </p:sp>
@@ -9883,8 +10204,8 @@
             </p:nvSpPr>
             <p:spPr>
               <a:xfrm>
-                <a:off x="15500238" y="6073591"/>
-                <a:ext cx="2243993" cy="373655"/>
+                <a:off x="15460079" y="6072077"/>
+                <a:ext cx="2337638" cy="423475"/>
               </a:xfrm>
               <a:prstGeom prst="rect">
                 <a:avLst/>
@@ -9898,15 +10219,15 @@
               <a:lstStyle/>
               <a:p>
                 <a:r>
-                  <a:rPr lang="en-US" sz="2400" dirty="0"/>
+                  <a:rPr lang="en-US" sz="2800" dirty="0"/>
                   <a:t>VAD (</a:t>
                 </a:r>
                 <a:r>
-                  <a:rPr lang="en-US" sz="2400" dirty="0" err="1"/>
+                  <a:rPr lang="en-US" sz="2800" dirty="0" err="1"/>
                   <a:t>WebRTC</a:t>
                 </a:r>
                 <a:r>
-                  <a:rPr lang="en-US" sz="2400" dirty="0"/>
+                  <a:rPr lang="en-US" sz="2800" dirty="0"/>
                   <a:t>)</a:t>
                 </a:r>
               </a:p>
@@ -9916,15 +10237,16 @@
             <p:nvCxnSpPr>
               <p:cNvPr id="303" name="Straight Arrow Connector 302"/>
               <p:cNvCxnSpPr>
+                <a:cxnSpLocks/>
                 <a:stCxn id="273" idx="3"/>
                 <a:endCxn id="300" idx="1"/>
               </p:cNvCxnSpPr>
               <p:nvPr/>
             </p:nvCxnSpPr>
             <p:spPr>
-              <a:xfrm flipV="1">
-                <a:off x="14819049" y="6260419"/>
-                <a:ext cx="681189" cy="17100"/>
+              <a:xfrm>
+                <a:off x="14819049" y="6277519"/>
+                <a:ext cx="641030" cy="6295"/>
               </a:xfrm>
               <a:prstGeom prst="straightConnector1">
                 <a:avLst/>
@@ -9996,7 +10318,7 @@
             <p:spPr>
               <a:xfrm>
                 <a:off x="15458343" y="7070541"/>
-                <a:ext cx="2337638" cy="373655"/>
+                <a:ext cx="2337638" cy="423475"/>
               </a:xfrm>
               <a:prstGeom prst="rect">
                 <a:avLst/>
@@ -10010,10 +10332,10 @@
               <a:lstStyle/>
               <a:p>
                 <a:r>
-                  <a:rPr lang="en-US" sz="2400" dirty="0"/>
+                  <a:rPr lang="en-US" sz="2800" dirty="0"/>
                   <a:t>VAD-mask</a:t>
                 </a:r>
-                <a:endParaRPr lang="en-US" sz="2000" dirty="0"/>
+                <a:endParaRPr lang="en-US" sz="2400" dirty="0"/>
               </a:p>
             </p:txBody>
           </p:sp>
@@ -10683,7 +11005,7 @@
           <p:nvPr/>
         </p:nvPicPr>
         <p:blipFill rotWithShape="1">
-          <a:blip r:embed="rId9">
+          <a:blip r:embed="rId10">
             <a:extLst>
               <a:ext uri="{28A0092B-C50C-407E-A947-70E740481C1C}">
                 <a14:useLocalDpi xmlns:a14="http://schemas.microsoft.com/office/drawing/2010/main" val="0"/>
@@ -10695,7 +11017,7 @@
         </p:blipFill>
         <p:spPr>
           <a:xfrm>
-            <a:off x="11871247" y="19939000"/>
+            <a:off x="11632686" y="19508587"/>
             <a:ext cx="10297847" cy="3454400"/>
           </a:xfrm>
           <a:prstGeom prst="rect">
@@ -10712,9 +11034,9 @@
         <p:grpSpPr>
           <a:xfrm>
             <a:off x="11871248" y="8458200"/>
-            <a:ext cx="7708514" cy="11954490"/>
+            <a:ext cx="7708514" cy="11575279"/>
             <a:chOff x="11871248" y="8458200"/>
-            <a:chExt cx="7708514" cy="11954490"/>
+            <a:chExt cx="7708514" cy="11575279"/>
           </a:xfrm>
         </p:grpSpPr>
         <p:grpSp>
@@ -10740,7 +11062,7 @@
               <p:nvPr/>
             </p:nvPicPr>
             <p:blipFill rotWithShape="1">
-              <a:blip r:embed="rId10" cstate="print">
+              <a:blip r:embed="rId11" cstate="print">
                 <a:extLst>
                   <a:ext uri="{28A0092B-C50C-407E-A947-70E740481C1C}">
                     <a14:useLocalDpi xmlns:a14="http://schemas.microsoft.com/office/drawing/2010/main" val="0"/>
@@ -10752,8 +11074,8 @@
             </p:blipFill>
             <p:spPr>
               <a:xfrm>
-                <a:off x="12344400" y="10386415"/>
-                <a:ext cx="2196404" cy="627444"/>
+                <a:off x="12268200" y="10315634"/>
+                <a:ext cx="2444177" cy="698225"/>
               </a:xfrm>
               <a:prstGeom prst="rect">
                 <a:avLst/>
@@ -10922,13 +11244,15 @@
           <p:cxnSp>
             <p:nvCxnSpPr>
               <p:cNvPr id="249" name="Straight Arrow Connector 248"/>
-              <p:cNvCxnSpPr/>
+              <p:cNvCxnSpPr>
+                <a:cxnSpLocks/>
+              </p:cNvCxnSpPr>
               <p:nvPr/>
             </p:nvCxnSpPr>
             <p:spPr>
               <a:xfrm flipV="1">
-                <a:off x="16916400" y="9171632"/>
-                <a:ext cx="1673371" cy="2444812"/>
+                <a:off x="16916400" y="9185031"/>
+                <a:ext cx="2236294" cy="2431413"/>
               </a:xfrm>
               <a:prstGeom prst="straightConnector1">
                 <a:avLst/>
@@ -11127,8 +11451,8 @@
             </p:nvCxnSpPr>
             <p:spPr>
               <a:xfrm>
-                <a:off x="13442602" y="11013859"/>
-                <a:ext cx="70241" cy="430130"/>
+                <a:off x="13490289" y="11013859"/>
+                <a:ext cx="22554" cy="430130"/>
               </a:xfrm>
               <a:prstGeom prst="straightConnector1">
                 <a:avLst/>
@@ -11487,8 +11811,8 @@
           </p:nvCxnSpPr>
           <p:spPr>
             <a:xfrm flipH="1">
-              <a:off x="12725400" y="18890453"/>
-              <a:ext cx="982288" cy="1522237"/>
+              <a:off x="12970634" y="18890453"/>
+              <a:ext cx="737054" cy="1143026"/>
             </a:xfrm>
             <a:prstGeom prst="straightConnector1">
               <a:avLst/>
@@ -11529,8 +11853,8 @@
             </p:nvSpPr>
             <p:spPr bwMode="auto">
               <a:xfrm>
-                <a:off x="22783800" y="16916399"/>
-                <a:ext cx="8994036" cy="6821424"/>
+                <a:off x="22169094" y="16840200"/>
+                <a:ext cx="9608742" cy="6163056"/>
               </a:xfrm>
               <a:prstGeom prst="rect">
                 <a:avLst/>
@@ -11652,7 +11976,7 @@
               <a:p>
                 <a:pPr algn="just" eaLnBrk="1" hangingPunct="1"/>
                 <a:r>
-                  <a:rPr lang="en-US" sz="3200" b="1" dirty="0" smtClean="0">
+                  <a:rPr lang="en-US" sz="3200" b="1" dirty="0">
                     <a:latin typeface="+mn-lt"/>
                     <a:cs typeface="Times New Roman" panose="02020603050405020304" pitchFamily="18" charset="0"/>
                   </a:rPr>
@@ -11665,16 +11989,12 @@
                   <a:buAutoNum type="arabicPeriod"/>
                 </a:pPr>
                 <a:r>
-                  <a:rPr lang="en-US" sz="3200" dirty="0" smtClean="0">
+                  <a:rPr lang="en-US" sz="3200" dirty="0">
                     <a:latin typeface="+mn-lt"/>
                     <a:cs typeface="Times New Roman" panose="02020603050405020304" pitchFamily="18" charset="0"/>
                   </a:rPr>
-                  <a:t>Cosine similarity between BKs/ CVs will be used to assign segments and compare clusters</a:t>
+                  <a:t>Cosine similarity between BKs / CVs will be used to assign segments and compare clusters</a:t>
                 </a:r>
-                <a:endParaRPr lang="en-US" sz="3200" dirty="0">
-                  <a:latin typeface="+mn-lt"/>
-                  <a:cs typeface="Times New Roman" panose="02020603050405020304" pitchFamily="18" charset="0"/>
-                </a:endParaRPr>
               </a:p>
               <a:p>
                 <a:pPr marL="514350" indent="-514350" algn="just" eaLnBrk="1" hangingPunct="1">
@@ -11682,7 +12002,7 @@
                   <a:buAutoNum type="arabicPeriod"/>
                 </a:pPr>
                 <a:r>
-                  <a:rPr lang="en-US" sz="3200" dirty="0" smtClean="0">
+                  <a:rPr lang="en-US" sz="3200" dirty="0">
                     <a:latin typeface="+mn-lt"/>
                     <a:cs typeface="Times New Roman" panose="02020603050405020304" pitchFamily="18" charset="0"/>
                   </a:rPr>
@@ -11694,7 +12014,7 @@
                       <m:sSubPr>
                         <m:ctrlPr>
                           <a:rPr lang="en-US" sz="3200" i="1" smtClean="0">
-                            <a:latin typeface="Cambria Math"/>
+                            <a:latin typeface="Cambria Math" panose="02040503050406030204" pitchFamily="18" charset="0"/>
                             <a:cs typeface="Times New Roman" panose="02020603050405020304" pitchFamily="18" charset="0"/>
                           </a:rPr>
                         </m:ctrlPr>
@@ -11721,18 +12041,11 @@
                   </m:oMath>
                 </a14:m>
                 <a:r>
-                  <a:rPr lang="en-US" sz="3200" dirty="0" smtClean="0">
+                  <a:rPr lang="en-US" sz="3200" dirty="0">
                     <a:latin typeface="+mn-lt"/>
                     <a:cs typeface="Times New Roman" panose="02020603050405020304" pitchFamily="18" charset="0"/>
                   </a:rPr>
-                  <a:t> Clusters. Clusters with highest similarity will then be merged until one </a:t>
-                </a:r>
-                <a:r>
-                  <a:rPr lang="en-US" sz="3200" dirty="0" smtClean="0">
-                    <a:latin typeface="+mn-lt"/>
-                    <a:cs typeface="Times New Roman" panose="02020603050405020304" pitchFamily="18" charset="0"/>
-                  </a:rPr>
-                  <a:t>cluster is left. </a:t>
+                  <a:t> Clusters. Clusters with highest similarity will then be merged until one cluster is left. </a:t>
                 </a:r>
               </a:p>
               <a:p>
@@ -11741,7 +12054,7 @@
                   <a:buAutoNum type="arabicPeriod"/>
                 </a:pPr>
                 <a:r>
-                  <a:rPr lang="en-US" sz="3200" dirty="0" smtClean="0">
+                  <a:rPr lang="en-US" sz="3200" dirty="0">
                     <a:latin typeface="+mn-lt"/>
                     <a:cs typeface="Times New Roman" panose="02020603050405020304" pitchFamily="18" charset="0"/>
                   </a:rPr>
@@ -11772,7 +12085,7 @@
               <a:p>
                 <a:pPr algn="just" eaLnBrk="1" hangingPunct="1"/>
                 <a:r>
-                  <a:rPr lang="en-US" sz="3200" dirty="0" smtClean="0">
+                  <a:rPr lang="en-US" sz="3200" dirty="0">
                     <a:latin typeface="+mn-lt"/>
                     <a:cs typeface="Times New Roman" panose="02020603050405020304" pitchFamily="18" charset="0"/>
                   </a:rPr>
@@ -11793,16 +12106,16 @@
             </p:nvSpPr>
             <p:spPr bwMode="auto">
               <a:xfrm>
-                <a:off x="22783800" y="16916399"/>
-                <a:ext cx="8994036" cy="6821424"/>
+                <a:off x="22169094" y="16840200"/>
+                <a:ext cx="9608742" cy="6163056"/>
               </a:xfrm>
               <a:prstGeom prst="rect">
                 <a:avLst/>
               </a:prstGeom>
-              <a:blipFill rotWithShape="1">
-                <a:blip r:embed="rId11"/>
+              <a:blipFill>
+                <a:blip r:embed="rId12"/>
                 <a:stretch>
-                  <a:fillRect l="-1286" r="-1083"/>
+                  <a:fillRect l="-1141" r="-1077" b="-987"/>
                 </a:stretch>
               </a:blipFill>
               <a:ln w="12700">
@@ -11819,7 +12132,7 @@
               <a:lstStyle/>
               <a:p>
                 <a:r>
-                  <a:rPr lang="en-US">
+                  <a:rPr lang="zh-CN" altLang="en-US">
                     <a:noFill/>
                   </a:rPr>
                   <a:t> </a:t>
@@ -12059,13 +12372,25 @@
                 <a:rPr lang="en-US" sz="3400" dirty="0">
                   <a:latin typeface="Calibri" pitchFamily="34" charset="0"/>
                 </a:rPr>
-                <a:t>In this project, we seek to develop a speaker recognizer system </a:t>
+                <a:t>In this project, we seek to develop a speaker recognizer system that:</a:t>
+              </a:r>
+            </a:p>
+            <a:p>
+              <a:pPr marL="457200" indent="-457200" eaLnBrk="1" hangingPunct="1">
+                <a:buFont typeface="Arial" panose="020B0604020202020204" pitchFamily="34" charset="0"/>
+                <a:buChar char="•"/>
+              </a:pPr>
+              <a:r>
+                <a:rPr lang="en-US" sz="3400" dirty="0">
+                  <a:latin typeface="Calibri" pitchFamily="34" charset="0"/>
+                </a:rPr>
+                <a:t>is language-independent, domain-robust, platform-independent and </a:t>
               </a:r>
               <a:r>
-                <a:rPr lang="en-US" sz="3400" dirty="0" smtClean="0">
+                <a:rPr lang="en-US" altLang="zh-CN" sz="3400" dirty="0">
                   <a:latin typeface="Calibri" pitchFamily="34" charset="0"/>
                 </a:rPr>
-                <a:t>that:</a:t>
+                <a:t> do not need prior training</a:t>
               </a:r>
               <a:endParaRPr lang="en-US" sz="3400" dirty="0">
                 <a:latin typeface="Calibri" pitchFamily="34" charset="0"/>
@@ -12080,7 +12405,7 @@
                 <a:rPr lang="en-US" sz="3400" dirty="0">
                   <a:latin typeface="Calibri" pitchFamily="34" charset="0"/>
                 </a:rPr>
-                <a:t>Language-independent, domain-robust,  do not need prior training, and  platform-independent</a:t>
+                <a:t>can label the speakers in a recorded audio and visualize the results</a:t>
               </a:r>
             </a:p>
             <a:p>
@@ -12092,29 +12417,8 @@
                 <a:rPr lang="en-US" sz="3400" dirty="0">
                   <a:latin typeface="Calibri" pitchFamily="34" charset="0"/>
                 </a:rPr>
-                <a:t>Be able to label the speakers in a recorded audio and visualize the results</a:t>
+                <a:t>can generate outputs as the input is analyzed and correct the earlier output when necessary</a:t>
               </a:r>
-            </a:p>
-            <a:p>
-              <a:pPr marL="457200" indent="-457200" eaLnBrk="1" hangingPunct="1">
-                <a:buFont typeface="Arial" panose="020B0604020202020204" pitchFamily="34" charset="0"/>
-                <a:buChar char="•"/>
-              </a:pPr>
-              <a:r>
-                <a:rPr lang="en-US" sz="3400" dirty="0">
-                  <a:latin typeface="Calibri" pitchFamily="34" charset="0"/>
-                </a:rPr>
-                <a:t>Be able to generate outputs as the input is analyzed and correct the earlier output when </a:t>
-              </a:r>
-              <a:r>
-                <a:rPr lang="en-US" sz="3400" dirty="0" smtClean="0">
-                  <a:latin typeface="Calibri" pitchFamily="34" charset="0"/>
-                </a:rPr>
-                <a:t>necessary</a:t>
-              </a:r>
-              <a:endParaRPr lang="en-US" sz="3400" dirty="0">
-                <a:latin typeface="Calibri" pitchFamily="34" charset="0"/>
-              </a:endParaRPr>
             </a:p>
           </p:txBody>
         </p:sp>
@@ -12161,7 +12465,7 @@
             <a:p>
               <a:pPr algn="ctr"/>
               <a:r>
-                <a:rPr lang="en-US" sz="4400" b="1" dirty="0">
+                <a:rPr lang="en-US" sz="4600" b="1" dirty="0">
                   <a:solidFill>
                     <a:schemeClr val="bg1"/>
                   </a:solidFill>
@@ -12183,7 +12487,7 @@
             <p:spPr>
               <a:xfrm>
                 <a:off x="30099000" y="11506200"/>
-                <a:ext cx="1374037" cy="3046988"/>
+                <a:ext cx="1491069" cy="3046988"/>
               </a:xfrm>
               <a:prstGeom prst="rect">
                 <a:avLst/>
@@ -12202,7 +12506,7 @@
                       <m:sSubPr>
                         <m:ctrlPr>
                           <a:rPr lang="en-US" altLang="zh-CN" sz="2400" i="1" smtClean="0">
-                            <a:latin typeface="Cambria Math"/>
+                            <a:latin typeface="Cambria Math" panose="02040503050406030204" pitchFamily="18" charset="0"/>
                           </a:rPr>
                         </m:ctrlPr>
                       </m:sSubPr>
@@ -12227,11 +12531,7 @@
                 </a14:m>
                 <a:r>
                   <a:rPr lang="en-US" altLang="zh-CN" sz="2400" dirty="0"/>
-                  <a:t> = </a:t>
-                </a:r>
-                <a:r>
-                  <a:rPr lang="en-US" altLang="zh-CN" sz="2400" dirty="0" smtClean="0"/>
-                  <a:t>1: the </a:t>
+                  <a:t> = 1: the </a:t>
                 </a:r>
                 <a:r>
                   <a:rPr lang="en-US" altLang="zh-CN" sz="2400" dirty="0" err="1"/>
@@ -12257,15 +12557,15 @@
             <p:spPr>
               <a:xfrm>
                 <a:off x="30099000" y="11506200"/>
-                <a:ext cx="1374037" cy="3046988"/>
+                <a:ext cx="1491069" cy="3046988"/>
               </a:xfrm>
               <a:prstGeom prst="rect">
                 <a:avLst/>
               </a:prstGeom>
-              <a:blipFill rotWithShape="1">
-                <a:blip r:embed="rId12"/>
+              <a:blipFill>
+                <a:blip r:embed="rId13"/>
                 <a:stretch>
-                  <a:fillRect l="-7111" t="-1603" r="-8889" b="-3607"/>
+                  <a:fillRect l="-6557" t="-1603" r="-410" b="-3607"/>
                 </a:stretch>
               </a:blipFill>
             </p:spPr>
@@ -12274,7 +12574,7 @@
               <a:lstStyle/>
               <a:p>
                 <a:r>
-                  <a:rPr lang="en-US">
+                  <a:rPr lang="zh-CN" altLang="en-US">
                     <a:noFill/>
                   </a:rPr>
                   <a:t> </a:t>
@@ -12289,7 +12589,7 @@
           <p:cNvPr id="236" name="TextBox 176">
             <a:extLst>
               <a:ext uri="{FF2B5EF4-FFF2-40B4-BE49-F238E27FC236}">
-                <a16:creationId xmlns:a16="http://schemas.microsoft.com/office/drawing/2014/main" xmlns="" id="{610A6A02-0536-4AED-903C-DD71066D4321}"/>
+                <a16:creationId xmlns:a16="http://schemas.microsoft.com/office/drawing/2014/main" id="{610A6A02-0536-4AED-903C-DD71066D4321}"/>
               </a:ext>
             </a:extLst>
           </p:cNvPr>
@@ -12298,7 +12598,7 @@
         </p:nvSpPr>
         <p:spPr>
           <a:xfrm>
-            <a:off x="24563352" y="14043386"/>
+            <a:off x="24540268" y="13669607"/>
             <a:ext cx="845546" cy="523220"/>
           </a:xfrm>
           <a:prstGeom prst="rect">
@@ -12324,7 +12624,7 @@
           <p:cNvPr id="80" name="矩形 79">
             <a:extLst>
               <a:ext uri="{FF2B5EF4-FFF2-40B4-BE49-F238E27FC236}">
-                <a16:creationId xmlns:a16="http://schemas.microsoft.com/office/drawing/2014/main" xmlns="" id="{E6CE755C-3B3C-4DF2-930E-79A8CD711C9C}"/>
+                <a16:creationId xmlns:a16="http://schemas.microsoft.com/office/drawing/2014/main" id="{E6CE755C-3B3C-4DF2-930E-79A8CD711C9C}"/>
               </a:ext>
             </a:extLst>
           </p:cNvPr>
@@ -12376,7 +12676,7 @@
           <p:cNvPr id="239" name="矩形 238">
             <a:extLst>
               <a:ext uri="{FF2B5EF4-FFF2-40B4-BE49-F238E27FC236}">
-                <a16:creationId xmlns:a16="http://schemas.microsoft.com/office/drawing/2014/main" xmlns="" id="{48838A10-B069-462D-8D0F-A35717B94537}"/>
+                <a16:creationId xmlns:a16="http://schemas.microsoft.com/office/drawing/2014/main" id="{48838A10-B069-462D-8D0F-A35717B94537}"/>
               </a:ext>
             </a:extLst>
           </p:cNvPr>
@@ -12431,7 +12731,7 @@
         </p:nvGrpSpPr>
         <p:grpSpPr>
           <a:xfrm>
-            <a:off x="21736198" y="24079200"/>
+            <a:off x="21736198" y="23622000"/>
             <a:ext cx="10039201" cy="5593080"/>
             <a:chOff x="11507868" y="14730712"/>
             <a:chExt cx="9692640" cy="5593080"/>
@@ -12570,22 +12870,10 @@
             <a:p>
               <a:pPr eaLnBrk="1" hangingPunct="1"/>
               <a:r>
-                <a:rPr lang="en-US" sz="3400" dirty="0" smtClean="0">
-                  <a:latin typeface="Calibri" pitchFamily="34" charset="0"/>
-                </a:rPr>
-                <a:t>Experiment on: </a:t>
-              </a:r>
-              <a:r>
                 <a:rPr lang="en-US" sz="3400" dirty="0">
                   <a:latin typeface="Calibri" pitchFamily="34" charset="0"/>
                 </a:rPr>
-                <a:t> Intel Core i5-4200U 2.30 GHz </a:t>
-              </a:r>
-              <a:r>
-                <a:rPr lang="en-US" sz="3400" dirty="0" smtClean="0">
-                  <a:latin typeface="Calibri" pitchFamily="34" charset="0"/>
-                </a:rPr>
-                <a:t>CPU With 8 GB RAM </a:t>
+                <a:t>Experiment on:  Intel Core i5-4200U 2.30 GHz CPU With 8 GB RAM </a:t>
               </a:r>
             </a:p>
             <a:p>
@@ -12594,19 +12882,19 @@
                 <a:buChar char="•"/>
               </a:pPr>
               <a:r>
-                <a:rPr lang="en-US" sz="3400" dirty="0" smtClean="0">
+                <a:rPr lang="en-US" sz="3400" dirty="0">
                   <a:latin typeface="Calibri" pitchFamily="34" charset="0"/>
                 </a:rPr>
                 <a:t>Whole offline system: 0.03 – 0.05 </a:t>
               </a:r>
               <a:r>
-                <a:rPr lang="en-US" sz="3400" dirty="0" err="1" smtClean="0">
+                <a:rPr lang="en-US" sz="3400" dirty="0" err="1">
                   <a:latin typeface="Calibri" pitchFamily="34" charset="0"/>
                 </a:rPr>
                 <a:t>xRT</a:t>
               </a:r>
               <a:r>
-                <a:rPr lang="en-US" sz="3400" dirty="0" smtClean="0">
+                <a:rPr lang="en-US" sz="3400" dirty="0">
                   <a:latin typeface="Calibri" pitchFamily="34" charset="0"/>
                 </a:rPr>
                 <a:t> for recorded audio ranging from 20s to 5mins. </a:t>
@@ -12618,19 +12906,19 @@
                 <a:buChar char="•"/>
               </a:pPr>
               <a:r>
-                <a:rPr lang="en-US" sz="3400" dirty="0" smtClean="0">
+                <a:rPr lang="en-US" sz="3400" dirty="0">
                   <a:latin typeface="Calibri" pitchFamily="34" charset="0"/>
                 </a:rPr>
                 <a:t>KBM Training: 0.02 – 0.03 </a:t>
               </a:r>
               <a:r>
-                <a:rPr lang="en-US" sz="3400" dirty="0" err="1" smtClean="0">
+                <a:rPr lang="en-US" sz="3400" dirty="0" err="1">
                   <a:latin typeface="Calibri" pitchFamily="34" charset="0"/>
                 </a:rPr>
                 <a:t>xRT</a:t>
               </a:r>
               <a:r>
-                <a:rPr lang="en-US" sz="3400" dirty="0" smtClean="0">
+                <a:rPr lang="en-US" sz="3400" dirty="0">
                   <a:latin typeface="Calibri" pitchFamily="34" charset="0"/>
                 </a:rPr>
                 <a:t>, the most time-consuming  part in they system.</a:t>
@@ -12642,22 +12930,43 @@
                 <a:buChar char="•"/>
               </a:pPr>
               <a:r>
-                <a:rPr lang="en-US" sz="3400" dirty="0" smtClean="0">
+                <a:rPr lang="en-US" sz="3400" dirty="0">
                   <a:latin typeface="Calibri" pitchFamily="34" charset="0"/>
                 </a:rPr>
                 <a:t>AHC Clustering is fast (0.005 </a:t>
               </a:r>
               <a:r>
-                <a:rPr lang="en-US" sz="3400" dirty="0" err="1" smtClean="0">
+                <a:rPr lang="en-US" sz="3400" dirty="0" err="1">
                   <a:latin typeface="Calibri" pitchFamily="34" charset="0"/>
                 </a:rPr>
                 <a:t>xRT</a:t>
               </a:r>
               <a:r>
-                <a:rPr lang="en-US" sz="3400" dirty="0" smtClean="0">
+                <a:rPr lang="en-US" sz="3400" dirty="0">
                   <a:latin typeface="Calibri" pitchFamily="34" charset="0"/>
                 </a:rPr>
                 <a:t>), so can be performed more frequently in Real-time version. </a:t>
+              </a:r>
+            </a:p>
+            <a:p>
+              <a:pPr eaLnBrk="1" hangingPunct="1"/>
+              <a:r>
+                <a:rPr lang="en-US" sz="2400" dirty="0">
+                  <a:latin typeface="Calibri" pitchFamily="34" charset="0"/>
+                </a:rPr>
+                <a:t>       (</a:t>
+              </a:r>
+              <a:r>
+                <a:rPr lang="en-US" sz="2400" dirty="0" err="1">
+                  <a:latin typeface="Calibri" pitchFamily="34" charset="0"/>
+                </a:rPr>
+                <a:t>xRT</a:t>
+              </a:r>
+              <a:r>
+                <a:rPr lang="en-US" sz="2400" dirty="0">
+                  <a:latin typeface="Calibri" pitchFamily="34" charset="0"/>
+                </a:rPr>
+                <a:t>: real-time factors, 0.01 RT means 1s for 100s audio)</a:t>
               </a:r>
             </a:p>
           </p:txBody>
@@ -12705,18 +13014,13 @@
             <a:p>
               <a:pPr algn="ctr"/>
               <a:r>
-                <a:rPr lang="en-US" sz="4400" b="1" dirty="0" smtClean="0">
+                <a:rPr lang="en-US" sz="4600" b="1" dirty="0">
                   <a:solidFill>
                     <a:schemeClr val="bg1"/>
                   </a:solidFill>
                 </a:rPr>
                 <a:t>Experiment Results</a:t>
               </a:r>
-              <a:endParaRPr lang="en-US" sz="4400" b="1" dirty="0">
-                <a:solidFill>
-                  <a:schemeClr val="bg1"/>
-                </a:solidFill>
-              </a:endParaRPr>
             </a:p>
           </p:txBody>
         </p:sp>
@@ -12729,9 +13033,9 @@
         </p:nvGrpSpPr>
         <p:grpSpPr>
           <a:xfrm>
-            <a:off x="11567160" y="29946600"/>
+            <a:off x="11567160" y="29623987"/>
             <a:ext cx="20208240" cy="2532413"/>
-            <a:chOff x="11507868" y="14730712"/>
+            <a:chOff x="11507868" y="14578312"/>
             <a:chExt cx="9692640" cy="2532413"/>
           </a:xfrm>
         </p:grpSpPr>
@@ -12745,7 +13049,7 @@
           </p:nvSpPr>
           <p:spPr bwMode="auto">
             <a:xfrm>
-              <a:off x="11507868" y="15416512"/>
+              <a:off x="11507868" y="15264112"/>
               <a:ext cx="9692640" cy="1846613"/>
             </a:xfrm>
             <a:prstGeom prst="rect">
@@ -12874,28 +13178,7 @@
                 <a:rPr lang="en-US" sz="3400" dirty="0">
                   <a:latin typeface="Calibri" pitchFamily="34" charset="0"/>
                 </a:rPr>
-                <a:t>The frequency to run KBM training and offline clustering need to be </a:t>
-              </a:r>
-              <a:r>
-                <a:rPr lang="en-US" sz="3400" dirty="0" smtClean="0">
-                  <a:latin typeface="Calibri" pitchFamily="34" charset="0"/>
-                </a:rPr>
-                <a:t>further determined</a:t>
-              </a:r>
-              <a:endParaRPr lang="en-US" sz="3400" dirty="0" smtClean="0">
-                <a:latin typeface="Calibri" pitchFamily="34" charset="0"/>
-              </a:endParaRPr>
-            </a:p>
-            <a:p>
-              <a:pPr marL="457200" indent="-457200" eaLnBrk="1" hangingPunct="1">
-                <a:buFont typeface="Arial" panose="020B0604020202020204" pitchFamily="34" charset="0"/>
-                <a:buChar char="•"/>
-              </a:pPr>
-              <a:r>
-                <a:rPr lang="en-US" sz="3400" dirty="0" smtClean="0">
-                  <a:latin typeface="Calibri" pitchFamily="34" charset="0"/>
-                </a:rPr>
-                <a:t>The relationship between of frequency to run KBM training  and the accuracy need to be further analyzed</a:t>
+                <a:t>The frequency to run KBM training and offline clustering in real-time system need to be further determined</a:t>
               </a:r>
             </a:p>
             <a:p>
@@ -12904,14 +13187,23 @@
                 <a:buChar char="•"/>
               </a:pPr>
               <a:r>
-                <a:rPr lang="en-US" sz="3400" dirty="0" smtClean="0">
+                <a:rPr lang="en-US" sz="3400" dirty="0">
+                  <a:latin typeface="Calibri" pitchFamily="34" charset="0"/>
+                </a:rPr>
+                <a:t>The relationship between the frequency to run KBM training  and system accuracy need to be further analyzed</a:t>
+              </a:r>
+            </a:p>
+            <a:p>
+              <a:pPr marL="457200" indent="-457200" eaLnBrk="1" hangingPunct="1">
+                <a:buFont typeface="Arial" panose="020B0604020202020204" pitchFamily="34" charset="0"/>
+                <a:buChar char="•"/>
+              </a:pPr>
+              <a:r>
+                <a:rPr lang="en-US" sz="3400" dirty="0">
                   <a:latin typeface="Calibri" pitchFamily="34" charset="0"/>
                 </a:rPr>
                 <a:t>The system need to be further improved in terms of speed and audio processing for real-time streaming data</a:t>
               </a:r>
-              <a:endParaRPr lang="en-US" sz="3400" dirty="0">
-                <a:latin typeface="Calibri" pitchFamily="34" charset="0"/>
-              </a:endParaRPr>
             </a:p>
           </p:txBody>
         </p:sp>
@@ -12923,7 +13215,7 @@
           </p:nvSpPr>
           <p:spPr>
             <a:xfrm>
-              <a:off x="11507868" y="14730712"/>
+              <a:off x="11507868" y="14578312"/>
               <a:ext cx="9692640" cy="685800"/>
             </a:xfrm>
             <a:prstGeom prst="rect">
@@ -12958,7 +13250,7 @@
             <a:p>
               <a:pPr algn="ctr"/>
               <a:r>
-                <a:rPr lang="en-US" sz="4400" b="1" dirty="0">
+                <a:rPr lang="en-US" sz="4600" b="1" dirty="0">
                   <a:solidFill>
                     <a:schemeClr val="bg1"/>
                   </a:solidFill>
@@ -12969,6 +13261,42 @@
           </p:txBody>
         </p:sp>
       </p:grpSp>
+      <p:cxnSp>
+        <p:nvCxnSpPr>
+          <p:cNvPr id="23" name="直接连接符 22">
+            <a:extLst>
+              <a:ext uri="{FF2B5EF4-FFF2-40B4-BE49-F238E27FC236}">
+                <a16:creationId xmlns:a16="http://schemas.microsoft.com/office/drawing/2014/main" id="{24CA0DAC-1018-4020-AA9E-F849AC087CB1}"/>
+              </a:ext>
+            </a:extLst>
+          </p:cNvPr>
+          <p:cNvCxnSpPr/>
+          <p:nvPr/>
+        </p:nvCxnSpPr>
+        <p:spPr>
+          <a:xfrm>
+            <a:off x="0" y="32918400"/>
+            <a:ext cx="32918400" cy="0"/>
+          </a:xfrm>
+          <a:prstGeom prst="line">
+            <a:avLst/>
+          </a:prstGeom>
+        </p:spPr>
+        <p:style>
+          <a:lnRef idx="1">
+            <a:schemeClr val="accent1"/>
+          </a:lnRef>
+          <a:fillRef idx="0">
+            <a:schemeClr val="accent1"/>
+          </a:fillRef>
+          <a:effectRef idx="0">
+            <a:schemeClr val="accent1"/>
+          </a:effectRef>
+          <a:fontRef idx="minor">
+            <a:schemeClr val="tx1"/>
+          </a:fontRef>
+        </p:style>
+      </p:cxnSp>
     </p:spTree>
     <p:extLst>
       <p:ext uri="{BB962C8B-B14F-4D97-AF65-F5344CB8AC3E}">
@@ -15986,4 +16314,299 @@
   <a:objectDefaults/>
   <a:extraClrSchemeLst/>
 </a:theme>
+</file>
+
+<file path=ppt/theme/theme2.xml><?xml version="1.0" encoding="utf-8"?>
+<a:theme xmlns:a="http://schemas.openxmlformats.org/drawingml/2006/main" name="Office 主题​​">
+  <a:themeElements>
+    <a:clrScheme name="Office">
+      <a:dk1>
+        <a:sysClr val="windowText" lastClr="000000"/>
+      </a:dk1>
+      <a:lt1>
+        <a:sysClr val="window" lastClr="FFFFFF"/>
+      </a:lt1>
+      <a:dk2>
+        <a:srgbClr val="44546A"/>
+      </a:dk2>
+      <a:lt2>
+        <a:srgbClr val="E7E6E6"/>
+      </a:lt2>
+      <a:accent1>
+        <a:srgbClr val="4472C4"/>
+      </a:accent1>
+      <a:accent2>
+        <a:srgbClr val="ED7D31"/>
+      </a:accent2>
+      <a:accent3>
+        <a:srgbClr val="A5A5A5"/>
+      </a:accent3>
+      <a:accent4>
+        <a:srgbClr val="FFC000"/>
+      </a:accent4>
+      <a:accent5>
+        <a:srgbClr val="5B9BD5"/>
+      </a:accent5>
+      <a:accent6>
+        <a:srgbClr val="70AD47"/>
+      </a:accent6>
+      <a:hlink>
+        <a:srgbClr val="0563C1"/>
+      </a:hlink>
+      <a:folHlink>
+        <a:srgbClr val="954F72"/>
+      </a:folHlink>
+    </a:clrScheme>
+    <a:fontScheme name="Office">
+      <a:majorFont>
+        <a:latin typeface="等线 Light" panose="020F0302020204030204"/>
+        <a:ea typeface=""/>
+        <a:cs typeface=""/>
+        <a:font script="Jpan" typeface="游ゴシック Light"/>
+        <a:font script="Hang" typeface="맑은 고딕"/>
+        <a:font script="Hans" typeface="等线 Light"/>
+        <a:font script="Hant" typeface="新細明體"/>
+        <a:font script="Arab" typeface="Times New Roman"/>
+        <a:font script="Hebr" typeface="Times New Roman"/>
+        <a:font script="Thai" typeface="Angsana New"/>
+        <a:font script="Ethi" typeface="Nyala"/>
+        <a:font script="Beng" typeface="Vrinda"/>
+        <a:font script="Gujr" typeface="Shruti"/>
+        <a:font script="Khmr" typeface="MoolBoran"/>
+        <a:font script="Knda" typeface="Tunga"/>
+        <a:font script="Guru" typeface="Raavi"/>
+        <a:font script="Cans" typeface="Euphemia"/>
+        <a:font script="Cher" typeface="Plantagenet Cherokee"/>
+        <a:font script="Yiii" typeface="Microsoft Yi Baiti"/>
+        <a:font script="Tibt" typeface="Microsoft Himalaya"/>
+        <a:font script="Thaa" typeface="MV Boli"/>
+        <a:font script="Deva" typeface="Mangal"/>
+        <a:font script="Telu" typeface="Gautami"/>
+        <a:font script="Taml" typeface="Latha"/>
+        <a:font script="Syrc" typeface="Estrangelo Edessa"/>
+        <a:font script="Orya" typeface="Kalinga"/>
+        <a:font script="Mlym" typeface="Kartika"/>
+        <a:font script="Laoo" typeface="DokChampa"/>
+        <a:font script="Sinh" typeface="Iskoola Pota"/>
+        <a:font script="Mong" typeface="Mongolian Baiti"/>
+        <a:font script="Viet" typeface="Times New Roman"/>
+        <a:font script="Uigh" typeface="Microsoft Uighur"/>
+        <a:font script="Geor" typeface="Sylfaen"/>
+        <a:font script="Armn" typeface="Arial"/>
+        <a:font script="Bugi" typeface="Leelawadee UI"/>
+        <a:font script="Bopo" typeface="Microsoft JhengHei"/>
+        <a:font script="Java" typeface="Javanese Text"/>
+        <a:font script="Lisu" typeface="Segoe UI"/>
+        <a:font script="Mymr" typeface="Myanmar Text"/>
+        <a:font script="Nkoo" typeface="Ebrima"/>
+        <a:font script="Olck" typeface="Nirmala UI"/>
+        <a:font script="Osma" typeface="Ebrima"/>
+        <a:font script="Phag" typeface="Phagspa"/>
+        <a:font script="Syrn" typeface="Estrangelo Edessa"/>
+        <a:font script="Syrj" typeface="Estrangelo Edessa"/>
+        <a:font script="Syre" typeface="Estrangelo Edessa"/>
+        <a:font script="Sora" typeface="Nirmala UI"/>
+        <a:font script="Tale" typeface="Microsoft Tai Le"/>
+        <a:font script="Talu" typeface="Microsoft New Tai Lue"/>
+        <a:font script="Tfng" typeface="Ebrima"/>
+      </a:majorFont>
+      <a:minorFont>
+        <a:latin typeface="等线" panose="020F0502020204030204"/>
+        <a:ea typeface=""/>
+        <a:cs typeface=""/>
+        <a:font script="Jpan" typeface="游ゴシック"/>
+        <a:font script="Hang" typeface="맑은 고딕"/>
+        <a:font script="Hans" typeface="等线"/>
+        <a:font script="Hant" typeface="新細明體"/>
+        <a:font script="Arab" typeface="Arial"/>
+        <a:font script="Hebr" typeface="Arial"/>
+        <a:font script="Thai" typeface="Cordia New"/>
+        <a:font script="Ethi" typeface="Nyala"/>
+        <a:font script="Beng" typeface="Vrinda"/>
+        <a:font script="Gujr" typeface="Shruti"/>
+        <a:font script="Khmr" typeface="DaunPenh"/>
+        <a:font script="Knda" typeface="Tunga"/>
+        <a:font script="Guru" typeface="Raavi"/>
+        <a:font script="Cans" typeface="Euphemia"/>
+        <a:font script="Cher" typeface="Plantagenet Cherokee"/>
+        <a:font script="Yiii" typeface="Microsoft Yi Baiti"/>
+        <a:font script="Tibt" typeface="Microsoft Himalaya"/>
+        <a:font script="Thaa" typeface="MV Boli"/>
+        <a:font script="Deva" typeface="Mangal"/>
+        <a:font script="Telu" typeface="Gautami"/>
+        <a:font script="Taml" typeface="Latha"/>
+        <a:font script="Syrc" typeface="Estrangelo Edessa"/>
+        <a:font script="Orya" typeface="Kalinga"/>
+        <a:font script="Mlym" typeface="Kartika"/>
+        <a:font script="Laoo" typeface="DokChampa"/>
+        <a:font script="Sinh" typeface="Iskoola Pota"/>
+        <a:font script="Mong" typeface="Mongolian Baiti"/>
+        <a:font script="Viet" typeface="Arial"/>
+        <a:font script="Uigh" typeface="Microsoft Uighur"/>
+        <a:font script="Geor" typeface="Sylfaen"/>
+        <a:font script="Armn" typeface="Arial"/>
+        <a:font script="Bugi" typeface="Leelawadee UI"/>
+        <a:font script="Bopo" typeface="Microsoft JhengHei"/>
+        <a:font script="Java" typeface="Javanese Text"/>
+        <a:font script="Lisu" typeface="Segoe UI"/>
+        <a:font script="Mymr" typeface="Myanmar Text"/>
+        <a:font script="Nkoo" typeface="Ebrima"/>
+        <a:font script="Olck" typeface="Nirmala UI"/>
+        <a:font script="Osma" typeface="Ebrima"/>
+        <a:font script="Phag" typeface="Phagspa"/>
+        <a:font script="Syrn" typeface="Estrangelo Edessa"/>
+        <a:font script="Syrj" typeface="Estrangelo Edessa"/>
+        <a:font script="Syre" typeface="Estrangelo Edessa"/>
+        <a:font script="Sora" typeface="Nirmala UI"/>
+        <a:font script="Tale" typeface="Microsoft Tai Le"/>
+        <a:font script="Talu" typeface="Microsoft New Tai Lue"/>
+        <a:font script="Tfng" typeface="Ebrima"/>
+      </a:minorFont>
+    </a:fontScheme>
+    <a:fmtScheme name="Office">
+      <a:fillStyleLst>
+        <a:solidFill>
+          <a:schemeClr val="phClr"/>
+        </a:solidFill>
+        <a:gradFill rotWithShape="1">
+          <a:gsLst>
+            <a:gs pos="0">
+              <a:schemeClr val="phClr">
+                <a:lumMod val="110000"/>
+                <a:satMod val="105000"/>
+                <a:tint val="67000"/>
+              </a:schemeClr>
+            </a:gs>
+            <a:gs pos="50000">
+              <a:schemeClr val="phClr">
+                <a:lumMod val="105000"/>
+                <a:satMod val="103000"/>
+                <a:tint val="73000"/>
+              </a:schemeClr>
+            </a:gs>
+            <a:gs pos="100000">
+              <a:schemeClr val="phClr">
+                <a:lumMod val="105000"/>
+                <a:satMod val="109000"/>
+                <a:tint val="81000"/>
+              </a:schemeClr>
+            </a:gs>
+          </a:gsLst>
+          <a:lin ang="5400000" scaled="0"/>
+        </a:gradFill>
+        <a:gradFill rotWithShape="1">
+          <a:gsLst>
+            <a:gs pos="0">
+              <a:schemeClr val="phClr">
+                <a:satMod val="103000"/>
+                <a:lumMod val="102000"/>
+                <a:tint val="94000"/>
+              </a:schemeClr>
+            </a:gs>
+            <a:gs pos="50000">
+              <a:schemeClr val="phClr">
+                <a:satMod val="110000"/>
+                <a:lumMod val="100000"/>
+                <a:shade val="100000"/>
+              </a:schemeClr>
+            </a:gs>
+            <a:gs pos="100000">
+              <a:schemeClr val="phClr">
+                <a:lumMod val="99000"/>
+                <a:satMod val="120000"/>
+                <a:shade val="78000"/>
+              </a:schemeClr>
+            </a:gs>
+          </a:gsLst>
+          <a:lin ang="5400000" scaled="0"/>
+        </a:gradFill>
+      </a:fillStyleLst>
+      <a:lnStyleLst>
+        <a:ln w="6350" cap="flat" cmpd="sng" algn="ctr">
+          <a:solidFill>
+            <a:schemeClr val="phClr"/>
+          </a:solidFill>
+          <a:prstDash val="solid"/>
+          <a:miter lim="800000"/>
+        </a:ln>
+        <a:ln w="12700" cap="flat" cmpd="sng" algn="ctr">
+          <a:solidFill>
+            <a:schemeClr val="phClr"/>
+          </a:solidFill>
+          <a:prstDash val="solid"/>
+          <a:miter lim="800000"/>
+        </a:ln>
+        <a:ln w="19050" cap="flat" cmpd="sng" algn="ctr">
+          <a:solidFill>
+            <a:schemeClr val="phClr"/>
+          </a:solidFill>
+          <a:prstDash val="solid"/>
+          <a:miter lim="800000"/>
+        </a:ln>
+      </a:lnStyleLst>
+      <a:effectStyleLst>
+        <a:effectStyle>
+          <a:effectLst/>
+        </a:effectStyle>
+        <a:effectStyle>
+          <a:effectLst/>
+        </a:effectStyle>
+        <a:effectStyle>
+          <a:effectLst>
+            <a:outerShdw blurRad="57150" dist="19050" dir="5400000" algn="ctr" rotWithShape="0">
+              <a:srgbClr val="000000">
+                <a:alpha val="63000"/>
+              </a:srgbClr>
+            </a:outerShdw>
+          </a:effectLst>
+        </a:effectStyle>
+      </a:effectStyleLst>
+      <a:bgFillStyleLst>
+        <a:solidFill>
+          <a:schemeClr val="phClr"/>
+        </a:solidFill>
+        <a:solidFill>
+          <a:schemeClr val="phClr">
+            <a:tint val="95000"/>
+            <a:satMod val="170000"/>
+          </a:schemeClr>
+        </a:solidFill>
+        <a:gradFill rotWithShape="1">
+          <a:gsLst>
+            <a:gs pos="0">
+              <a:schemeClr val="phClr">
+                <a:tint val="93000"/>
+                <a:satMod val="150000"/>
+                <a:shade val="98000"/>
+                <a:lumMod val="102000"/>
+              </a:schemeClr>
+            </a:gs>
+            <a:gs pos="50000">
+              <a:schemeClr val="phClr">
+                <a:tint val="98000"/>
+                <a:satMod val="130000"/>
+                <a:shade val="90000"/>
+                <a:lumMod val="103000"/>
+              </a:schemeClr>
+            </a:gs>
+            <a:gs pos="100000">
+              <a:schemeClr val="phClr">
+                <a:shade val="63000"/>
+                <a:satMod val="120000"/>
+              </a:schemeClr>
+            </a:gs>
+          </a:gsLst>
+          <a:lin ang="5400000" scaled="0"/>
+        </a:gradFill>
+      </a:bgFillStyleLst>
+    </a:fmtScheme>
+  </a:themeElements>
+  <a:objectDefaults/>
+  <a:extraClrSchemeLst/>
+  <a:extLst>
+    <a:ext uri="{05A4C25C-085E-4340-85A3-A5531E510DB2}">
+      <thm15:themeFamily xmlns:thm15="http://schemas.microsoft.com/office/thememl/2012/main" name="Office Theme" id="{62F939B6-93AF-4DB8-9C6B-D6C7DFDC589F}" vid="{4A3C46E8-61CC-4603-A589-7422A47A8E4A}"/>
+    </a:ext>
+  </a:extLst>
+</a:theme>
 </file>